--- a/PPT_PoweBi_FinalProject_TejasDhamane.pptx
+++ b/PPT_PoweBi_FinalProject_TejasDhamane.pptx
@@ -262,7 +262,7 @@
           <a:p>
             <a:fld id="{EF1077DB-935E-4A0A-947A-D283B9F9F452}" type="datetimeFigureOut">
               <a:rPr lang="en-US" smtClean="0"/>
-              <a:t>7/22/2024</a:t>
+              <a:t>7/23/2024</a:t>
             </a:fld>
             <a:endParaRPr lang="en-US" dirty="0"/>
           </a:p>
@@ -439,7 +439,7 @@
           <a:p>
             <a:fld id="{2D9EC30E-1A71-4188-9BE7-E2A64929A436}" type="datetimeFigureOut">
               <a:rPr lang="en-US" noProof="0" smtClean="0"/>
-              <a:t>7/22/2024</a:t>
+              <a:t>7/23/2024</a:t>
             </a:fld>
             <a:endParaRPr lang="en-US" noProof="0" dirty="0"/>
           </a:p>
@@ -977,7 +977,7 @@
             <a:fld id="{B61BEF0D-F0BB-DE4B-95CE-6DB70DBA9567}" type="datetimeFigureOut">
               <a:rPr lang="en-US" smtClean="0"/>
               <a:pPr/>
-              <a:t>7/22/2024</a:t>
+              <a:t>7/23/2024</a:t>
             </a:fld>
             <a:endParaRPr lang="en-US" dirty="0"/>
           </a:p>
@@ -1255,7 +1255,7 @@
             <a:fld id="{B61BEF0D-F0BB-DE4B-95CE-6DB70DBA9567}" type="datetimeFigureOut">
               <a:rPr lang="en-US" smtClean="0"/>
               <a:pPr/>
-              <a:t>7/22/2024</a:t>
+              <a:t>7/23/2024</a:t>
             </a:fld>
             <a:endParaRPr lang="en-US" dirty="0"/>
           </a:p>
@@ -1452,7 +1452,7 @@
             <a:fld id="{B61BEF0D-F0BB-DE4B-95CE-6DB70DBA9567}" type="datetimeFigureOut">
               <a:rPr lang="en-US" smtClean="0"/>
               <a:pPr/>
-              <a:t>7/22/2024</a:t>
+              <a:t>7/23/2024</a:t>
             </a:fld>
             <a:endParaRPr lang="en-US" dirty="0"/>
           </a:p>
@@ -1728,7 +1728,7 @@
             <a:fld id="{B61BEF0D-F0BB-DE4B-95CE-6DB70DBA9567}" type="datetimeFigureOut">
               <a:rPr lang="en-US" smtClean="0"/>
               <a:pPr/>
-              <a:t>7/22/2024</a:t>
+              <a:t>7/23/2024</a:t>
             </a:fld>
             <a:endParaRPr lang="en-US" dirty="0"/>
           </a:p>
@@ -2072,7 +2072,7 @@
             <a:fld id="{B61BEF0D-F0BB-DE4B-95CE-6DB70DBA9567}" type="datetimeFigureOut">
               <a:rPr lang="en-US" smtClean="0"/>
               <a:pPr/>
-              <a:t>7/22/2024</a:t>
+              <a:t>7/23/2024</a:t>
             </a:fld>
             <a:endParaRPr lang="en-US" dirty="0"/>
           </a:p>
@@ -2698,7 +2698,7 @@
             <a:fld id="{B61BEF0D-F0BB-DE4B-95CE-6DB70DBA9567}" type="datetimeFigureOut">
               <a:rPr lang="en-US" smtClean="0"/>
               <a:pPr/>
-              <a:t>7/22/2024</a:t>
+              <a:t>7/23/2024</a:t>
             </a:fld>
             <a:endParaRPr lang="en-US" dirty="0"/>
           </a:p>
@@ -3561,7 +3561,7 @@
             <a:fld id="{B61BEF0D-F0BB-DE4B-95CE-6DB70DBA9567}" type="datetimeFigureOut">
               <a:rPr lang="en-US" smtClean="0"/>
               <a:pPr/>
-              <a:t>7/22/2024</a:t>
+              <a:t>7/23/2024</a:t>
             </a:fld>
             <a:endParaRPr lang="en-US" dirty="0"/>
           </a:p>
@@ -3733,7 +3733,7 @@
           <a:p>
             <a:fld id="{55C6B4A9-1611-4792-9094-5F34BCA07E0B}" type="datetimeFigureOut">
               <a:rPr lang="en-US" smtClean="0"/>
-              <a:t>7/22/2024</a:t>
+              <a:t>7/23/2024</a:t>
             </a:fld>
             <a:endParaRPr lang="en-US" dirty="0"/>
           </a:p>
@@ -3915,7 +3915,7 @@
             <a:fld id="{B61BEF0D-F0BB-DE4B-95CE-6DB70DBA9567}" type="datetimeFigureOut">
               <a:rPr lang="en-US" smtClean="0"/>
               <a:pPr/>
-              <a:t>7/22/2024</a:t>
+              <a:t>7/23/2024</a:t>
             </a:fld>
             <a:endParaRPr lang="en-US" dirty="0"/>
           </a:p>
@@ -4520,7 +4520,7 @@
   <p:extLst>
     <p:ext uri="{DCECCB84-F9BA-43D5-87BE-67443E8EF086}">
       <p15:sldGuideLst xmlns:p15="http://schemas.microsoft.com/office/powerpoint/2012/main">
-        <p15:guide id="4294967295" orient="horz" pos="1272">
+        <p15:guide id="1" orient="horz" pos="1272">
           <p15:clr>
             <a:srgbClr val="FBAE40"/>
           </p15:clr>
@@ -5026,17 +5026,17 @@
   <p:extLst>
     <p:ext uri="{DCECCB84-F9BA-43D5-87BE-67443E8EF086}">
       <p15:sldGuideLst xmlns:p15="http://schemas.microsoft.com/office/powerpoint/2012/main">
-        <p15:guide id="4294967295" orient="horz" pos="504">
+        <p15:guide id="1" orient="horz" pos="504">
           <p15:clr>
             <a:srgbClr val="FBAE40"/>
           </p15:clr>
         </p15:guide>
-        <p15:guide id="4294967295" pos="3840">
+        <p15:guide id="2" pos="3840">
           <p15:clr>
             <a:srgbClr val="FBAE40"/>
           </p15:clr>
         </p15:guide>
-        <p15:guide id="4294967295" orient="horz" pos="1416">
+        <p15:guide id="3" orient="horz" pos="1416">
           <p15:clr>
             <a:srgbClr val="FBAE40"/>
           </p15:clr>
@@ -5157,7 +5157,7 @@
             <a:fld id="{B61BEF0D-F0BB-DE4B-95CE-6DB70DBA9567}" type="datetimeFigureOut">
               <a:rPr lang="en-US" smtClean="0"/>
               <a:pPr/>
-              <a:t>7/22/2024</a:t>
+              <a:t>7/23/2024</a:t>
             </a:fld>
             <a:endParaRPr lang="en-US" dirty="0"/>
           </a:p>
@@ -5696,7 +5696,7 @@
   <p:extLst>
     <p:ext uri="{DCECCB84-F9BA-43D5-87BE-67443E8EF086}">
       <p15:sldGuideLst xmlns:p15="http://schemas.microsoft.com/office/powerpoint/2012/main">
-        <p15:guide id="4294967295" orient="horz" pos="2160">
+        <p15:guide id="1" orient="horz" pos="2160">
           <p15:clr>
             <a:srgbClr val="FBAE40"/>
           </p15:clr>
@@ -6944,12 +6944,12 @@
   <p:extLst>
     <p:ext uri="{DCECCB84-F9BA-43D5-87BE-67443E8EF086}">
       <p15:sldGuideLst xmlns:p15="http://schemas.microsoft.com/office/powerpoint/2012/main">
-        <p15:guide id="4294967295" orient="horz" pos="2160">
+        <p15:guide id="1" orient="horz" pos="2160">
           <p15:clr>
             <a:srgbClr val="FBAE40"/>
           </p15:clr>
         </p15:guide>
-        <p15:guide id="4294967295" pos="3840">
+        <p15:guide id="2" pos="3840">
           <p15:clr>
             <a:srgbClr val="FBAE40"/>
           </p15:clr>
@@ -7371,7 +7371,7 @@
             <a:fld id="{B61BEF0D-F0BB-DE4B-95CE-6DB70DBA9567}" type="datetimeFigureOut">
               <a:rPr lang="en-US" smtClean="0"/>
               <a:pPr/>
-              <a:t>7/22/2024</a:t>
+              <a:t>7/23/2024</a:t>
             </a:fld>
             <a:endParaRPr lang="en-US" dirty="0"/>
           </a:p>
@@ -7665,7 +7665,7 @@
           <a:p>
             <a:fld id="{EB712588-04B1-427B-82EE-E8DB90309F08}" type="datetimeFigureOut">
               <a:rPr lang="en-US" smtClean="0"/>
-              <a:t>7/22/2024</a:t>
+              <a:t>7/23/2024</a:t>
             </a:fld>
             <a:endParaRPr lang="en-US" dirty="0"/>
           </a:p>
@@ -8111,7 +8111,7 @@
             <a:fld id="{B61BEF0D-F0BB-DE4B-95CE-6DB70DBA9567}" type="datetimeFigureOut">
               <a:rPr lang="en-US" smtClean="0"/>
               <a:pPr/>
-              <a:t>7/22/2024</a:t>
+              <a:t>7/23/2024</a:t>
             </a:fld>
             <a:endParaRPr lang="en-US" dirty="0"/>
           </a:p>
@@ -8232,7 +8232,7 @@
             <a:fld id="{B61BEF0D-F0BB-DE4B-95CE-6DB70DBA9567}" type="datetimeFigureOut">
               <a:rPr lang="en-US" smtClean="0"/>
               <a:pPr/>
-              <a:t>7/22/2024</a:t>
+              <a:t>7/23/2024</a:t>
             </a:fld>
             <a:endParaRPr lang="en-US" dirty="0"/>
           </a:p>
@@ -8330,7 +8330,7 @@
             <a:fld id="{B61BEF0D-F0BB-DE4B-95CE-6DB70DBA9567}" type="datetimeFigureOut">
               <a:rPr lang="en-US" smtClean="0"/>
               <a:pPr/>
-              <a:t>7/22/2024</a:t>
+              <a:t>7/23/2024</a:t>
             </a:fld>
             <a:endParaRPr lang="en-US" dirty="0"/>
           </a:p>
@@ -8611,7 +8611,7 @@
           <a:p>
             <a:fld id="{42A54C80-263E-416B-A8E0-580EDEADCBDC}" type="datetimeFigureOut">
               <a:rPr lang="en-US" smtClean="0"/>
-              <a:t>7/22/2024</a:t>
+              <a:t>7/23/2024</a:t>
             </a:fld>
             <a:endParaRPr lang="en-US" dirty="0"/>
           </a:p>
@@ -8888,7 +8888,7 @@
             <a:fld id="{B61BEF0D-F0BB-DE4B-95CE-6DB70DBA9567}" type="datetimeFigureOut">
               <a:rPr lang="en-US" smtClean="0"/>
               <a:pPr/>
-              <a:t>7/22/2024</a:t>
+              <a:t>7/23/2024</a:t>
             </a:fld>
             <a:endParaRPr lang="en-US" dirty="0"/>
           </a:p>
@@ -9320,7 +9320,7 @@
             <a:fld id="{B61BEF0D-F0BB-DE4B-95CE-6DB70DBA9567}" type="datetimeFigureOut">
               <a:rPr lang="en-US" smtClean="0"/>
               <a:pPr/>
-              <a:t>7/22/2024</a:t>
+              <a:t>7/23/2024</a:t>
             </a:fld>
             <a:endParaRPr lang="en-US" dirty="0"/>
           </a:p>
@@ -9534,7 +9534,7 @@
                 </a:solidFill>
               </a:rPr>
               <a:pPr/>
-              <a:t>7/22/2024</a:t>
+              <a:t>7/23/2024</a:t>
             </a:fld>
             <a:endParaRPr lang="en-US" sz="1100" dirty="0">
               <a:solidFill>
@@ -10665,13 +10665,13 @@
   <p:clrMapOvr>
     <a:masterClrMapping/>
   </p:clrMapOvr>
-  <mc:AlternateContent xmlns:mc="http://schemas.openxmlformats.org/markup-compatibility/2006">
-    <mc:Choice xmlns:p14="http://schemas.microsoft.com/office/powerpoint/2010/main" Requires="p14">
+  <mc:AlternateContent xmlns:mc="http://schemas.openxmlformats.org/markup-compatibility/2006" xmlns:p14="http://schemas.microsoft.com/office/powerpoint/2010/main">
+    <mc:Choice Requires="p14">
       <p:transition spd="med" p14:dur="700">
         <p:fade/>
       </p:transition>
     </mc:Choice>
-    <mc:Fallback>
+    <mc:Fallback xmlns="">
       <p:transition spd="med">
         <p:fade/>
       </p:transition>
@@ -11860,8 +11860,8 @@
         </p:nvSpPr>
         <p:spPr>
           <a:xfrm>
-            <a:off x="197560" y="1379237"/>
-            <a:ext cx="11340000" cy="700114"/>
+            <a:off x="684748" y="1025331"/>
+            <a:ext cx="9404723" cy="1400530"/>
           </a:xfrm>
           <a:prstGeom prst="rect">
             <a:avLst/>
@@ -11869,7 +11869,7 @@
         </p:spPr>
         <p:txBody>
           <a:bodyPr anchor="ctr">
-            <a:normAutofit fontScale="90000"/>
+            <a:normAutofit/>
           </a:bodyPr>
           <a:lstStyle/>
           <a:p>
@@ -11892,38 +11892,6 @@
       </p:sp>
       <p:sp>
         <p:nvSpPr>
-          <p:cNvPr id="12" name="Text Placeholder 11">
-            <a:extLst>
-              <a:ext uri="{FF2B5EF4-FFF2-40B4-BE49-F238E27FC236}">
-                <a16:creationId xmlns:a16="http://schemas.microsoft.com/office/drawing/2014/main" xmlns="" id="{BC277FD7-925B-4C3D-A364-118403201507}"/>
-              </a:ext>
-            </a:extLst>
-          </p:cNvPr>
-          <p:cNvSpPr>
-            <a:spLocks noGrp="1"/>
-          </p:cNvSpPr>
-          <p:nvPr>
-            <p:ph type="body" sz="quarter" idx="10"/>
-          </p:nvPr>
-        </p:nvSpPr>
-        <p:spPr>
-          <a:xfrm>
-            <a:off x="2975013" y="3962573"/>
-            <a:ext cx="2139696" cy="344312"/>
-          </a:xfrm>
-        </p:spPr>
-        <p:txBody>
-          <a:bodyPr>
-            <a:normAutofit fontScale="92500" lnSpcReduction="20000"/>
-          </a:bodyPr>
-          <a:lstStyle/>
-          <a:p>
-            <a:endParaRPr lang="en-IN" dirty="0"/>
-          </a:p>
-        </p:txBody>
-      </p:sp>
-      <p:sp>
-        <p:nvSpPr>
           <p:cNvPr id="31" name="Text Placeholder 30">
             <a:extLst>
               <a:ext uri="{FF2B5EF4-FFF2-40B4-BE49-F238E27FC236}">
@@ -11935,13 +11903,13 @@
             <a:spLocks noGrp="1"/>
           </p:cNvSpPr>
           <p:nvPr>
-            <p:ph type="body" sz="quarter" idx="11"/>
+            <p:ph type="body" sz="quarter" idx="4294967295"/>
           </p:nvPr>
         </p:nvSpPr>
         <p:spPr>
           <a:xfrm>
-            <a:off x="3727865" y="4641925"/>
-            <a:ext cx="2139695" cy="1108635"/>
+            <a:off x="0" y="4641850"/>
+            <a:ext cx="2139950" cy="1108075"/>
           </a:xfrm>
         </p:spPr>
         <p:txBody>
@@ -12215,10 +12183,10 @@
       </p:sp>
       <p:sp>
         <p:nvSpPr>
-          <p:cNvPr id="20" name="Text Placeholder 28">
+          <p:cNvPr id="23" name="Text Placeholder 28">
             <a:extLst>
               <a:ext uri="{FF2B5EF4-FFF2-40B4-BE49-F238E27FC236}">
-                <a16:creationId xmlns:a16="http://schemas.microsoft.com/office/drawing/2014/main" xmlns="" id="{A09A5BC1-0E62-4E6B-A590-951A87D4B4FE}"/>
+                <a16:creationId xmlns:a16="http://schemas.microsoft.com/office/drawing/2014/main" xmlns="" id="{9E6B148F-F3B6-4E6B-9B85-645C039858E8}"/>
               </a:ext>
             </a:extLst>
           </p:cNvPr>
@@ -12229,7 +12197,7 @@
         </p:nvSpPr>
         <p:spPr>
           <a:xfrm>
-            <a:off x="5353508" y="3962573"/>
+            <a:off x="7789163" y="3962572"/>
             <a:ext cx="2596574" cy="453919"/>
           </a:xfrm>
           <a:prstGeom prst="rect">
@@ -12471,262 +12439,6 @@
       </p:sp>
       <p:sp>
         <p:nvSpPr>
-          <p:cNvPr id="23" name="Text Placeholder 28">
-            <a:extLst>
-              <a:ext uri="{FF2B5EF4-FFF2-40B4-BE49-F238E27FC236}">
-                <a16:creationId xmlns:a16="http://schemas.microsoft.com/office/drawing/2014/main" xmlns="" id="{9E6B148F-F3B6-4E6B-9B85-645C039858E8}"/>
-              </a:ext>
-            </a:extLst>
-          </p:cNvPr>
-          <p:cNvSpPr txBox="1">
-            <a:spLocks/>
-          </p:cNvSpPr>
-          <p:nvPr/>
-        </p:nvSpPr>
-        <p:spPr>
-          <a:xfrm>
-            <a:off x="7789163" y="3962572"/>
-            <a:ext cx="2596574" cy="453919"/>
-          </a:xfrm>
-          <a:prstGeom prst="rect">
-            <a:avLst/>
-          </a:prstGeom>
-        </p:spPr>
-        <p:txBody>
-          <a:bodyPr vert="horz" lIns="91440" tIns="45720" rIns="91440" bIns="45720" rtlCol="0">
-            <a:normAutofit/>
-          </a:bodyPr>
-          <a:lstStyle>
-            <a:lvl1pPr marL="0" indent="0" algn="ctr" defTabSz="457200" rtl="0" eaLnBrk="1" latinLnBrk="0" hangingPunct="1">
-              <a:spcBef>
-                <a:spcPts val="1000"/>
-              </a:spcBef>
-              <a:spcAft>
-                <a:spcPts val="0"/>
-              </a:spcAft>
-              <a:buClr>
-                <a:schemeClr val="accent1"/>
-              </a:buClr>
-              <a:buSzPct val="80000"/>
-              <a:buFont typeface="Wingdings 3" charset="2"/>
-              <a:buNone/>
-              <a:defRPr lang="en-US" sz="2000" b="1" kern="1200" dirty="0" smtClean="0">
-                <a:solidFill>
-                  <a:schemeClr val="accent4"/>
-                </a:solidFill>
-                <a:latin typeface="+mj-lt"/>
-                <a:ea typeface="+mn-ea"/>
-                <a:cs typeface="+mn-cs"/>
-              </a:defRPr>
-            </a:lvl1pPr>
-            <a:lvl2pPr marL="742950" indent="-285750" algn="l" defTabSz="457200" rtl="0" eaLnBrk="1" latinLnBrk="0" hangingPunct="1">
-              <a:spcBef>
-                <a:spcPts val="1000"/>
-              </a:spcBef>
-              <a:spcAft>
-                <a:spcPts val="0"/>
-              </a:spcAft>
-              <a:buClr>
-                <a:schemeClr val="accent1"/>
-              </a:buClr>
-              <a:buSzPct val="80000"/>
-              <a:buFont typeface="Wingdings 3" charset="2"/>
-              <a:buChar char=""/>
-              <a:defRPr sz="1600" kern="1200">
-                <a:solidFill>
-                  <a:schemeClr val="tx1">
-                    <a:lumMod val="75000"/>
-                    <a:lumOff val="25000"/>
-                  </a:schemeClr>
-                </a:solidFill>
-                <a:latin typeface="+mn-lt"/>
-                <a:ea typeface="+mn-ea"/>
-                <a:cs typeface="+mn-cs"/>
-              </a:defRPr>
-            </a:lvl2pPr>
-            <a:lvl3pPr marL="1143000" indent="-228600" algn="l" defTabSz="457200" rtl="0" eaLnBrk="1" latinLnBrk="0" hangingPunct="1">
-              <a:spcBef>
-                <a:spcPts val="1000"/>
-              </a:spcBef>
-              <a:spcAft>
-                <a:spcPts val="0"/>
-              </a:spcAft>
-              <a:buClr>
-                <a:schemeClr val="accent1"/>
-              </a:buClr>
-              <a:buSzPct val="80000"/>
-              <a:buFont typeface="Wingdings 3" charset="2"/>
-              <a:buChar char=""/>
-              <a:defRPr sz="1400" kern="1200">
-                <a:solidFill>
-                  <a:schemeClr val="tx1">
-                    <a:lumMod val="75000"/>
-                    <a:lumOff val="25000"/>
-                  </a:schemeClr>
-                </a:solidFill>
-                <a:latin typeface="+mn-lt"/>
-                <a:ea typeface="+mn-ea"/>
-                <a:cs typeface="+mn-cs"/>
-              </a:defRPr>
-            </a:lvl3pPr>
-            <a:lvl4pPr marL="1600200" indent="-228600" algn="l" defTabSz="457200" rtl="0" eaLnBrk="1" latinLnBrk="0" hangingPunct="1">
-              <a:spcBef>
-                <a:spcPts val="1000"/>
-              </a:spcBef>
-              <a:spcAft>
-                <a:spcPts val="0"/>
-              </a:spcAft>
-              <a:buClr>
-                <a:schemeClr val="accent1"/>
-              </a:buClr>
-              <a:buSzPct val="80000"/>
-              <a:buFont typeface="Wingdings 3" charset="2"/>
-              <a:buChar char=""/>
-              <a:defRPr sz="1200" kern="1200">
-                <a:solidFill>
-                  <a:schemeClr val="tx1">
-                    <a:lumMod val="75000"/>
-                    <a:lumOff val="25000"/>
-                  </a:schemeClr>
-                </a:solidFill>
-                <a:latin typeface="+mn-lt"/>
-                <a:ea typeface="+mn-ea"/>
-                <a:cs typeface="+mn-cs"/>
-              </a:defRPr>
-            </a:lvl4pPr>
-            <a:lvl5pPr marL="2057400" indent="-228600" algn="l" defTabSz="457200" rtl="0" eaLnBrk="1" latinLnBrk="0" hangingPunct="1">
-              <a:spcBef>
-                <a:spcPts val="1000"/>
-              </a:spcBef>
-              <a:spcAft>
-                <a:spcPts val="0"/>
-              </a:spcAft>
-              <a:buClr>
-                <a:schemeClr val="accent1"/>
-              </a:buClr>
-              <a:buSzPct val="80000"/>
-              <a:buFont typeface="Wingdings 3" charset="2"/>
-              <a:buChar char=""/>
-              <a:defRPr sz="1200" kern="1200">
-                <a:solidFill>
-                  <a:schemeClr val="tx1">
-                    <a:lumMod val="75000"/>
-                    <a:lumOff val="25000"/>
-                  </a:schemeClr>
-                </a:solidFill>
-                <a:latin typeface="+mn-lt"/>
-                <a:ea typeface="+mn-ea"/>
-                <a:cs typeface="+mn-cs"/>
-              </a:defRPr>
-            </a:lvl5pPr>
-            <a:lvl6pPr marL="2514600" indent="-228600" algn="l" defTabSz="457200" rtl="0" eaLnBrk="1" latinLnBrk="0" hangingPunct="1">
-              <a:spcBef>
-                <a:spcPts val="1000"/>
-              </a:spcBef>
-              <a:spcAft>
-                <a:spcPts val="0"/>
-              </a:spcAft>
-              <a:buClr>
-                <a:schemeClr val="accent1"/>
-              </a:buClr>
-              <a:buSzPct val="80000"/>
-              <a:buFont typeface="Wingdings 3" charset="2"/>
-              <a:buChar char=""/>
-              <a:defRPr sz="1200" kern="1200">
-                <a:solidFill>
-                  <a:schemeClr val="tx1">
-                    <a:lumMod val="75000"/>
-                    <a:lumOff val="25000"/>
-                  </a:schemeClr>
-                </a:solidFill>
-                <a:latin typeface="+mn-lt"/>
-                <a:ea typeface="+mn-ea"/>
-                <a:cs typeface="+mn-cs"/>
-              </a:defRPr>
-            </a:lvl6pPr>
-            <a:lvl7pPr marL="2971800" indent="-228600" algn="l" defTabSz="457200" rtl="0" eaLnBrk="1" latinLnBrk="0" hangingPunct="1">
-              <a:spcBef>
-                <a:spcPts val="1000"/>
-              </a:spcBef>
-              <a:spcAft>
-                <a:spcPts val="0"/>
-              </a:spcAft>
-              <a:buClr>
-                <a:schemeClr val="accent1"/>
-              </a:buClr>
-              <a:buSzPct val="80000"/>
-              <a:buFont typeface="Wingdings 3" charset="2"/>
-              <a:buChar char=""/>
-              <a:defRPr sz="1200" kern="1200">
-                <a:solidFill>
-                  <a:schemeClr val="tx1">
-                    <a:lumMod val="75000"/>
-                    <a:lumOff val="25000"/>
-                  </a:schemeClr>
-                </a:solidFill>
-                <a:latin typeface="+mn-lt"/>
-                <a:ea typeface="+mn-ea"/>
-                <a:cs typeface="+mn-cs"/>
-              </a:defRPr>
-            </a:lvl7pPr>
-            <a:lvl8pPr marL="3429000" indent="-228600" algn="l" defTabSz="457200" rtl="0" eaLnBrk="1" latinLnBrk="0" hangingPunct="1">
-              <a:spcBef>
-                <a:spcPts val="1000"/>
-              </a:spcBef>
-              <a:spcAft>
-                <a:spcPts val="0"/>
-              </a:spcAft>
-              <a:buClr>
-                <a:schemeClr val="accent1"/>
-              </a:buClr>
-              <a:buSzPct val="80000"/>
-              <a:buFont typeface="Wingdings 3" charset="2"/>
-              <a:buChar char=""/>
-              <a:defRPr sz="1200" kern="1200">
-                <a:solidFill>
-                  <a:schemeClr val="tx1">
-                    <a:lumMod val="75000"/>
-                    <a:lumOff val="25000"/>
-                  </a:schemeClr>
-                </a:solidFill>
-                <a:latin typeface="+mn-lt"/>
-                <a:ea typeface="+mn-ea"/>
-                <a:cs typeface="+mn-cs"/>
-              </a:defRPr>
-            </a:lvl8pPr>
-            <a:lvl9pPr marL="3886200" indent="-228600" algn="l" defTabSz="457200" rtl="0" eaLnBrk="1" latinLnBrk="0" hangingPunct="1">
-              <a:spcBef>
-                <a:spcPts val="1000"/>
-              </a:spcBef>
-              <a:spcAft>
-                <a:spcPts val="0"/>
-              </a:spcAft>
-              <a:buClr>
-                <a:schemeClr val="accent1"/>
-              </a:buClr>
-              <a:buSzPct val="80000"/>
-              <a:buFont typeface="Wingdings 3" charset="2"/>
-              <a:buChar char=""/>
-              <a:defRPr sz="1200" kern="1200">
-                <a:solidFill>
-                  <a:schemeClr val="tx1">
-                    <a:lumMod val="75000"/>
-                    <a:lumOff val="25000"/>
-                  </a:schemeClr>
-                </a:solidFill>
-                <a:latin typeface="+mn-lt"/>
-                <a:ea typeface="+mn-ea"/>
-                <a:cs typeface="+mn-cs"/>
-              </a:defRPr>
-            </a:lvl9pPr>
-          </a:lstStyle>
-          <a:p>
-            <a:endParaRPr lang="en-IN" sz="2200" dirty="0"/>
-          </a:p>
-        </p:txBody>
-      </p:sp>
-      <p:sp>
-        <p:nvSpPr>
           <p:cNvPr id="30" name="Text Placeholder 30">
             <a:extLst>
               <a:ext uri="{FF2B5EF4-FFF2-40B4-BE49-F238E27FC236}">
@@ -13237,6 +12949,51 @@
               <a:rPr lang="en-GB" dirty="0"/>
               <a:t>.</a:t>
             </a:r>
+          </a:p>
+        </p:txBody>
+      </p:sp>
+      <p:sp>
+        <p:nvSpPr>
+          <p:cNvPr id="4" name="Rectangle 3"/>
+          <p:cNvSpPr/>
+          <p:nvPr/>
+        </p:nvSpPr>
+        <p:spPr>
+          <a:xfrm>
+            <a:off x="8305776" y="2425861"/>
+            <a:ext cx="2710868" cy="584775"/>
+          </a:xfrm>
+          <a:prstGeom prst="rect">
+            <a:avLst/>
+          </a:prstGeom>
+        </p:spPr>
+        <p:txBody>
+          <a:bodyPr wrap="square">
+            <a:spAutoFit/>
+          </a:bodyPr>
+          <a:lstStyle/>
+          <a:p>
+            <a:r>
+              <a:rPr lang="en-US" sz="3200" dirty="0" err="1">
+                <a:solidFill>
+                  <a:srgbClr val="1155CC"/>
+                </a:solidFill>
+                <a:latin typeface="Arial" panose="020B0604020202020204" pitchFamily="34" charset="0"/>
+                <a:hlinkClick r:id="rId2"/>
+              </a:rPr>
+              <a:t>github</a:t>
+            </a:r>
+            <a:r>
+              <a:rPr lang="en-US" sz="3200" dirty="0">
+                <a:solidFill>
+                  <a:srgbClr val="1155CC"/>
+                </a:solidFill>
+                <a:latin typeface="Arial" panose="020B0604020202020204" pitchFamily="34" charset="0"/>
+                <a:hlinkClick r:id="rId2"/>
+              </a:rPr>
+              <a:t> link</a:t>
+            </a:r>
+            <a:endParaRPr lang="en-US" sz="3200" dirty="0"/>
           </a:p>
         </p:txBody>
       </p:sp>
@@ -13557,7 +13314,7 @@
                                           </p:stCondLst>
                                         </p:cTn>
                                         <p:tgtEl>
-                                          <p:spTgt spid="20"/>
+                                          <p:spTgt spid="30"/>
                                         </p:tgtEl>
                                         <p:attrNameLst>
                                           <p:attrName>style.visibility</p:attrName>
@@ -13571,7 +13328,7 @@
                                       <p:cBhvr additive="base">
                                         <p:cTn id="26" dur="500"/>
                                         <p:tgtEl>
-                                          <p:spTgt spid="20"/>
+                                          <p:spTgt spid="30"/>
                                         </p:tgtEl>
                                         <p:attrNameLst>
                                           <p:attrName>ppt_y</p:attrName>
@@ -13594,7 +13351,7 @@
                                       <p:cBhvr>
                                         <p:cTn id="27" dur="500"/>
                                         <p:tgtEl>
-                                          <p:spTgt spid="20"/>
+                                          <p:spTgt spid="30"/>
                                         </p:tgtEl>
                                       </p:cBhvr>
                                     </p:animEffect>
@@ -13638,7 +13395,7 @@
                                           </p:stCondLst>
                                         </p:cTn>
                                         <p:tgtEl>
-                                          <p:spTgt spid="30"/>
+                                          <p:spTgt spid="23"/>
                                         </p:tgtEl>
                                         <p:attrNameLst>
                                           <p:attrName>style.visibility</p:attrName>
@@ -13652,7 +13409,7 @@
                                       <p:cBhvr additive="base">
                                         <p:cTn id="32" dur="500"/>
                                         <p:tgtEl>
-                                          <p:spTgt spid="30"/>
+                                          <p:spTgt spid="23"/>
                                         </p:tgtEl>
                                         <p:attrNameLst>
                                           <p:attrName>ppt_y</p:attrName>
@@ -13675,7 +13432,7 @@
                                       <p:cBhvr>
                                         <p:cTn id="33" dur="500"/>
                                         <p:tgtEl>
-                                          <p:spTgt spid="30"/>
+                                          <p:spTgt spid="23"/>
                                         </p:tgtEl>
                                       </p:cBhvr>
                                     </p:animEffect>
@@ -13701,95 +13458,14 @@
                             </p:stCondLst>
                             <p:childTnLst>
                               <p:par>
-                                <p:cTn id="36" presetID="12" presetClass="entr" presetSubtype="4" fill="hold" grpId="0" nodeType="clickEffect" nodePh="1">
-                                  <p:stCondLst>
-                                    <p:cond delay="0"/>
-                                  </p:stCondLst>
-                                  <p:endCondLst>
-                                    <p:cond evt="begin" delay="0">
-                                      <p:tn val="36"/>
-                                    </p:cond>
-                                  </p:endCondLst>
-                                  <p:childTnLst>
-                                    <p:set>
-                                      <p:cBhvr>
-                                        <p:cTn id="37" dur="1" fill="hold">
-                                          <p:stCondLst>
-                                            <p:cond delay="0"/>
-                                          </p:stCondLst>
-                                        </p:cTn>
-                                        <p:tgtEl>
-                                          <p:spTgt spid="23"/>
-                                        </p:tgtEl>
-                                        <p:attrNameLst>
-                                          <p:attrName>style.visibility</p:attrName>
-                                        </p:attrNameLst>
-                                      </p:cBhvr>
-                                      <p:to>
-                                        <p:strVal val="visible"/>
-                                      </p:to>
-                                    </p:set>
-                                    <p:anim calcmode="lin" valueType="num">
-                                      <p:cBhvr additive="base">
-                                        <p:cTn id="38" dur="500"/>
-                                        <p:tgtEl>
-                                          <p:spTgt spid="23"/>
-                                        </p:tgtEl>
-                                        <p:attrNameLst>
-                                          <p:attrName>ppt_y</p:attrName>
-                                        </p:attrNameLst>
-                                      </p:cBhvr>
-                                      <p:tavLst>
-                                        <p:tav tm="0">
-                                          <p:val>
-                                            <p:strVal val="#ppt_y+#ppt_h*1.125000"/>
-                                          </p:val>
-                                        </p:tav>
-                                        <p:tav tm="100000">
-                                          <p:val>
-                                            <p:strVal val="#ppt_y"/>
-                                          </p:val>
-                                        </p:tav>
-                                      </p:tavLst>
-                                    </p:anim>
-                                    <p:animEffect transition="in" filter="wipe(up)">
-                                      <p:cBhvr>
-                                        <p:cTn id="39" dur="500"/>
-                                        <p:tgtEl>
-                                          <p:spTgt spid="23"/>
-                                        </p:tgtEl>
-                                      </p:cBhvr>
-                                    </p:animEffect>
-                                  </p:childTnLst>
-                                </p:cTn>
-                              </p:par>
-                            </p:childTnLst>
-                          </p:cTn>
-                        </p:par>
-                      </p:childTnLst>
-                    </p:cTn>
-                  </p:par>
-                  <p:par>
-                    <p:cTn id="40" fill="hold">
-                      <p:stCondLst>
-                        <p:cond delay="indefinite"/>
-                      </p:stCondLst>
-                      <p:childTnLst>
-                        <p:par>
-                          <p:cTn id="41" fill="hold">
-                            <p:stCondLst>
-                              <p:cond delay="0"/>
-                            </p:stCondLst>
-                            <p:childTnLst>
-                              <p:par>
-                                <p:cTn id="42" presetID="12" presetClass="entr" presetSubtype="4" fill="hold" grpId="0" nodeType="clickEffect">
+                                <p:cTn id="36" presetID="12" presetClass="entr" presetSubtype="4" fill="hold" grpId="0" nodeType="clickEffect">
                                   <p:stCondLst>
                                     <p:cond delay="0"/>
                                   </p:stCondLst>
                                   <p:childTnLst>
                                     <p:set>
                                       <p:cBhvr>
-                                        <p:cTn id="43" dur="1" fill="hold">
+                                        <p:cTn id="37" dur="1" fill="hold">
                                           <p:stCondLst>
                                             <p:cond delay="0"/>
                                           </p:stCondLst>
@@ -13807,7 +13483,7 @@
                                     </p:set>
                                     <p:anim calcmode="lin" valueType="num">
                                       <p:cBhvr additive="base">
-                                        <p:cTn id="44" dur="500"/>
+                                        <p:cTn id="38" dur="500"/>
                                         <p:tgtEl>
                                           <p:spTgt spid="32"/>
                                         </p:tgtEl>
@@ -13830,7 +13506,7 @@
                                     </p:anim>
                                     <p:animEffect transition="in" filter="wipe(up)">
                                       <p:cBhvr>
-                                        <p:cTn id="45" dur="500"/>
+                                        <p:cTn id="39" dur="500"/>
                                         <p:tgtEl>
                                           <p:spTgt spid="32"/>
                                         </p:tgtEl>
@@ -13870,7 +13546,6 @@
       <p:bldP spid="3" grpId="0"/>
       <p:bldP spid="31" grpId="0" build="p"/>
       <p:bldP spid="17" grpId="0"/>
-      <p:bldP spid="20" grpId="0"/>
       <p:bldP spid="23" grpId="0"/>
       <p:bldP spid="30" grpId="0"/>
       <p:bldP spid="32" grpId="0"/>
@@ -14665,19 +14340,7 @@
             </a:pPr>
             <a:r>
               <a:rPr lang="en-IN" sz="3600" dirty="0" smtClean="0"/>
-              <a:t>The End user of the analysed data are the various investors who regularly invest in crypto market </a:t>
-            </a:r>
-            <a:r>
-              <a:rPr lang="en-IN" sz="3600" dirty="0" smtClean="0"/>
-              <a:t>w</a:t>
-            </a:r>
-            <a:r>
-              <a:rPr lang="en-IN" sz="3600" dirty="0" smtClean="0"/>
-              <a:t>hich is growing wisely in last few years so that they can invest the money statistically and can make the strategies to grow in crypto market by </a:t>
-            </a:r>
-            <a:r>
-              <a:rPr lang="en-IN" sz="3600" dirty="0" smtClean="0"/>
-              <a:t>doing investment plans for long term goals </a:t>
+              <a:t>The End user of the analysed data are the various investors who regularly invest in crypto market which is growing wisely in last few years so that they can invest the money statistically and can make the strategies to grow in crypto market by doing investment plans for long term goals </a:t>
             </a:r>
             <a:endParaRPr lang="en-IN" sz="3600" dirty="0"/>
           </a:p>
@@ -14955,11 +14618,7 @@
             </a:pPr>
             <a:r>
               <a:rPr lang="en-IN" sz="2800" dirty="0" smtClean="0"/>
-              <a:t>POW</a:t>
-            </a:r>
-            <a:r>
-              <a:rPr lang="en-IN" sz="2800" dirty="0" smtClean="0"/>
-              <a:t>ER BI</a:t>
+              <a:t>POWER BI</a:t>
             </a:r>
           </a:p>
           <a:p>

--- a/PPT_PoweBi_FinalProject_TejasDhamane.pptx
+++ b/PPT_PoweBi_FinalProject_TejasDhamane.pptx
@@ -195,7 +195,7 @@
           <p:cNvPr id="2" name="Header Placeholder 1">
             <a:extLst>
               <a:ext uri="{FF2B5EF4-FFF2-40B4-BE49-F238E27FC236}">
-                <a16:creationId xmlns:a16="http://schemas.microsoft.com/office/drawing/2014/main" xmlns="" id="{B76F666D-E0C2-435B-BAA8-9287F9E5D38A}"/>
+                <a16:creationId xmlns="" xmlns:a16="http://schemas.microsoft.com/office/drawing/2014/main" id="{B76F666D-E0C2-435B-BAA8-9287F9E5D38A}"/>
               </a:ext>
             </a:extLst>
           </p:cNvPr>
@@ -232,7 +232,7 @@
           <p:cNvPr id="3" name="Date Placeholder 2">
             <a:extLst>
               <a:ext uri="{FF2B5EF4-FFF2-40B4-BE49-F238E27FC236}">
-                <a16:creationId xmlns:a16="http://schemas.microsoft.com/office/drawing/2014/main" xmlns="" id="{19FEBCAF-CB3F-4928-91AA-D61472F880C0}"/>
+                <a16:creationId xmlns="" xmlns:a16="http://schemas.microsoft.com/office/drawing/2014/main" id="{19FEBCAF-CB3F-4928-91AA-D61472F880C0}"/>
               </a:ext>
             </a:extLst>
           </p:cNvPr>
@@ -273,7 +273,7 @@
           <p:cNvPr id="4" name="Footer Placeholder 3">
             <a:extLst>
               <a:ext uri="{FF2B5EF4-FFF2-40B4-BE49-F238E27FC236}">
-                <a16:creationId xmlns:a16="http://schemas.microsoft.com/office/drawing/2014/main" xmlns="" id="{69256698-63C6-4CCC-81CB-EA5604C30F1E}"/>
+                <a16:creationId xmlns="" xmlns:a16="http://schemas.microsoft.com/office/drawing/2014/main" id="{69256698-63C6-4CCC-81CB-EA5604C30F1E}"/>
               </a:ext>
             </a:extLst>
           </p:cNvPr>
@@ -310,7 +310,7 @@
           <p:cNvPr id="5" name="Slide Number Placeholder 4">
             <a:extLst>
               <a:ext uri="{FF2B5EF4-FFF2-40B4-BE49-F238E27FC236}">
-                <a16:creationId xmlns:a16="http://schemas.microsoft.com/office/drawing/2014/main" xmlns="" id="{B2467FDA-05D7-4760-A373-5D6AEAAF4278}"/>
+                <a16:creationId xmlns="" xmlns:a16="http://schemas.microsoft.com/office/drawing/2014/main" id="{B2467FDA-05D7-4760-A373-5D6AEAAF4278}"/>
               </a:ext>
             </a:extLst>
           </p:cNvPr>
@@ -4000,7 +4000,7 @@
           <p:cNvPr id="11" name="Text Placeholder 10">
             <a:extLst>
               <a:ext uri="{FF2B5EF4-FFF2-40B4-BE49-F238E27FC236}">
-                <a16:creationId xmlns:a16="http://schemas.microsoft.com/office/drawing/2014/main" xmlns="" id="{6FDA3C6F-5F6A-4D64-8BFE-AFFF58B1A047}"/>
+                <a16:creationId xmlns="" xmlns:a16="http://schemas.microsoft.com/office/drawing/2014/main" id="{6FDA3C6F-5F6A-4D64-8BFE-AFFF58B1A047}"/>
               </a:ext>
             </a:extLst>
           </p:cNvPr>
@@ -4058,7 +4058,7 @@
           <p:cNvPr id="15" name="Hexagon 14">
             <a:extLst>
               <a:ext uri="{FF2B5EF4-FFF2-40B4-BE49-F238E27FC236}">
-                <a16:creationId xmlns:a16="http://schemas.microsoft.com/office/drawing/2014/main" xmlns="" id="{AC159667-7690-4645-986D-BE501438455F}"/>
+                <a16:creationId xmlns="" xmlns:a16="http://schemas.microsoft.com/office/drawing/2014/main" id="{AC159667-7690-4645-986D-BE501438455F}"/>
               </a:ext>
             </a:extLst>
           </p:cNvPr>
@@ -4110,7 +4110,7 @@
           <p:cNvPr id="16" name="Hexagon 15">
             <a:extLst>
               <a:ext uri="{FF2B5EF4-FFF2-40B4-BE49-F238E27FC236}">
-                <a16:creationId xmlns:a16="http://schemas.microsoft.com/office/drawing/2014/main" xmlns="" id="{54667EE4-E77F-453B-BF8B-B1EE2AE80715}"/>
+                <a16:creationId xmlns="" xmlns:a16="http://schemas.microsoft.com/office/drawing/2014/main" id="{54667EE4-E77F-453B-BF8B-B1EE2AE80715}"/>
               </a:ext>
             </a:extLst>
           </p:cNvPr>
@@ -4162,7 +4162,7 @@
           <p:cNvPr id="17" name="Hexagon 16">
             <a:extLst>
               <a:ext uri="{FF2B5EF4-FFF2-40B4-BE49-F238E27FC236}">
-                <a16:creationId xmlns:a16="http://schemas.microsoft.com/office/drawing/2014/main" xmlns="" id="{FC050232-A229-425F-BFC8-D50374F2D171}"/>
+                <a16:creationId xmlns="" xmlns:a16="http://schemas.microsoft.com/office/drawing/2014/main" id="{FC050232-A229-425F-BFC8-D50374F2D171}"/>
               </a:ext>
             </a:extLst>
           </p:cNvPr>
@@ -4214,7 +4214,7 @@
           <p:cNvPr id="18" name="Hexagon 17">
             <a:extLst>
               <a:ext uri="{FF2B5EF4-FFF2-40B4-BE49-F238E27FC236}">
-                <a16:creationId xmlns:a16="http://schemas.microsoft.com/office/drawing/2014/main" xmlns="" id="{53E4EBC7-340A-43A5-9E23-4B73A6F700B6}"/>
+                <a16:creationId xmlns="" xmlns:a16="http://schemas.microsoft.com/office/drawing/2014/main" id="{53E4EBC7-340A-43A5-9E23-4B73A6F700B6}"/>
               </a:ext>
             </a:extLst>
           </p:cNvPr>
@@ -4266,7 +4266,7 @@
           <p:cNvPr id="19" name="Picture Placeholder 18">
             <a:extLst>
               <a:ext uri="{FF2B5EF4-FFF2-40B4-BE49-F238E27FC236}">
-                <a16:creationId xmlns:a16="http://schemas.microsoft.com/office/drawing/2014/main" xmlns="" id="{1ED0E31A-F0A3-481D-8D9C-E3C4531FD21D}"/>
+                <a16:creationId xmlns="" xmlns:a16="http://schemas.microsoft.com/office/drawing/2014/main" id="{1ED0E31A-F0A3-481D-8D9C-E3C4531FD21D}"/>
               </a:ext>
             </a:extLst>
           </p:cNvPr>
@@ -4467,7 +4467,7 @@
           <p:cNvPr id="2" name="Title 1">
             <a:extLst>
               <a:ext uri="{FF2B5EF4-FFF2-40B4-BE49-F238E27FC236}">
-                <a16:creationId xmlns:a16="http://schemas.microsoft.com/office/drawing/2014/main" xmlns="" id="{03E68100-C56F-4515-A4FD-3F301797E78F}"/>
+                <a16:creationId xmlns="" xmlns:a16="http://schemas.microsoft.com/office/drawing/2014/main" id="{03E68100-C56F-4515-A4FD-3F301797E78F}"/>
               </a:ext>
             </a:extLst>
           </p:cNvPr>
@@ -4553,7 +4553,7 @@
           <p:cNvPr id="10" name="Text Placeholder 26">
             <a:extLst>
               <a:ext uri="{FF2B5EF4-FFF2-40B4-BE49-F238E27FC236}">
-                <a16:creationId xmlns:a16="http://schemas.microsoft.com/office/drawing/2014/main" xmlns="" id="{4AA38E8C-A334-4183-8ABC-112B8517F487}"/>
+                <a16:creationId xmlns="" xmlns:a16="http://schemas.microsoft.com/office/drawing/2014/main" id="{4AA38E8C-A334-4183-8ABC-112B8517F487}"/>
               </a:ext>
             </a:extLst>
           </p:cNvPr>
@@ -4631,7 +4631,7 @@
           <p:cNvPr id="19" name="Rectangle 18">
             <a:extLst>
               <a:ext uri="{FF2B5EF4-FFF2-40B4-BE49-F238E27FC236}">
-                <a16:creationId xmlns:a16="http://schemas.microsoft.com/office/drawing/2014/main" xmlns="" id="{B80624A4-5116-4AAF-8C31-C25D1DB16FEC}"/>
+                <a16:creationId xmlns="" xmlns:a16="http://schemas.microsoft.com/office/drawing/2014/main" id="{B80624A4-5116-4AAF-8C31-C25D1DB16FEC}"/>
               </a:ext>
             </a:extLst>
           </p:cNvPr>
@@ -4683,7 +4683,7 @@
           <p:cNvPr id="21" name="Rectangle 20">
             <a:extLst>
               <a:ext uri="{FF2B5EF4-FFF2-40B4-BE49-F238E27FC236}">
-                <a16:creationId xmlns:a16="http://schemas.microsoft.com/office/drawing/2014/main" xmlns="" id="{1D07EC8A-6024-4DEA-9C4D-AE4228E17854}"/>
+                <a16:creationId xmlns="" xmlns:a16="http://schemas.microsoft.com/office/drawing/2014/main" id="{1D07EC8A-6024-4DEA-9C4D-AE4228E17854}"/>
               </a:ext>
             </a:extLst>
           </p:cNvPr>
@@ -4735,7 +4735,7 @@
           <p:cNvPr id="23" name="Rectangle 22">
             <a:extLst>
               <a:ext uri="{FF2B5EF4-FFF2-40B4-BE49-F238E27FC236}">
-                <a16:creationId xmlns:a16="http://schemas.microsoft.com/office/drawing/2014/main" xmlns="" id="{D1C8FAEF-DF78-48CC-AEEF-F9B802055C05}"/>
+                <a16:creationId xmlns="" xmlns:a16="http://schemas.microsoft.com/office/drawing/2014/main" id="{D1C8FAEF-DF78-48CC-AEEF-F9B802055C05}"/>
               </a:ext>
             </a:extLst>
           </p:cNvPr>
@@ -4787,7 +4787,7 @@
           <p:cNvPr id="11" name="Picture Placeholder 10">
             <a:extLst>
               <a:ext uri="{FF2B5EF4-FFF2-40B4-BE49-F238E27FC236}">
-                <a16:creationId xmlns:a16="http://schemas.microsoft.com/office/drawing/2014/main" xmlns="" id="{566F72D6-AEEE-4CF3-8136-F6782F1E489E}"/>
+                <a16:creationId xmlns="" xmlns:a16="http://schemas.microsoft.com/office/drawing/2014/main" id="{566F72D6-AEEE-4CF3-8136-F6782F1E489E}"/>
               </a:ext>
             </a:extLst>
           </p:cNvPr>
@@ -4973,7 +4973,7 @@
           <p:cNvPr id="2" name="Title 1">
             <a:extLst>
               <a:ext uri="{FF2B5EF4-FFF2-40B4-BE49-F238E27FC236}">
-                <a16:creationId xmlns:a16="http://schemas.microsoft.com/office/drawing/2014/main" xmlns="" id="{459DADC7-BE21-4434-A6E4-BAF809005389}"/>
+                <a16:creationId xmlns="" xmlns:a16="http://schemas.microsoft.com/office/drawing/2014/main" id="{459DADC7-BE21-4434-A6E4-BAF809005389}"/>
               </a:ext>
             </a:extLst>
           </p:cNvPr>
@@ -5242,7 +5242,7 @@
           <p:cNvPr id="10" name="Oval 9">
             <a:extLst>
               <a:ext uri="{FF2B5EF4-FFF2-40B4-BE49-F238E27FC236}">
-                <a16:creationId xmlns:a16="http://schemas.microsoft.com/office/drawing/2014/main" xmlns="" id="{24FAA9D0-7C9C-4043-9931-A15819ABB9B5}"/>
+                <a16:creationId xmlns="" xmlns:a16="http://schemas.microsoft.com/office/drawing/2014/main" id="{24FAA9D0-7C9C-4043-9931-A15819ABB9B5}"/>
               </a:ext>
             </a:extLst>
           </p:cNvPr>
@@ -5298,7 +5298,7 @@
           <p:cNvPr id="14" name="Oval 13">
             <a:extLst>
               <a:ext uri="{FF2B5EF4-FFF2-40B4-BE49-F238E27FC236}">
-                <a16:creationId xmlns:a16="http://schemas.microsoft.com/office/drawing/2014/main" xmlns="" id="{E232AB2D-843E-4B5F-8793-6A263DA356BB}"/>
+                <a16:creationId xmlns="" xmlns:a16="http://schemas.microsoft.com/office/drawing/2014/main" id="{E232AB2D-843E-4B5F-8793-6A263DA356BB}"/>
               </a:ext>
             </a:extLst>
           </p:cNvPr>
@@ -5354,7 +5354,7 @@
           <p:cNvPr id="16" name="Oval 15">
             <a:extLst>
               <a:ext uri="{FF2B5EF4-FFF2-40B4-BE49-F238E27FC236}">
-                <a16:creationId xmlns:a16="http://schemas.microsoft.com/office/drawing/2014/main" xmlns="" id="{FA75A12B-C399-4072-BD69-D872D2C2AD1F}"/>
+                <a16:creationId xmlns="" xmlns:a16="http://schemas.microsoft.com/office/drawing/2014/main" id="{FA75A12B-C399-4072-BD69-D872D2C2AD1F}"/>
               </a:ext>
             </a:extLst>
           </p:cNvPr>
@@ -5410,7 +5410,7 @@
           <p:cNvPr id="23" name="Picture Placeholder 22">
             <a:extLst>
               <a:ext uri="{FF2B5EF4-FFF2-40B4-BE49-F238E27FC236}">
-                <a16:creationId xmlns:a16="http://schemas.microsoft.com/office/drawing/2014/main" xmlns="" id="{423AE48B-50E9-4BEA-B66A-B2D2B9CCFE9C}"/>
+                <a16:creationId xmlns="" xmlns:a16="http://schemas.microsoft.com/office/drawing/2014/main" id="{423AE48B-50E9-4BEA-B66A-B2D2B9CCFE9C}"/>
               </a:ext>
             </a:extLst>
           </p:cNvPr>
@@ -5562,7 +5562,7 @@
           <p:cNvPr id="27" name="Text Placeholder 26">
             <a:extLst>
               <a:ext uri="{FF2B5EF4-FFF2-40B4-BE49-F238E27FC236}">
-                <a16:creationId xmlns:a16="http://schemas.microsoft.com/office/drawing/2014/main" xmlns="" id="{282D3E62-6D1A-4E9D-BE54-2EED9BF429A4}"/>
+                <a16:creationId xmlns="" xmlns:a16="http://schemas.microsoft.com/office/drawing/2014/main" id="{282D3E62-6D1A-4E9D-BE54-2EED9BF429A4}"/>
               </a:ext>
             </a:extLst>
           </p:cNvPr>
@@ -5643,7 +5643,7 @@
           <p:cNvPr id="8" name="Title 1">
             <a:extLst>
               <a:ext uri="{FF2B5EF4-FFF2-40B4-BE49-F238E27FC236}">
-                <a16:creationId xmlns:a16="http://schemas.microsoft.com/office/drawing/2014/main" xmlns="" id="{DEB8F0E5-B89F-48AD-87BD-534EA9463CD3}"/>
+                <a16:creationId xmlns="" xmlns:a16="http://schemas.microsoft.com/office/drawing/2014/main" id="{DEB8F0E5-B89F-48AD-87BD-534EA9463CD3}"/>
               </a:ext>
             </a:extLst>
           </p:cNvPr>
@@ -5729,7 +5729,7 @@
           <p:cNvPr id="39" name="Picture Placeholder 38">
             <a:extLst>
               <a:ext uri="{FF2B5EF4-FFF2-40B4-BE49-F238E27FC236}">
-                <a16:creationId xmlns:a16="http://schemas.microsoft.com/office/drawing/2014/main" xmlns="" id="{CF421413-161E-4B36-B693-FB38DF14EDAB}"/>
+                <a16:creationId xmlns="" xmlns:a16="http://schemas.microsoft.com/office/drawing/2014/main" id="{CF421413-161E-4B36-B693-FB38DF14EDAB}"/>
               </a:ext>
             </a:extLst>
           </p:cNvPr>
@@ -5832,7 +5832,7 @@
           <p:cNvPr id="38" name="Picture Placeholder 37">
             <a:extLst>
               <a:ext uri="{FF2B5EF4-FFF2-40B4-BE49-F238E27FC236}">
-                <a16:creationId xmlns:a16="http://schemas.microsoft.com/office/drawing/2014/main" xmlns="" id="{B5D207AE-9C9C-410A-9F31-2402BAD6DDFF}"/>
+                <a16:creationId xmlns="" xmlns:a16="http://schemas.microsoft.com/office/drawing/2014/main" id="{B5D207AE-9C9C-410A-9F31-2402BAD6DDFF}"/>
               </a:ext>
             </a:extLst>
           </p:cNvPr>
@@ -5935,7 +5935,7 @@
           <p:cNvPr id="40" name="Picture Placeholder 39">
             <a:extLst>
               <a:ext uri="{FF2B5EF4-FFF2-40B4-BE49-F238E27FC236}">
-                <a16:creationId xmlns:a16="http://schemas.microsoft.com/office/drawing/2014/main" xmlns="" id="{DE3344FC-C4DE-481F-9C31-667EDD563C47}"/>
+                <a16:creationId xmlns="" xmlns:a16="http://schemas.microsoft.com/office/drawing/2014/main" id="{DE3344FC-C4DE-481F-9C31-667EDD563C47}"/>
               </a:ext>
             </a:extLst>
           </p:cNvPr>
@@ -6038,7 +6038,7 @@
           <p:cNvPr id="41" name="Picture Placeholder 40">
             <a:extLst>
               <a:ext uri="{FF2B5EF4-FFF2-40B4-BE49-F238E27FC236}">
-                <a16:creationId xmlns:a16="http://schemas.microsoft.com/office/drawing/2014/main" xmlns="" id="{59094D7D-3613-49C1-BB58-A65B41A9738D}"/>
+                <a16:creationId xmlns="" xmlns:a16="http://schemas.microsoft.com/office/drawing/2014/main" id="{59094D7D-3613-49C1-BB58-A65B41A9738D}"/>
               </a:ext>
             </a:extLst>
           </p:cNvPr>
@@ -6141,7 +6141,7 @@
           <p:cNvPr id="8" name="Title 1">
             <a:extLst>
               <a:ext uri="{FF2B5EF4-FFF2-40B4-BE49-F238E27FC236}">
-                <a16:creationId xmlns:a16="http://schemas.microsoft.com/office/drawing/2014/main" xmlns="" id="{69FE87B7-32A4-4C7F-9AAF-37688E640456}"/>
+                <a16:creationId xmlns="" xmlns:a16="http://schemas.microsoft.com/office/drawing/2014/main" id="{69FE87B7-32A4-4C7F-9AAF-37688E640456}"/>
               </a:ext>
             </a:extLst>
           </p:cNvPr>
@@ -6187,7 +6187,7 @@
           <p:cNvPr id="9" name="Hexagon 8">
             <a:extLst>
               <a:ext uri="{FF2B5EF4-FFF2-40B4-BE49-F238E27FC236}">
-                <a16:creationId xmlns:a16="http://schemas.microsoft.com/office/drawing/2014/main" xmlns="" id="{476CA45F-A66A-4AD8-A004-10DB55A5D7B2}"/>
+                <a16:creationId xmlns="" xmlns:a16="http://schemas.microsoft.com/office/drawing/2014/main" id="{476CA45F-A66A-4AD8-A004-10DB55A5D7B2}"/>
               </a:ext>
             </a:extLst>
           </p:cNvPr>
@@ -6239,7 +6239,7 @@
           <p:cNvPr id="10" name="Hexagon 9">
             <a:extLst>
               <a:ext uri="{FF2B5EF4-FFF2-40B4-BE49-F238E27FC236}">
-                <a16:creationId xmlns:a16="http://schemas.microsoft.com/office/drawing/2014/main" xmlns="" id="{27A66A3D-2437-4015-9F5F-380C4D23D83C}"/>
+                <a16:creationId xmlns="" xmlns:a16="http://schemas.microsoft.com/office/drawing/2014/main" id="{27A66A3D-2437-4015-9F5F-380C4D23D83C}"/>
               </a:ext>
             </a:extLst>
           </p:cNvPr>
@@ -6291,7 +6291,7 @@
           <p:cNvPr id="11" name="Hexagon 10">
             <a:extLst>
               <a:ext uri="{FF2B5EF4-FFF2-40B4-BE49-F238E27FC236}">
-                <a16:creationId xmlns:a16="http://schemas.microsoft.com/office/drawing/2014/main" xmlns="" id="{FFB14F3B-E7EF-4546-8D74-71FFB45C77C0}"/>
+                <a16:creationId xmlns="" xmlns:a16="http://schemas.microsoft.com/office/drawing/2014/main" id="{FFB14F3B-E7EF-4546-8D74-71FFB45C77C0}"/>
               </a:ext>
             </a:extLst>
           </p:cNvPr>
@@ -6343,7 +6343,7 @@
           <p:cNvPr id="23" name="Text Placeholder 22">
             <a:extLst>
               <a:ext uri="{FF2B5EF4-FFF2-40B4-BE49-F238E27FC236}">
-                <a16:creationId xmlns:a16="http://schemas.microsoft.com/office/drawing/2014/main" xmlns="" id="{591F943B-ED0D-49A1-844A-E23BA9A4871B}"/>
+                <a16:creationId xmlns="" xmlns:a16="http://schemas.microsoft.com/office/drawing/2014/main" id="{591F943B-ED0D-49A1-844A-E23BA9A4871B}"/>
               </a:ext>
             </a:extLst>
           </p:cNvPr>
@@ -6392,7 +6392,7 @@
           <p:cNvPr id="24" name="Text Placeholder 22">
             <a:extLst>
               <a:ext uri="{FF2B5EF4-FFF2-40B4-BE49-F238E27FC236}">
-                <a16:creationId xmlns:a16="http://schemas.microsoft.com/office/drawing/2014/main" xmlns="" id="{9AC6B9A8-053C-4828-B705-901C6018F30D}"/>
+                <a16:creationId xmlns="" xmlns:a16="http://schemas.microsoft.com/office/drawing/2014/main" id="{9AC6B9A8-053C-4828-B705-901C6018F30D}"/>
               </a:ext>
             </a:extLst>
           </p:cNvPr>
@@ -6441,7 +6441,7 @@
           <p:cNvPr id="27" name="Text Placeholder 22">
             <a:extLst>
               <a:ext uri="{FF2B5EF4-FFF2-40B4-BE49-F238E27FC236}">
-                <a16:creationId xmlns:a16="http://schemas.microsoft.com/office/drawing/2014/main" xmlns="" id="{BBA6FD52-E179-41F8-AE78-9AF3D65F28B6}"/>
+                <a16:creationId xmlns="" xmlns:a16="http://schemas.microsoft.com/office/drawing/2014/main" id="{BBA6FD52-E179-41F8-AE78-9AF3D65F28B6}"/>
               </a:ext>
             </a:extLst>
           </p:cNvPr>
@@ -6490,7 +6490,7 @@
           <p:cNvPr id="28" name="Text Placeholder 22">
             <a:extLst>
               <a:ext uri="{FF2B5EF4-FFF2-40B4-BE49-F238E27FC236}">
-                <a16:creationId xmlns:a16="http://schemas.microsoft.com/office/drawing/2014/main" xmlns="" id="{C49A82AB-D328-4DB0-841B-186884119EBF}"/>
+                <a16:creationId xmlns="" xmlns:a16="http://schemas.microsoft.com/office/drawing/2014/main" id="{C49A82AB-D328-4DB0-841B-186884119EBF}"/>
               </a:ext>
             </a:extLst>
           </p:cNvPr>
@@ -6539,7 +6539,7 @@
           <p:cNvPr id="29" name="Text Placeholder 22">
             <a:extLst>
               <a:ext uri="{FF2B5EF4-FFF2-40B4-BE49-F238E27FC236}">
-                <a16:creationId xmlns:a16="http://schemas.microsoft.com/office/drawing/2014/main" xmlns="" id="{84E23D5D-9866-48F9-8E08-DD2DBE4C4E32}"/>
+                <a16:creationId xmlns="" xmlns:a16="http://schemas.microsoft.com/office/drawing/2014/main" id="{84E23D5D-9866-48F9-8E08-DD2DBE4C4E32}"/>
               </a:ext>
             </a:extLst>
           </p:cNvPr>
@@ -6588,7 +6588,7 @@
           <p:cNvPr id="30" name="Text Placeholder 22">
             <a:extLst>
               <a:ext uri="{FF2B5EF4-FFF2-40B4-BE49-F238E27FC236}">
-                <a16:creationId xmlns:a16="http://schemas.microsoft.com/office/drawing/2014/main" xmlns="" id="{E671C9E6-A1A5-4EE5-8642-94AA7635DB05}"/>
+                <a16:creationId xmlns="" xmlns:a16="http://schemas.microsoft.com/office/drawing/2014/main" id="{E671C9E6-A1A5-4EE5-8642-94AA7635DB05}"/>
               </a:ext>
             </a:extLst>
           </p:cNvPr>
@@ -6637,7 +6637,7 @@
           <p:cNvPr id="31" name="Text Placeholder 22">
             <a:extLst>
               <a:ext uri="{FF2B5EF4-FFF2-40B4-BE49-F238E27FC236}">
-                <a16:creationId xmlns:a16="http://schemas.microsoft.com/office/drawing/2014/main" xmlns="" id="{DF6BB5C9-B678-435A-830F-4C10EB1A957C}"/>
+                <a16:creationId xmlns="" xmlns:a16="http://schemas.microsoft.com/office/drawing/2014/main" id="{DF6BB5C9-B678-435A-830F-4C10EB1A957C}"/>
               </a:ext>
             </a:extLst>
           </p:cNvPr>
@@ -6686,7 +6686,7 @@
           <p:cNvPr id="32" name="Text Placeholder 22">
             <a:extLst>
               <a:ext uri="{FF2B5EF4-FFF2-40B4-BE49-F238E27FC236}">
-                <a16:creationId xmlns:a16="http://schemas.microsoft.com/office/drawing/2014/main" xmlns="" id="{1861EC87-A9E2-4FC3-B8BC-06C520B8A17F}"/>
+                <a16:creationId xmlns="" xmlns:a16="http://schemas.microsoft.com/office/drawing/2014/main" id="{1861EC87-A9E2-4FC3-B8BC-06C520B8A17F}"/>
               </a:ext>
             </a:extLst>
           </p:cNvPr>
@@ -6735,7 +6735,7 @@
           <p:cNvPr id="33" name="Text Placeholder 22">
             <a:extLst>
               <a:ext uri="{FF2B5EF4-FFF2-40B4-BE49-F238E27FC236}">
-                <a16:creationId xmlns:a16="http://schemas.microsoft.com/office/drawing/2014/main" xmlns="" id="{FC3EDE91-631F-4947-94DC-557685FD23E0}"/>
+                <a16:creationId xmlns="" xmlns:a16="http://schemas.microsoft.com/office/drawing/2014/main" id="{FC3EDE91-631F-4947-94DC-557685FD23E0}"/>
               </a:ext>
             </a:extLst>
           </p:cNvPr>
@@ -6784,7 +6784,7 @@
           <p:cNvPr id="34" name="Text Placeholder 22">
             <a:extLst>
               <a:ext uri="{FF2B5EF4-FFF2-40B4-BE49-F238E27FC236}">
-                <a16:creationId xmlns:a16="http://schemas.microsoft.com/office/drawing/2014/main" xmlns="" id="{8FDDBEF4-1329-49DF-B043-D51B34F5EE34}"/>
+                <a16:creationId xmlns="" xmlns:a16="http://schemas.microsoft.com/office/drawing/2014/main" id="{8FDDBEF4-1329-49DF-B043-D51B34F5EE34}"/>
               </a:ext>
             </a:extLst>
           </p:cNvPr>
@@ -6833,7 +6833,7 @@
           <p:cNvPr id="37" name="Picture Placeholder 36">
             <a:extLst>
               <a:ext uri="{FF2B5EF4-FFF2-40B4-BE49-F238E27FC236}">
-                <a16:creationId xmlns:a16="http://schemas.microsoft.com/office/drawing/2014/main" xmlns="" id="{FBDB3FD3-4F52-4E28-B639-5F73070E47D9}"/>
+                <a16:creationId xmlns="" xmlns:a16="http://schemas.microsoft.com/office/drawing/2014/main" id="{FBDB3FD3-4F52-4E28-B639-5F73070E47D9}"/>
               </a:ext>
             </a:extLst>
           </p:cNvPr>
@@ -6982,7 +6982,7 @@
           <p:cNvPr id="22" name="Picture Placeholder 21">
             <a:extLst>
               <a:ext uri="{FF2B5EF4-FFF2-40B4-BE49-F238E27FC236}">
-                <a16:creationId xmlns:a16="http://schemas.microsoft.com/office/drawing/2014/main" xmlns="" id="{DFA57703-9E4A-48E0-A123-3A5EDC76475C}"/>
+                <a16:creationId xmlns="" xmlns:a16="http://schemas.microsoft.com/office/drawing/2014/main" id="{DFA57703-9E4A-48E0-A123-3A5EDC76475C}"/>
               </a:ext>
             </a:extLst>
           </p:cNvPr>
@@ -7019,7 +7019,7 @@
           <p:cNvPr id="2" name="Rectangle 1" descr="Tall office building looking up">
             <a:extLst>
               <a:ext uri="{FF2B5EF4-FFF2-40B4-BE49-F238E27FC236}">
-                <a16:creationId xmlns:a16="http://schemas.microsoft.com/office/drawing/2014/main" xmlns="" id="{AF7FA146-2A75-4EA7-A9AD-EBCE6F17FB42}"/>
+                <a16:creationId xmlns="" xmlns:a16="http://schemas.microsoft.com/office/drawing/2014/main" id="{AF7FA146-2A75-4EA7-A9AD-EBCE6F17FB42}"/>
               </a:ext>
             </a:extLst>
           </p:cNvPr>
@@ -7075,7 +7075,7 @@
           <p:cNvPr id="24" name="Text Placeholder 23">
             <a:extLst>
               <a:ext uri="{FF2B5EF4-FFF2-40B4-BE49-F238E27FC236}">
-                <a16:creationId xmlns:a16="http://schemas.microsoft.com/office/drawing/2014/main" xmlns="" id="{340C15AA-E296-48AE-857F-0589EEA69DC6}"/>
+                <a16:creationId xmlns="" xmlns:a16="http://schemas.microsoft.com/office/drawing/2014/main" id="{340C15AA-E296-48AE-857F-0589EEA69DC6}"/>
               </a:ext>
             </a:extLst>
           </p:cNvPr>
@@ -7128,7 +7128,7 @@
           <p:cNvPr id="6" name="Title 1">
             <a:extLst>
               <a:ext uri="{FF2B5EF4-FFF2-40B4-BE49-F238E27FC236}">
-                <a16:creationId xmlns:a16="http://schemas.microsoft.com/office/drawing/2014/main" xmlns="" id="{162BE5D7-9E35-49F8-A8E4-2093183A6404}"/>
+                <a16:creationId xmlns="" xmlns:a16="http://schemas.microsoft.com/office/drawing/2014/main" id="{162BE5D7-9E35-49F8-A8E4-2093183A6404}"/>
               </a:ext>
             </a:extLst>
           </p:cNvPr>
@@ -9411,7 +9411,7 @@
           <p:cNvPr id="13" name="Date Placeholder 3">
             <a:extLst>
               <a:ext uri="{FF2B5EF4-FFF2-40B4-BE49-F238E27FC236}">
-                <a16:creationId xmlns:a16="http://schemas.microsoft.com/office/drawing/2014/main" xmlns="" id="{2CD6B789-4B66-4BD0-9623-80E9542A65FE}"/>
+                <a16:creationId xmlns="" xmlns:a16="http://schemas.microsoft.com/office/drawing/2014/main" id="{2CD6B789-4B66-4BD0-9623-80E9542A65FE}"/>
               </a:ext>
             </a:extLst>
           </p:cNvPr>
@@ -9549,7 +9549,7 @@
           <p:cNvPr id="15" name="Footer Placeholder 4">
             <a:extLst>
               <a:ext uri="{FF2B5EF4-FFF2-40B4-BE49-F238E27FC236}">
-                <a16:creationId xmlns:a16="http://schemas.microsoft.com/office/drawing/2014/main" xmlns="" id="{A3BB5234-44A4-4506-BD19-5808475EBB7F}"/>
+                <a16:creationId xmlns="" xmlns:a16="http://schemas.microsoft.com/office/drawing/2014/main" id="{A3BB5234-44A4-4506-BD19-5808475EBB7F}"/>
               </a:ext>
             </a:extLst>
           </p:cNvPr>
@@ -9682,7 +9682,7 @@
           <p:cNvPr id="17" name="Slide Number Placeholder 5">
             <a:extLst>
               <a:ext uri="{FF2B5EF4-FFF2-40B4-BE49-F238E27FC236}">
-                <a16:creationId xmlns:a16="http://schemas.microsoft.com/office/drawing/2014/main" xmlns="" id="{68D89618-7EE9-46BF-BEAC-45E6F98ACA1A}"/>
+                <a16:creationId xmlns="" xmlns:a16="http://schemas.microsoft.com/office/drawing/2014/main" id="{68D89618-7EE9-46BF-BEAC-45E6F98ACA1A}"/>
               </a:ext>
             </a:extLst>
           </p:cNvPr>
@@ -10275,7 +10275,7 @@
           <p:cNvPr id="2" name="Text Placeholder 1">
             <a:extLst>
               <a:ext uri="{FF2B5EF4-FFF2-40B4-BE49-F238E27FC236}">
-                <a16:creationId xmlns:a16="http://schemas.microsoft.com/office/drawing/2014/main" xmlns="" id="{7201737A-B873-4D1D-8A41-5ABF5184BC8F}"/>
+                <a16:creationId xmlns="" xmlns:a16="http://schemas.microsoft.com/office/drawing/2014/main" id="{7201737A-B873-4D1D-8A41-5ABF5184BC8F}"/>
               </a:ext>
             </a:extLst>
           </p:cNvPr>
@@ -10360,7 +10360,7 @@
           <p:cNvPr id="4" name="Title 3">
             <a:extLst>
               <a:ext uri="{FF2B5EF4-FFF2-40B4-BE49-F238E27FC236}">
-                <a16:creationId xmlns:a16="http://schemas.microsoft.com/office/drawing/2014/main" xmlns="" id="{92056599-CDAA-4367-BEF8-31D6E32518C8}"/>
+                <a16:creationId xmlns="" xmlns:a16="http://schemas.microsoft.com/office/drawing/2014/main" id="{92056599-CDAA-4367-BEF8-31D6E32518C8}"/>
               </a:ext>
             </a:extLst>
           </p:cNvPr>
@@ -10404,7 +10404,7 @@
           <p:cNvPr id="15" name="Text Placeholder 1">
             <a:extLst>
               <a:ext uri="{FF2B5EF4-FFF2-40B4-BE49-F238E27FC236}">
-                <a16:creationId xmlns:a16="http://schemas.microsoft.com/office/drawing/2014/main" xmlns="" id="{824B8A32-9AB3-457E-82E1-C85D3203CE35}"/>
+                <a16:creationId xmlns="" xmlns:a16="http://schemas.microsoft.com/office/drawing/2014/main" id="{824B8A32-9AB3-457E-82E1-C85D3203CE35}"/>
               </a:ext>
             </a:extLst>
           </p:cNvPr>
@@ -10735,119 +10735,15 @@
                                   </p:childTnLst>
                                 </p:cTn>
                               </p:par>
-                            </p:childTnLst>
-                          </p:cTn>
-                        </p:par>
-                      </p:childTnLst>
-                    </p:cTn>
-                  </p:par>
-                  <p:par>
-                    <p:cTn id="8" fill="hold">
-                      <p:stCondLst>
-                        <p:cond delay="indefinite"/>
-                      </p:stCondLst>
-                      <p:childTnLst>
-                        <p:par>
-                          <p:cTn id="9" fill="hold">
-                            <p:stCondLst>
-                              <p:cond delay="0"/>
-                            </p:stCondLst>
-                            <p:childTnLst>
                               <p:par>
-                                <p:cTn id="10" presetID="53" presetClass="entr" presetSubtype="16" fill="hold" grpId="0" nodeType="clickEffect" nodePh="1">
-                                  <p:stCondLst>
-                                    <p:cond delay="0"/>
-                                  </p:stCondLst>
-                                  <p:endCondLst>
-                                    <p:cond evt="begin" delay="0">
-                                      <p:tn val="10"/>
-                                    </p:cond>
-                                  </p:endCondLst>
-                                  <p:childTnLst>
-                                    <p:set>
-                                      <p:cBhvr>
-                                        <p:cTn id="11" dur="1" fill="hold">
-                                          <p:stCondLst>
-                                            <p:cond delay="0"/>
-                                          </p:stCondLst>
-                                        </p:cTn>
-                                        <p:tgtEl>
-                                          <p:spTgt spid="15"/>
-                                        </p:tgtEl>
-                                        <p:attrNameLst>
-                                          <p:attrName>style.visibility</p:attrName>
-                                        </p:attrNameLst>
-                                      </p:cBhvr>
-                                      <p:to>
-                                        <p:strVal val="visible"/>
-                                      </p:to>
-                                    </p:set>
-                                    <p:anim calcmode="lin" valueType="num">
-                                      <p:cBhvr>
-                                        <p:cTn id="12" dur="500" fill="hold"/>
-                                        <p:tgtEl>
-                                          <p:spTgt spid="15"/>
-                                        </p:tgtEl>
-                                        <p:attrNameLst>
-                                          <p:attrName>ppt_w</p:attrName>
-                                        </p:attrNameLst>
-                                      </p:cBhvr>
-                                      <p:tavLst>
-                                        <p:tav tm="0">
-                                          <p:val>
-                                            <p:fltVal val="0"/>
-                                          </p:val>
-                                        </p:tav>
-                                        <p:tav tm="100000">
-                                          <p:val>
-                                            <p:strVal val="#ppt_w"/>
-                                          </p:val>
-                                        </p:tav>
-                                      </p:tavLst>
-                                    </p:anim>
-                                    <p:anim calcmode="lin" valueType="num">
-                                      <p:cBhvr>
-                                        <p:cTn id="13" dur="500" fill="hold"/>
-                                        <p:tgtEl>
-                                          <p:spTgt spid="15"/>
-                                        </p:tgtEl>
-                                        <p:attrNameLst>
-                                          <p:attrName>ppt_h</p:attrName>
-                                        </p:attrNameLst>
-                                      </p:cBhvr>
-                                      <p:tavLst>
-                                        <p:tav tm="0">
-                                          <p:val>
-                                            <p:fltVal val="0"/>
-                                          </p:val>
-                                        </p:tav>
-                                        <p:tav tm="100000">
-                                          <p:val>
-                                            <p:strVal val="#ppt_h"/>
-                                          </p:val>
-                                        </p:tav>
-                                      </p:tavLst>
-                                    </p:anim>
-                                    <p:animEffect transition="in" filter="fade">
-                                      <p:cBhvr>
-                                        <p:cTn id="14" dur="500"/>
-                                        <p:tgtEl>
-                                          <p:spTgt spid="15"/>
-                                        </p:tgtEl>
-                                      </p:cBhvr>
-                                    </p:animEffect>
-                                  </p:childTnLst>
-                                </p:cTn>
-                              </p:par>
-                              <p:par>
-                                <p:cTn id="15" presetID="14" presetClass="entr" presetSubtype="10" fill="hold" grpId="0" nodeType="withEffect">
+                                <p:cTn id="8" presetID="14" presetClass="entr" presetSubtype="10" fill="hold" grpId="0" nodeType="withEffect">
                                   <p:stCondLst>
                                     <p:cond delay="0"/>
                                   </p:stCondLst>
                                   <p:childTnLst>
                                     <p:set>
                                       <p:cBhvr>
-                                        <p:cTn id="16" dur="1" fill="hold">
+                                        <p:cTn id="9" dur="1" fill="hold">
                                           <p:stCondLst>
                                             <p:cond delay="0"/>
                                           </p:stCondLst>
@@ -10869,7 +10765,7 @@
                                     </p:set>
                                     <p:animEffect transition="in" filter="randombar(horizontal)">
                                       <p:cBhvr>
-                                        <p:cTn id="17" dur="500"/>
+                                        <p:cTn id="10" dur="500"/>
                                         <p:tgtEl>
                                           <p:spTgt spid="2">
                                             <p:txEl>
@@ -10883,14 +10779,14 @@
                                 </p:cTn>
                               </p:par>
                               <p:par>
-                                <p:cTn id="18" presetID="14" presetClass="entr" presetSubtype="10" fill="hold" grpId="0" nodeType="withEffect">
+                                <p:cTn id="11" presetID="14" presetClass="entr" presetSubtype="10" fill="hold" grpId="0" nodeType="withEffect">
                                   <p:stCondLst>
                                     <p:cond delay="0"/>
                                   </p:stCondLst>
                                   <p:childTnLst>
                                     <p:set>
                                       <p:cBhvr>
-                                        <p:cTn id="19" dur="1" fill="hold">
+                                        <p:cTn id="12" dur="1" fill="hold">
                                           <p:stCondLst>
                                             <p:cond delay="0"/>
                                           </p:stCondLst>
@@ -10912,7 +10808,7 @@
                                     </p:set>
                                     <p:animEffect transition="in" filter="randombar(horizontal)">
                                       <p:cBhvr>
-                                        <p:cTn id="20" dur="500"/>
+                                        <p:cTn id="13" dur="500"/>
                                         <p:tgtEl>
                                           <p:spTgt spid="2">
                                             <p:txEl>
@@ -10955,7 +10851,6 @@
     <p:bldLst>
       <p:bldP spid="2" grpId="0" build="p"/>
       <p:bldP spid="4" grpId="0"/>
-      <p:bldP spid="15" grpId="0"/>
     </p:bldLst>
   </p:timing>
 </p:sld>
@@ -11847,7 +11742,7 @@
           <p:cNvPr id="3" name="Title 1">
             <a:extLst>
               <a:ext uri="{FF2B5EF4-FFF2-40B4-BE49-F238E27FC236}">
-                <a16:creationId xmlns:a16="http://schemas.microsoft.com/office/drawing/2014/main" xmlns="" id="{D88C20CF-C1EE-4092-B52D-FD4AB2AB2508}"/>
+                <a16:creationId xmlns="" xmlns:a16="http://schemas.microsoft.com/office/drawing/2014/main" id="{D88C20CF-C1EE-4092-B52D-FD4AB2AB2508}"/>
               </a:ext>
             </a:extLst>
           </p:cNvPr>
@@ -11860,7 +11755,7 @@
         </p:nvSpPr>
         <p:spPr>
           <a:xfrm>
-            <a:off x="684748" y="1025331"/>
+            <a:off x="1096871" y="1785185"/>
             <a:ext cx="9404723" cy="1400530"/>
           </a:xfrm>
           <a:prstGeom prst="rect">
@@ -11877,1078 +11772,16 @@
             <a:r>
               <a:rPr lang="en-US" sz="4800" b="1" dirty="0" smtClean="0">
                 <a:solidFill>
-                  <a:srgbClr val="FF0000"/>
+                  <a:schemeClr val="tx1"/>
                 </a:solidFill>
               </a:rPr>
               <a:t>THANK YOU !</a:t>
             </a:r>
             <a:endParaRPr lang="en-US" sz="4800" b="1" dirty="0">
               <a:solidFill>
-                <a:srgbClr val="FF0000"/>
+                <a:schemeClr val="tx1"/>
               </a:solidFill>
             </a:endParaRPr>
-          </a:p>
-        </p:txBody>
-      </p:sp>
-      <p:sp>
-        <p:nvSpPr>
-          <p:cNvPr id="31" name="Text Placeholder 30">
-            <a:extLst>
-              <a:ext uri="{FF2B5EF4-FFF2-40B4-BE49-F238E27FC236}">
-                <a16:creationId xmlns:a16="http://schemas.microsoft.com/office/drawing/2014/main" xmlns="" id="{97AB1F14-3A1E-4057-A473-9975BA59F012}"/>
-              </a:ext>
-            </a:extLst>
-          </p:cNvPr>
-          <p:cNvSpPr>
-            <a:spLocks noGrp="1"/>
-          </p:cNvSpPr>
-          <p:nvPr>
-            <p:ph type="body" sz="quarter" idx="4294967295"/>
-          </p:nvPr>
-        </p:nvSpPr>
-        <p:spPr>
-          <a:xfrm>
-            <a:off x="0" y="4641850"/>
-            <a:ext cx="2139950" cy="1108075"/>
-          </a:xfrm>
-        </p:spPr>
-        <p:txBody>
-          <a:bodyPr>
-            <a:normAutofit/>
-          </a:bodyPr>
-          <a:lstStyle/>
-          <a:p>
-            <a:r>
-              <a:rPr lang="en-US" dirty="0"/>
-              <a:t>.</a:t>
-            </a:r>
-          </a:p>
-        </p:txBody>
-      </p:sp>
-      <p:sp>
-        <p:nvSpPr>
-          <p:cNvPr id="17" name="Text Placeholder 28">
-            <a:extLst>
-              <a:ext uri="{FF2B5EF4-FFF2-40B4-BE49-F238E27FC236}">
-                <a16:creationId xmlns:a16="http://schemas.microsoft.com/office/drawing/2014/main" xmlns="" id="{E212CE24-374D-44D0-8F39-0F5A36E42ED7}"/>
-              </a:ext>
-            </a:extLst>
-          </p:cNvPr>
-          <p:cNvSpPr txBox="1">
-            <a:spLocks/>
-          </p:cNvSpPr>
-          <p:nvPr/>
-        </p:nvSpPr>
-        <p:spPr>
-          <a:xfrm>
-            <a:off x="878337" y="4134780"/>
-            <a:ext cx="2596574" cy="453919"/>
-          </a:xfrm>
-          <a:prstGeom prst="rect">
-            <a:avLst/>
-          </a:prstGeom>
-        </p:spPr>
-        <p:txBody>
-          <a:bodyPr vert="horz" lIns="91440" tIns="45720" rIns="91440" bIns="45720" rtlCol="0">
-            <a:normAutofit lnSpcReduction="10000"/>
-          </a:bodyPr>
-          <a:lstStyle>
-            <a:lvl1pPr marL="0" indent="0" algn="ctr" defTabSz="457200" rtl="0" eaLnBrk="1" latinLnBrk="0" hangingPunct="1">
-              <a:spcBef>
-                <a:spcPts val="1000"/>
-              </a:spcBef>
-              <a:spcAft>
-                <a:spcPts val="0"/>
-              </a:spcAft>
-              <a:buClr>
-                <a:schemeClr val="accent1"/>
-              </a:buClr>
-              <a:buSzPct val="80000"/>
-              <a:buFont typeface="Wingdings 3" charset="2"/>
-              <a:buNone/>
-              <a:defRPr lang="en-US" sz="2000" b="1" kern="1200" dirty="0" smtClean="0">
-                <a:solidFill>
-                  <a:schemeClr val="accent4"/>
-                </a:solidFill>
-                <a:latin typeface="+mj-lt"/>
-                <a:ea typeface="+mn-ea"/>
-                <a:cs typeface="+mn-cs"/>
-              </a:defRPr>
-            </a:lvl1pPr>
-            <a:lvl2pPr marL="742950" indent="-285750" algn="l" defTabSz="457200" rtl="0" eaLnBrk="1" latinLnBrk="0" hangingPunct="1">
-              <a:spcBef>
-                <a:spcPts val="1000"/>
-              </a:spcBef>
-              <a:spcAft>
-                <a:spcPts val="0"/>
-              </a:spcAft>
-              <a:buClr>
-                <a:schemeClr val="accent1"/>
-              </a:buClr>
-              <a:buSzPct val="80000"/>
-              <a:buFont typeface="Wingdings 3" charset="2"/>
-              <a:buChar char=""/>
-              <a:defRPr sz="1600" kern="1200">
-                <a:solidFill>
-                  <a:schemeClr val="tx1">
-                    <a:lumMod val="75000"/>
-                    <a:lumOff val="25000"/>
-                  </a:schemeClr>
-                </a:solidFill>
-                <a:latin typeface="+mn-lt"/>
-                <a:ea typeface="+mn-ea"/>
-                <a:cs typeface="+mn-cs"/>
-              </a:defRPr>
-            </a:lvl2pPr>
-            <a:lvl3pPr marL="1143000" indent="-228600" algn="l" defTabSz="457200" rtl="0" eaLnBrk="1" latinLnBrk="0" hangingPunct="1">
-              <a:spcBef>
-                <a:spcPts val="1000"/>
-              </a:spcBef>
-              <a:spcAft>
-                <a:spcPts val="0"/>
-              </a:spcAft>
-              <a:buClr>
-                <a:schemeClr val="accent1"/>
-              </a:buClr>
-              <a:buSzPct val="80000"/>
-              <a:buFont typeface="Wingdings 3" charset="2"/>
-              <a:buChar char=""/>
-              <a:defRPr sz="1400" kern="1200">
-                <a:solidFill>
-                  <a:schemeClr val="tx1">
-                    <a:lumMod val="75000"/>
-                    <a:lumOff val="25000"/>
-                  </a:schemeClr>
-                </a:solidFill>
-                <a:latin typeface="+mn-lt"/>
-                <a:ea typeface="+mn-ea"/>
-                <a:cs typeface="+mn-cs"/>
-              </a:defRPr>
-            </a:lvl3pPr>
-            <a:lvl4pPr marL="1600200" indent="-228600" algn="l" defTabSz="457200" rtl="0" eaLnBrk="1" latinLnBrk="0" hangingPunct="1">
-              <a:spcBef>
-                <a:spcPts val="1000"/>
-              </a:spcBef>
-              <a:spcAft>
-                <a:spcPts val="0"/>
-              </a:spcAft>
-              <a:buClr>
-                <a:schemeClr val="accent1"/>
-              </a:buClr>
-              <a:buSzPct val="80000"/>
-              <a:buFont typeface="Wingdings 3" charset="2"/>
-              <a:buChar char=""/>
-              <a:defRPr sz="1200" kern="1200">
-                <a:solidFill>
-                  <a:schemeClr val="tx1">
-                    <a:lumMod val="75000"/>
-                    <a:lumOff val="25000"/>
-                  </a:schemeClr>
-                </a:solidFill>
-                <a:latin typeface="+mn-lt"/>
-                <a:ea typeface="+mn-ea"/>
-                <a:cs typeface="+mn-cs"/>
-              </a:defRPr>
-            </a:lvl4pPr>
-            <a:lvl5pPr marL="2057400" indent="-228600" algn="l" defTabSz="457200" rtl="0" eaLnBrk="1" latinLnBrk="0" hangingPunct="1">
-              <a:spcBef>
-                <a:spcPts val="1000"/>
-              </a:spcBef>
-              <a:spcAft>
-                <a:spcPts val="0"/>
-              </a:spcAft>
-              <a:buClr>
-                <a:schemeClr val="accent1"/>
-              </a:buClr>
-              <a:buSzPct val="80000"/>
-              <a:buFont typeface="Wingdings 3" charset="2"/>
-              <a:buChar char=""/>
-              <a:defRPr sz="1200" kern="1200">
-                <a:solidFill>
-                  <a:schemeClr val="tx1">
-                    <a:lumMod val="75000"/>
-                    <a:lumOff val="25000"/>
-                  </a:schemeClr>
-                </a:solidFill>
-                <a:latin typeface="+mn-lt"/>
-                <a:ea typeface="+mn-ea"/>
-                <a:cs typeface="+mn-cs"/>
-              </a:defRPr>
-            </a:lvl5pPr>
-            <a:lvl6pPr marL="2514600" indent="-228600" algn="l" defTabSz="457200" rtl="0" eaLnBrk="1" latinLnBrk="0" hangingPunct="1">
-              <a:spcBef>
-                <a:spcPts val="1000"/>
-              </a:spcBef>
-              <a:spcAft>
-                <a:spcPts val="0"/>
-              </a:spcAft>
-              <a:buClr>
-                <a:schemeClr val="accent1"/>
-              </a:buClr>
-              <a:buSzPct val="80000"/>
-              <a:buFont typeface="Wingdings 3" charset="2"/>
-              <a:buChar char=""/>
-              <a:defRPr sz="1200" kern="1200">
-                <a:solidFill>
-                  <a:schemeClr val="tx1">
-                    <a:lumMod val="75000"/>
-                    <a:lumOff val="25000"/>
-                  </a:schemeClr>
-                </a:solidFill>
-                <a:latin typeface="+mn-lt"/>
-                <a:ea typeface="+mn-ea"/>
-                <a:cs typeface="+mn-cs"/>
-              </a:defRPr>
-            </a:lvl6pPr>
-            <a:lvl7pPr marL="2971800" indent="-228600" algn="l" defTabSz="457200" rtl="0" eaLnBrk="1" latinLnBrk="0" hangingPunct="1">
-              <a:spcBef>
-                <a:spcPts val="1000"/>
-              </a:spcBef>
-              <a:spcAft>
-                <a:spcPts val="0"/>
-              </a:spcAft>
-              <a:buClr>
-                <a:schemeClr val="accent1"/>
-              </a:buClr>
-              <a:buSzPct val="80000"/>
-              <a:buFont typeface="Wingdings 3" charset="2"/>
-              <a:buChar char=""/>
-              <a:defRPr sz="1200" kern="1200">
-                <a:solidFill>
-                  <a:schemeClr val="tx1">
-                    <a:lumMod val="75000"/>
-                    <a:lumOff val="25000"/>
-                  </a:schemeClr>
-                </a:solidFill>
-                <a:latin typeface="+mn-lt"/>
-                <a:ea typeface="+mn-ea"/>
-                <a:cs typeface="+mn-cs"/>
-              </a:defRPr>
-            </a:lvl7pPr>
-            <a:lvl8pPr marL="3429000" indent="-228600" algn="l" defTabSz="457200" rtl="0" eaLnBrk="1" latinLnBrk="0" hangingPunct="1">
-              <a:spcBef>
-                <a:spcPts val="1000"/>
-              </a:spcBef>
-              <a:spcAft>
-                <a:spcPts val="0"/>
-              </a:spcAft>
-              <a:buClr>
-                <a:schemeClr val="accent1"/>
-              </a:buClr>
-              <a:buSzPct val="80000"/>
-              <a:buFont typeface="Wingdings 3" charset="2"/>
-              <a:buChar char=""/>
-              <a:defRPr sz="1200" kern="1200">
-                <a:solidFill>
-                  <a:schemeClr val="tx1">
-                    <a:lumMod val="75000"/>
-                    <a:lumOff val="25000"/>
-                  </a:schemeClr>
-                </a:solidFill>
-                <a:latin typeface="+mn-lt"/>
-                <a:ea typeface="+mn-ea"/>
-                <a:cs typeface="+mn-cs"/>
-              </a:defRPr>
-            </a:lvl8pPr>
-            <a:lvl9pPr marL="3886200" indent="-228600" algn="l" defTabSz="457200" rtl="0" eaLnBrk="1" latinLnBrk="0" hangingPunct="1">
-              <a:spcBef>
-                <a:spcPts val="1000"/>
-              </a:spcBef>
-              <a:spcAft>
-                <a:spcPts val="0"/>
-              </a:spcAft>
-              <a:buClr>
-                <a:schemeClr val="accent1"/>
-              </a:buClr>
-              <a:buSzPct val="80000"/>
-              <a:buFont typeface="Wingdings 3" charset="2"/>
-              <a:buChar char=""/>
-              <a:defRPr sz="1200" kern="1200">
-                <a:solidFill>
-                  <a:schemeClr val="tx1">
-                    <a:lumMod val="75000"/>
-                    <a:lumOff val="25000"/>
-                  </a:schemeClr>
-                </a:solidFill>
-                <a:latin typeface="+mn-lt"/>
-                <a:ea typeface="+mn-ea"/>
-                <a:cs typeface="+mn-cs"/>
-              </a:defRPr>
-            </a:lvl9pPr>
-          </a:lstStyle>
-          <a:p>
-            <a:endParaRPr lang="en-IN" sz="2400" dirty="0"/>
-          </a:p>
-        </p:txBody>
-      </p:sp>
-      <p:sp>
-        <p:nvSpPr>
-          <p:cNvPr id="23" name="Text Placeholder 28">
-            <a:extLst>
-              <a:ext uri="{FF2B5EF4-FFF2-40B4-BE49-F238E27FC236}">
-                <a16:creationId xmlns:a16="http://schemas.microsoft.com/office/drawing/2014/main" xmlns="" id="{9E6B148F-F3B6-4E6B-9B85-645C039858E8}"/>
-              </a:ext>
-            </a:extLst>
-          </p:cNvPr>
-          <p:cNvSpPr txBox="1">
-            <a:spLocks/>
-          </p:cNvSpPr>
-          <p:nvPr/>
-        </p:nvSpPr>
-        <p:spPr>
-          <a:xfrm>
-            <a:off x="7789163" y="3962572"/>
-            <a:ext cx="2596574" cy="453919"/>
-          </a:xfrm>
-          <a:prstGeom prst="rect">
-            <a:avLst/>
-          </a:prstGeom>
-        </p:spPr>
-        <p:txBody>
-          <a:bodyPr vert="horz" lIns="91440" tIns="45720" rIns="91440" bIns="45720" rtlCol="0">
-            <a:normAutofit/>
-          </a:bodyPr>
-          <a:lstStyle>
-            <a:lvl1pPr marL="0" indent="0" algn="ctr" defTabSz="457200" rtl="0" eaLnBrk="1" latinLnBrk="0" hangingPunct="1">
-              <a:spcBef>
-                <a:spcPts val="1000"/>
-              </a:spcBef>
-              <a:spcAft>
-                <a:spcPts val="0"/>
-              </a:spcAft>
-              <a:buClr>
-                <a:schemeClr val="accent1"/>
-              </a:buClr>
-              <a:buSzPct val="80000"/>
-              <a:buFont typeface="Wingdings 3" charset="2"/>
-              <a:buNone/>
-              <a:defRPr lang="en-US" sz="2000" b="1" kern="1200" dirty="0" smtClean="0">
-                <a:solidFill>
-                  <a:schemeClr val="accent4"/>
-                </a:solidFill>
-                <a:latin typeface="+mj-lt"/>
-                <a:ea typeface="+mn-ea"/>
-                <a:cs typeface="+mn-cs"/>
-              </a:defRPr>
-            </a:lvl1pPr>
-            <a:lvl2pPr marL="742950" indent="-285750" algn="l" defTabSz="457200" rtl="0" eaLnBrk="1" latinLnBrk="0" hangingPunct="1">
-              <a:spcBef>
-                <a:spcPts val="1000"/>
-              </a:spcBef>
-              <a:spcAft>
-                <a:spcPts val="0"/>
-              </a:spcAft>
-              <a:buClr>
-                <a:schemeClr val="accent1"/>
-              </a:buClr>
-              <a:buSzPct val="80000"/>
-              <a:buFont typeface="Wingdings 3" charset="2"/>
-              <a:buChar char=""/>
-              <a:defRPr sz="1600" kern="1200">
-                <a:solidFill>
-                  <a:schemeClr val="tx1">
-                    <a:lumMod val="75000"/>
-                    <a:lumOff val="25000"/>
-                  </a:schemeClr>
-                </a:solidFill>
-                <a:latin typeface="+mn-lt"/>
-                <a:ea typeface="+mn-ea"/>
-                <a:cs typeface="+mn-cs"/>
-              </a:defRPr>
-            </a:lvl2pPr>
-            <a:lvl3pPr marL="1143000" indent="-228600" algn="l" defTabSz="457200" rtl="0" eaLnBrk="1" latinLnBrk="0" hangingPunct="1">
-              <a:spcBef>
-                <a:spcPts val="1000"/>
-              </a:spcBef>
-              <a:spcAft>
-                <a:spcPts val="0"/>
-              </a:spcAft>
-              <a:buClr>
-                <a:schemeClr val="accent1"/>
-              </a:buClr>
-              <a:buSzPct val="80000"/>
-              <a:buFont typeface="Wingdings 3" charset="2"/>
-              <a:buChar char=""/>
-              <a:defRPr sz="1400" kern="1200">
-                <a:solidFill>
-                  <a:schemeClr val="tx1">
-                    <a:lumMod val="75000"/>
-                    <a:lumOff val="25000"/>
-                  </a:schemeClr>
-                </a:solidFill>
-                <a:latin typeface="+mn-lt"/>
-                <a:ea typeface="+mn-ea"/>
-                <a:cs typeface="+mn-cs"/>
-              </a:defRPr>
-            </a:lvl3pPr>
-            <a:lvl4pPr marL="1600200" indent="-228600" algn="l" defTabSz="457200" rtl="0" eaLnBrk="1" latinLnBrk="0" hangingPunct="1">
-              <a:spcBef>
-                <a:spcPts val="1000"/>
-              </a:spcBef>
-              <a:spcAft>
-                <a:spcPts val="0"/>
-              </a:spcAft>
-              <a:buClr>
-                <a:schemeClr val="accent1"/>
-              </a:buClr>
-              <a:buSzPct val="80000"/>
-              <a:buFont typeface="Wingdings 3" charset="2"/>
-              <a:buChar char=""/>
-              <a:defRPr sz="1200" kern="1200">
-                <a:solidFill>
-                  <a:schemeClr val="tx1">
-                    <a:lumMod val="75000"/>
-                    <a:lumOff val="25000"/>
-                  </a:schemeClr>
-                </a:solidFill>
-                <a:latin typeface="+mn-lt"/>
-                <a:ea typeface="+mn-ea"/>
-                <a:cs typeface="+mn-cs"/>
-              </a:defRPr>
-            </a:lvl4pPr>
-            <a:lvl5pPr marL="2057400" indent="-228600" algn="l" defTabSz="457200" rtl="0" eaLnBrk="1" latinLnBrk="0" hangingPunct="1">
-              <a:spcBef>
-                <a:spcPts val="1000"/>
-              </a:spcBef>
-              <a:spcAft>
-                <a:spcPts val="0"/>
-              </a:spcAft>
-              <a:buClr>
-                <a:schemeClr val="accent1"/>
-              </a:buClr>
-              <a:buSzPct val="80000"/>
-              <a:buFont typeface="Wingdings 3" charset="2"/>
-              <a:buChar char=""/>
-              <a:defRPr sz="1200" kern="1200">
-                <a:solidFill>
-                  <a:schemeClr val="tx1">
-                    <a:lumMod val="75000"/>
-                    <a:lumOff val="25000"/>
-                  </a:schemeClr>
-                </a:solidFill>
-                <a:latin typeface="+mn-lt"/>
-                <a:ea typeface="+mn-ea"/>
-                <a:cs typeface="+mn-cs"/>
-              </a:defRPr>
-            </a:lvl5pPr>
-            <a:lvl6pPr marL="2514600" indent="-228600" algn="l" defTabSz="457200" rtl="0" eaLnBrk="1" latinLnBrk="0" hangingPunct="1">
-              <a:spcBef>
-                <a:spcPts val="1000"/>
-              </a:spcBef>
-              <a:spcAft>
-                <a:spcPts val="0"/>
-              </a:spcAft>
-              <a:buClr>
-                <a:schemeClr val="accent1"/>
-              </a:buClr>
-              <a:buSzPct val="80000"/>
-              <a:buFont typeface="Wingdings 3" charset="2"/>
-              <a:buChar char=""/>
-              <a:defRPr sz="1200" kern="1200">
-                <a:solidFill>
-                  <a:schemeClr val="tx1">
-                    <a:lumMod val="75000"/>
-                    <a:lumOff val="25000"/>
-                  </a:schemeClr>
-                </a:solidFill>
-                <a:latin typeface="+mn-lt"/>
-                <a:ea typeface="+mn-ea"/>
-                <a:cs typeface="+mn-cs"/>
-              </a:defRPr>
-            </a:lvl6pPr>
-            <a:lvl7pPr marL="2971800" indent="-228600" algn="l" defTabSz="457200" rtl="0" eaLnBrk="1" latinLnBrk="0" hangingPunct="1">
-              <a:spcBef>
-                <a:spcPts val="1000"/>
-              </a:spcBef>
-              <a:spcAft>
-                <a:spcPts val="0"/>
-              </a:spcAft>
-              <a:buClr>
-                <a:schemeClr val="accent1"/>
-              </a:buClr>
-              <a:buSzPct val="80000"/>
-              <a:buFont typeface="Wingdings 3" charset="2"/>
-              <a:buChar char=""/>
-              <a:defRPr sz="1200" kern="1200">
-                <a:solidFill>
-                  <a:schemeClr val="tx1">
-                    <a:lumMod val="75000"/>
-                    <a:lumOff val="25000"/>
-                  </a:schemeClr>
-                </a:solidFill>
-                <a:latin typeface="+mn-lt"/>
-                <a:ea typeface="+mn-ea"/>
-                <a:cs typeface="+mn-cs"/>
-              </a:defRPr>
-            </a:lvl7pPr>
-            <a:lvl8pPr marL="3429000" indent="-228600" algn="l" defTabSz="457200" rtl="0" eaLnBrk="1" latinLnBrk="0" hangingPunct="1">
-              <a:spcBef>
-                <a:spcPts val="1000"/>
-              </a:spcBef>
-              <a:spcAft>
-                <a:spcPts val="0"/>
-              </a:spcAft>
-              <a:buClr>
-                <a:schemeClr val="accent1"/>
-              </a:buClr>
-              <a:buSzPct val="80000"/>
-              <a:buFont typeface="Wingdings 3" charset="2"/>
-              <a:buChar char=""/>
-              <a:defRPr sz="1200" kern="1200">
-                <a:solidFill>
-                  <a:schemeClr val="tx1">
-                    <a:lumMod val="75000"/>
-                    <a:lumOff val="25000"/>
-                  </a:schemeClr>
-                </a:solidFill>
-                <a:latin typeface="+mn-lt"/>
-                <a:ea typeface="+mn-ea"/>
-                <a:cs typeface="+mn-cs"/>
-              </a:defRPr>
-            </a:lvl8pPr>
-            <a:lvl9pPr marL="3886200" indent="-228600" algn="l" defTabSz="457200" rtl="0" eaLnBrk="1" latinLnBrk="0" hangingPunct="1">
-              <a:spcBef>
-                <a:spcPts val="1000"/>
-              </a:spcBef>
-              <a:spcAft>
-                <a:spcPts val="0"/>
-              </a:spcAft>
-              <a:buClr>
-                <a:schemeClr val="accent1"/>
-              </a:buClr>
-              <a:buSzPct val="80000"/>
-              <a:buFont typeface="Wingdings 3" charset="2"/>
-              <a:buChar char=""/>
-              <a:defRPr sz="1200" kern="1200">
-                <a:solidFill>
-                  <a:schemeClr val="tx1">
-                    <a:lumMod val="75000"/>
-                    <a:lumOff val="25000"/>
-                  </a:schemeClr>
-                </a:solidFill>
-                <a:latin typeface="+mn-lt"/>
-                <a:ea typeface="+mn-ea"/>
-                <a:cs typeface="+mn-cs"/>
-              </a:defRPr>
-            </a:lvl9pPr>
-          </a:lstStyle>
-          <a:p>
-            <a:endParaRPr lang="en-IN" sz="2200" dirty="0"/>
-          </a:p>
-        </p:txBody>
-      </p:sp>
-      <p:sp>
-        <p:nvSpPr>
-          <p:cNvPr id="30" name="Text Placeholder 30">
-            <a:extLst>
-              <a:ext uri="{FF2B5EF4-FFF2-40B4-BE49-F238E27FC236}">
-                <a16:creationId xmlns:a16="http://schemas.microsoft.com/office/drawing/2014/main" xmlns="" id="{D3BF02F6-2753-476A-8046-A85AE3A49748}"/>
-              </a:ext>
-            </a:extLst>
-          </p:cNvPr>
-          <p:cNvSpPr txBox="1">
-            <a:spLocks/>
-          </p:cNvSpPr>
-          <p:nvPr/>
-        </p:nvSpPr>
-        <p:spPr>
-          <a:xfrm>
-            <a:off x="6096000" y="4641925"/>
-            <a:ext cx="2139695" cy="1108635"/>
-          </a:xfrm>
-          <a:prstGeom prst="rect">
-            <a:avLst/>
-          </a:prstGeom>
-        </p:spPr>
-        <p:txBody>
-          <a:bodyPr vert="horz" lIns="91440" tIns="45720" rIns="91440" bIns="45720" rtlCol="0">
-            <a:normAutofit/>
-          </a:bodyPr>
-          <a:lstStyle>
-            <a:lvl1pPr marL="0" indent="0" algn="ctr" defTabSz="457200" rtl="0" eaLnBrk="1" latinLnBrk="0" hangingPunct="1">
-              <a:spcBef>
-                <a:spcPts val="1000"/>
-              </a:spcBef>
-              <a:spcAft>
-                <a:spcPts val="0"/>
-              </a:spcAft>
-              <a:buClr>
-                <a:schemeClr val="accent1"/>
-              </a:buClr>
-              <a:buSzPct val="80000"/>
-              <a:buFont typeface="Wingdings 3" charset="2"/>
-              <a:buNone/>
-              <a:defRPr lang="en-US" sz="1600" kern="1200" dirty="0" smtClean="0">
-                <a:solidFill>
-                  <a:schemeClr val="tx1"/>
-                </a:solidFill>
-                <a:latin typeface="+mn-lt"/>
-                <a:ea typeface="+mn-ea"/>
-                <a:cs typeface="+mn-cs"/>
-              </a:defRPr>
-            </a:lvl1pPr>
-            <a:lvl2pPr marL="742950" indent="-285750" algn="l" defTabSz="457200" rtl="0" eaLnBrk="1" latinLnBrk="0" hangingPunct="1">
-              <a:spcBef>
-                <a:spcPts val="1000"/>
-              </a:spcBef>
-              <a:spcAft>
-                <a:spcPts val="0"/>
-              </a:spcAft>
-              <a:buClr>
-                <a:schemeClr val="accent1"/>
-              </a:buClr>
-              <a:buSzPct val="80000"/>
-              <a:buFont typeface="Wingdings 3" charset="2"/>
-              <a:buChar char=""/>
-              <a:defRPr sz="1600" kern="1200">
-                <a:solidFill>
-                  <a:schemeClr val="tx1">
-                    <a:lumMod val="75000"/>
-                    <a:lumOff val="25000"/>
-                  </a:schemeClr>
-                </a:solidFill>
-                <a:latin typeface="+mn-lt"/>
-                <a:ea typeface="+mn-ea"/>
-                <a:cs typeface="+mn-cs"/>
-              </a:defRPr>
-            </a:lvl2pPr>
-            <a:lvl3pPr marL="1143000" indent="-228600" algn="l" defTabSz="457200" rtl="0" eaLnBrk="1" latinLnBrk="0" hangingPunct="1">
-              <a:spcBef>
-                <a:spcPts val="1000"/>
-              </a:spcBef>
-              <a:spcAft>
-                <a:spcPts val="0"/>
-              </a:spcAft>
-              <a:buClr>
-                <a:schemeClr val="accent1"/>
-              </a:buClr>
-              <a:buSzPct val="80000"/>
-              <a:buFont typeface="Wingdings 3" charset="2"/>
-              <a:buChar char=""/>
-              <a:defRPr sz="1400" kern="1200">
-                <a:solidFill>
-                  <a:schemeClr val="tx1">
-                    <a:lumMod val="75000"/>
-                    <a:lumOff val="25000"/>
-                  </a:schemeClr>
-                </a:solidFill>
-                <a:latin typeface="+mn-lt"/>
-                <a:ea typeface="+mn-ea"/>
-                <a:cs typeface="+mn-cs"/>
-              </a:defRPr>
-            </a:lvl3pPr>
-            <a:lvl4pPr marL="1600200" indent="-228600" algn="l" defTabSz="457200" rtl="0" eaLnBrk="1" latinLnBrk="0" hangingPunct="1">
-              <a:spcBef>
-                <a:spcPts val="1000"/>
-              </a:spcBef>
-              <a:spcAft>
-                <a:spcPts val="0"/>
-              </a:spcAft>
-              <a:buClr>
-                <a:schemeClr val="accent1"/>
-              </a:buClr>
-              <a:buSzPct val="80000"/>
-              <a:buFont typeface="Wingdings 3" charset="2"/>
-              <a:buChar char=""/>
-              <a:defRPr sz="1200" kern="1200">
-                <a:solidFill>
-                  <a:schemeClr val="tx1">
-                    <a:lumMod val="75000"/>
-                    <a:lumOff val="25000"/>
-                  </a:schemeClr>
-                </a:solidFill>
-                <a:latin typeface="+mn-lt"/>
-                <a:ea typeface="+mn-ea"/>
-                <a:cs typeface="+mn-cs"/>
-              </a:defRPr>
-            </a:lvl4pPr>
-            <a:lvl5pPr marL="2057400" indent="-228600" algn="l" defTabSz="457200" rtl="0" eaLnBrk="1" latinLnBrk="0" hangingPunct="1">
-              <a:spcBef>
-                <a:spcPts val="1000"/>
-              </a:spcBef>
-              <a:spcAft>
-                <a:spcPts val="0"/>
-              </a:spcAft>
-              <a:buClr>
-                <a:schemeClr val="accent1"/>
-              </a:buClr>
-              <a:buSzPct val="80000"/>
-              <a:buFont typeface="Wingdings 3" charset="2"/>
-              <a:buChar char=""/>
-              <a:defRPr sz="1200" kern="1200">
-                <a:solidFill>
-                  <a:schemeClr val="tx1">
-                    <a:lumMod val="75000"/>
-                    <a:lumOff val="25000"/>
-                  </a:schemeClr>
-                </a:solidFill>
-                <a:latin typeface="+mn-lt"/>
-                <a:ea typeface="+mn-ea"/>
-                <a:cs typeface="+mn-cs"/>
-              </a:defRPr>
-            </a:lvl5pPr>
-            <a:lvl6pPr marL="2514600" indent="-228600" algn="l" defTabSz="457200" rtl="0" eaLnBrk="1" latinLnBrk="0" hangingPunct="1">
-              <a:spcBef>
-                <a:spcPts val="1000"/>
-              </a:spcBef>
-              <a:spcAft>
-                <a:spcPts val="0"/>
-              </a:spcAft>
-              <a:buClr>
-                <a:schemeClr val="accent1"/>
-              </a:buClr>
-              <a:buSzPct val="80000"/>
-              <a:buFont typeface="Wingdings 3" charset="2"/>
-              <a:buChar char=""/>
-              <a:defRPr sz="1200" kern="1200">
-                <a:solidFill>
-                  <a:schemeClr val="tx1">
-                    <a:lumMod val="75000"/>
-                    <a:lumOff val="25000"/>
-                  </a:schemeClr>
-                </a:solidFill>
-                <a:latin typeface="+mn-lt"/>
-                <a:ea typeface="+mn-ea"/>
-                <a:cs typeface="+mn-cs"/>
-              </a:defRPr>
-            </a:lvl6pPr>
-            <a:lvl7pPr marL="2971800" indent="-228600" algn="l" defTabSz="457200" rtl="0" eaLnBrk="1" latinLnBrk="0" hangingPunct="1">
-              <a:spcBef>
-                <a:spcPts val="1000"/>
-              </a:spcBef>
-              <a:spcAft>
-                <a:spcPts val="0"/>
-              </a:spcAft>
-              <a:buClr>
-                <a:schemeClr val="accent1"/>
-              </a:buClr>
-              <a:buSzPct val="80000"/>
-              <a:buFont typeface="Wingdings 3" charset="2"/>
-              <a:buChar char=""/>
-              <a:defRPr sz="1200" kern="1200">
-                <a:solidFill>
-                  <a:schemeClr val="tx1">
-                    <a:lumMod val="75000"/>
-                    <a:lumOff val="25000"/>
-                  </a:schemeClr>
-                </a:solidFill>
-                <a:latin typeface="+mn-lt"/>
-                <a:ea typeface="+mn-ea"/>
-                <a:cs typeface="+mn-cs"/>
-              </a:defRPr>
-            </a:lvl7pPr>
-            <a:lvl8pPr marL="3429000" indent="-228600" algn="l" defTabSz="457200" rtl="0" eaLnBrk="1" latinLnBrk="0" hangingPunct="1">
-              <a:spcBef>
-                <a:spcPts val="1000"/>
-              </a:spcBef>
-              <a:spcAft>
-                <a:spcPts val="0"/>
-              </a:spcAft>
-              <a:buClr>
-                <a:schemeClr val="accent1"/>
-              </a:buClr>
-              <a:buSzPct val="80000"/>
-              <a:buFont typeface="Wingdings 3" charset="2"/>
-              <a:buChar char=""/>
-              <a:defRPr sz="1200" kern="1200">
-                <a:solidFill>
-                  <a:schemeClr val="tx1">
-                    <a:lumMod val="75000"/>
-                    <a:lumOff val="25000"/>
-                  </a:schemeClr>
-                </a:solidFill>
-                <a:latin typeface="+mn-lt"/>
-                <a:ea typeface="+mn-ea"/>
-                <a:cs typeface="+mn-cs"/>
-              </a:defRPr>
-            </a:lvl8pPr>
-            <a:lvl9pPr marL="3886200" indent="-228600" algn="l" defTabSz="457200" rtl="0" eaLnBrk="1" latinLnBrk="0" hangingPunct="1">
-              <a:spcBef>
-                <a:spcPts val="1000"/>
-              </a:spcBef>
-              <a:spcAft>
-                <a:spcPts val="0"/>
-              </a:spcAft>
-              <a:buClr>
-                <a:schemeClr val="accent1"/>
-              </a:buClr>
-              <a:buSzPct val="80000"/>
-              <a:buFont typeface="Wingdings 3" charset="2"/>
-              <a:buChar char=""/>
-              <a:defRPr sz="1200" kern="1200">
-                <a:solidFill>
-                  <a:schemeClr val="tx1">
-                    <a:lumMod val="75000"/>
-                    <a:lumOff val="25000"/>
-                  </a:schemeClr>
-                </a:solidFill>
-                <a:latin typeface="+mn-lt"/>
-                <a:ea typeface="+mn-ea"/>
-                <a:cs typeface="+mn-cs"/>
-              </a:defRPr>
-            </a:lvl9pPr>
-          </a:lstStyle>
-          <a:p>
-            <a:endParaRPr lang="en-GB" dirty="0"/>
-          </a:p>
-        </p:txBody>
-      </p:sp>
-      <p:sp>
-        <p:nvSpPr>
-          <p:cNvPr id="32" name="Text Placeholder 30">
-            <a:extLst>
-              <a:ext uri="{FF2B5EF4-FFF2-40B4-BE49-F238E27FC236}">
-                <a16:creationId xmlns:a16="http://schemas.microsoft.com/office/drawing/2014/main" xmlns="" id="{B993AB29-3A3A-4473-8AC8-86E859C97321}"/>
-              </a:ext>
-            </a:extLst>
-          </p:cNvPr>
-          <p:cNvSpPr txBox="1">
-            <a:spLocks/>
-          </p:cNvSpPr>
-          <p:nvPr/>
-        </p:nvSpPr>
-        <p:spPr>
-          <a:xfrm>
-            <a:off x="8591363" y="4641925"/>
-            <a:ext cx="2139695" cy="1108635"/>
-          </a:xfrm>
-          <a:prstGeom prst="rect">
-            <a:avLst/>
-          </a:prstGeom>
-        </p:spPr>
-        <p:txBody>
-          <a:bodyPr vert="horz" lIns="91440" tIns="45720" rIns="91440" bIns="45720" rtlCol="0">
-            <a:normAutofit/>
-          </a:bodyPr>
-          <a:lstStyle>
-            <a:lvl1pPr marL="0" indent="0" algn="ctr" defTabSz="457200" rtl="0" eaLnBrk="1" latinLnBrk="0" hangingPunct="1">
-              <a:spcBef>
-                <a:spcPts val="1000"/>
-              </a:spcBef>
-              <a:spcAft>
-                <a:spcPts val="0"/>
-              </a:spcAft>
-              <a:buClr>
-                <a:schemeClr val="accent1"/>
-              </a:buClr>
-              <a:buSzPct val="80000"/>
-              <a:buFont typeface="Wingdings 3" charset="2"/>
-              <a:buNone/>
-              <a:defRPr lang="en-US" sz="1600" kern="1200" dirty="0" smtClean="0">
-                <a:solidFill>
-                  <a:schemeClr val="tx1"/>
-                </a:solidFill>
-                <a:latin typeface="+mn-lt"/>
-                <a:ea typeface="+mn-ea"/>
-                <a:cs typeface="+mn-cs"/>
-              </a:defRPr>
-            </a:lvl1pPr>
-            <a:lvl2pPr marL="742950" indent="-285750" algn="l" defTabSz="457200" rtl="0" eaLnBrk="1" latinLnBrk="0" hangingPunct="1">
-              <a:spcBef>
-                <a:spcPts val="1000"/>
-              </a:spcBef>
-              <a:spcAft>
-                <a:spcPts val="0"/>
-              </a:spcAft>
-              <a:buClr>
-                <a:schemeClr val="accent1"/>
-              </a:buClr>
-              <a:buSzPct val="80000"/>
-              <a:buFont typeface="Wingdings 3" charset="2"/>
-              <a:buChar char=""/>
-              <a:defRPr sz="1600" kern="1200">
-                <a:solidFill>
-                  <a:schemeClr val="tx1">
-                    <a:lumMod val="75000"/>
-                    <a:lumOff val="25000"/>
-                  </a:schemeClr>
-                </a:solidFill>
-                <a:latin typeface="+mn-lt"/>
-                <a:ea typeface="+mn-ea"/>
-                <a:cs typeface="+mn-cs"/>
-              </a:defRPr>
-            </a:lvl2pPr>
-            <a:lvl3pPr marL="1143000" indent="-228600" algn="l" defTabSz="457200" rtl="0" eaLnBrk="1" latinLnBrk="0" hangingPunct="1">
-              <a:spcBef>
-                <a:spcPts val="1000"/>
-              </a:spcBef>
-              <a:spcAft>
-                <a:spcPts val="0"/>
-              </a:spcAft>
-              <a:buClr>
-                <a:schemeClr val="accent1"/>
-              </a:buClr>
-              <a:buSzPct val="80000"/>
-              <a:buFont typeface="Wingdings 3" charset="2"/>
-              <a:buChar char=""/>
-              <a:defRPr sz="1400" kern="1200">
-                <a:solidFill>
-                  <a:schemeClr val="tx1">
-                    <a:lumMod val="75000"/>
-                    <a:lumOff val="25000"/>
-                  </a:schemeClr>
-                </a:solidFill>
-                <a:latin typeface="+mn-lt"/>
-                <a:ea typeface="+mn-ea"/>
-                <a:cs typeface="+mn-cs"/>
-              </a:defRPr>
-            </a:lvl3pPr>
-            <a:lvl4pPr marL="1600200" indent="-228600" algn="l" defTabSz="457200" rtl="0" eaLnBrk="1" latinLnBrk="0" hangingPunct="1">
-              <a:spcBef>
-                <a:spcPts val="1000"/>
-              </a:spcBef>
-              <a:spcAft>
-                <a:spcPts val="0"/>
-              </a:spcAft>
-              <a:buClr>
-                <a:schemeClr val="accent1"/>
-              </a:buClr>
-              <a:buSzPct val="80000"/>
-              <a:buFont typeface="Wingdings 3" charset="2"/>
-              <a:buChar char=""/>
-              <a:defRPr sz="1200" kern="1200">
-                <a:solidFill>
-                  <a:schemeClr val="tx1">
-                    <a:lumMod val="75000"/>
-                    <a:lumOff val="25000"/>
-                  </a:schemeClr>
-                </a:solidFill>
-                <a:latin typeface="+mn-lt"/>
-                <a:ea typeface="+mn-ea"/>
-                <a:cs typeface="+mn-cs"/>
-              </a:defRPr>
-            </a:lvl4pPr>
-            <a:lvl5pPr marL="2057400" indent="-228600" algn="l" defTabSz="457200" rtl="0" eaLnBrk="1" latinLnBrk="0" hangingPunct="1">
-              <a:spcBef>
-                <a:spcPts val="1000"/>
-              </a:spcBef>
-              <a:spcAft>
-                <a:spcPts val="0"/>
-              </a:spcAft>
-              <a:buClr>
-                <a:schemeClr val="accent1"/>
-              </a:buClr>
-              <a:buSzPct val="80000"/>
-              <a:buFont typeface="Wingdings 3" charset="2"/>
-              <a:buChar char=""/>
-              <a:defRPr sz="1200" kern="1200">
-                <a:solidFill>
-                  <a:schemeClr val="tx1">
-                    <a:lumMod val="75000"/>
-                    <a:lumOff val="25000"/>
-                  </a:schemeClr>
-                </a:solidFill>
-                <a:latin typeface="+mn-lt"/>
-                <a:ea typeface="+mn-ea"/>
-                <a:cs typeface="+mn-cs"/>
-              </a:defRPr>
-            </a:lvl5pPr>
-            <a:lvl6pPr marL="2514600" indent="-228600" algn="l" defTabSz="457200" rtl="0" eaLnBrk="1" latinLnBrk="0" hangingPunct="1">
-              <a:spcBef>
-                <a:spcPts val="1000"/>
-              </a:spcBef>
-              <a:spcAft>
-                <a:spcPts val="0"/>
-              </a:spcAft>
-              <a:buClr>
-                <a:schemeClr val="accent1"/>
-              </a:buClr>
-              <a:buSzPct val="80000"/>
-              <a:buFont typeface="Wingdings 3" charset="2"/>
-              <a:buChar char=""/>
-              <a:defRPr sz="1200" kern="1200">
-                <a:solidFill>
-                  <a:schemeClr val="tx1">
-                    <a:lumMod val="75000"/>
-                    <a:lumOff val="25000"/>
-                  </a:schemeClr>
-                </a:solidFill>
-                <a:latin typeface="+mn-lt"/>
-                <a:ea typeface="+mn-ea"/>
-                <a:cs typeface="+mn-cs"/>
-              </a:defRPr>
-            </a:lvl6pPr>
-            <a:lvl7pPr marL="2971800" indent="-228600" algn="l" defTabSz="457200" rtl="0" eaLnBrk="1" latinLnBrk="0" hangingPunct="1">
-              <a:spcBef>
-                <a:spcPts val="1000"/>
-              </a:spcBef>
-              <a:spcAft>
-                <a:spcPts val="0"/>
-              </a:spcAft>
-              <a:buClr>
-                <a:schemeClr val="accent1"/>
-              </a:buClr>
-              <a:buSzPct val="80000"/>
-              <a:buFont typeface="Wingdings 3" charset="2"/>
-              <a:buChar char=""/>
-              <a:defRPr sz="1200" kern="1200">
-                <a:solidFill>
-                  <a:schemeClr val="tx1">
-                    <a:lumMod val="75000"/>
-                    <a:lumOff val="25000"/>
-                  </a:schemeClr>
-                </a:solidFill>
-                <a:latin typeface="+mn-lt"/>
-                <a:ea typeface="+mn-ea"/>
-                <a:cs typeface="+mn-cs"/>
-              </a:defRPr>
-            </a:lvl7pPr>
-            <a:lvl8pPr marL="3429000" indent="-228600" algn="l" defTabSz="457200" rtl="0" eaLnBrk="1" latinLnBrk="0" hangingPunct="1">
-              <a:spcBef>
-                <a:spcPts val="1000"/>
-              </a:spcBef>
-              <a:spcAft>
-                <a:spcPts val="0"/>
-              </a:spcAft>
-              <a:buClr>
-                <a:schemeClr val="accent1"/>
-              </a:buClr>
-              <a:buSzPct val="80000"/>
-              <a:buFont typeface="Wingdings 3" charset="2"/>
-              <a:buChar char=""/>
-              <a:defRPr sz="1200" kern="1200">
-                <a:solidFill>
-                  <a:schemeClr val="tx1">
-                    <a:lumMod val="75000"/>
-                    <a:lumOff val="25000"/>
-                  </a:schemeClr>
-                </a:solidFill>
-                <a:latin typeface="+mn-lt"/>
-                <a:ea typeface="+mn-ea"/>
-                <a:cs typeface="+mn-cs"/>
-              </a:defRPr>
-            </a:lvl8pPr>
-            <a:lvl9pPr marL="3886200" indent="-228600" algn="l" defTabSz="457200" rtl="0" eaLnBrk="1" latinLnBrk="0" hangingPunct="1">
-              <a:spcBef>
-                <a:spcPts val="1000"/>
-              </a:spcBef>
-              <a:spcAft>
-                <a:spcPts val="0"/>
-              </a:spcAft>
-              <a:buClr>
-                <a:schemeClr val="accent1"/>
-              </a:buClr>
-              <a:buSzPct val="80000"/>
-              <a:buFont typeface="Wingdings 3" charset="2"/>
-              <a:buChar char=""/>
-              <a:defRPr sz="1200" kern="1200">
-                <a:solidFill>
-                  <a:schemeClr val="tx1">
-                    <a:lumMod val="75000"/>
-                    <a:lumOff val="25000"/>
-                  </a:schemeClr>
-                </a:solidFill>
-                <a:latin typeface="+mn-lt"/>
-                <a:ea typeface="+mn-ea"/>
-                <a:cs typeface="+mn-cs"/>
-              </a:defRPr>
-            </a:lvl9pPr>
-          </a:lstStyle>
-          <a:p>
-            <a:r>
-              <a:rPr lang="en-GB" dirty="0"/>
-              <a:t>.</a:t>
-            </a:r>
           </a:p>
         </p:txBody>
       </p:sp>
@@ -12960,7 +11793,7 @@
         </p:nvSpPr>
         <p:spPr>
           <a:xfrm>
-            <a:off x="8305776" y="2425861"/>
+            <a:off x="8344412" y="3932689"/>
             <a:ext cx="2710868" cy="584775"/>
           </a:xfrm>
           <a:prstGeom prst="rect">
@@ -13019,6 +11852,9 @@
                     <p:cTn id="3" fill="hold">
                       <p:stCondLst>
                         <p:cond delay="indefinite"/>
+                        <p:cond evt="onBegin" delay="0">
+                          <p:tn val="2"/>
+                        </p:cond>
                       </p:stCondLst>
                       <p:childTnLst>
                         <p:par>
@@ -13028,7 +11864,7 @@
                             </p:stCondLst>
                             <p:childTnLst>
                               <p:par>
-                                <p:cTn id="5" presetID="53" presetClass="entr" presetSubtype="16" fill="hold" grpId="0" nodeType="clickEffect">
+                                <p:cTn id="5" presetID="53" presetClass="entr" presetSubtype="16" fill="hold" grpId="0" nodeType="withEffect">
                                   <p:stCondLst>
                                     <p:cond delay="0"/>
                                   </p:stCondLst>
@@ -13108,44 +11944,21 @@
                                   </p:childTnLst>
                                 </p:cTn>
                               </p:par>
-                            </p:childTnLst>
-                          </p:cTn>
-                        </p:par>
-                      </p:childTnLst>
-                    </p:cTn>
-                  </p:par>
-                  <p:par>
-                    <p:cTn id="10" fill="hold">
-                      <p:stCondLst>
-                        <p:cond delay="indefinite"/>
-                      </p:stCondLst>
-                      <p:childTnLst>
-                        <p:par>
-                          <p:cTn id="11" fill="hold">
-                            <p:stCondLst>
-                              <p:cond delay="0"/>
-                            </p:stCondLst>
-                            <p:childTnLst>
                               <p:par>
-                                <p:cTn id="12" presetID="12" presetClass="entr" presetSubtype="4" fill="hold" grpId="0" nodeType="clickEffect" nodePh="1">
+                                <p:cTn id="10" presetID="10" presetClass="entr" presetSubtype="0" fill="hold" grpId="0" nodeType="withEffect">
                                   <p:stCondLst>
                                     <p:cond delay="0"/>
                                   </p:stCondLst>
-                                  <p:endCondLst>
-                                    <p:cond evt="begin" delay="0">
-                                      <p:tn val="12"/>
-                                    </p:cond>
-                                  </p:endCondLst>
                                   <p:childTnLst>
                                     <p:set>
                                       <p:cBhvr>
-                                        <p:cTn id="13" dur="1" fill="hold">
+                                        <p:cTn id="11" dur="1" fill="hold">
                                           <p:stCondLst>
                                             <p:cond delay="0"/>
                                           </p:stCondLst>
                                         </p:cTn>
                                         <p:tgtEl>
-                                          <p:spTgt spid="17"/>
+                                          <p:spTgt spid="4"/>
                                         </p:tgtEl>
                                         <p:attrNameLst>
                                           <p:attrName>style.visibility</p:attrName>
@@ -13155,360 +11968,11 @@
                                         <p:strVal val="visible"/>
                                       </p:to>
                                     </p:set>
-                                    <p:anim calcmode="lin" valueType="num">
-                                      <p:cBhvr additive="base">
-                                        <p:cTn id="14" dur="500"/>
+                                    <p:animEffect transition="in" filter="fade">
+                                      <p:cBhvr>
+                                        <p:cTn id="12" dur="500"/>
                                         <p:tgtEl>
-                                          <p:spTgt spid="17"/>
-                                        </p:tgtEl>
-                                        <p:attrNameLst>
-                                          <p:attrName>ppt_y</p:attrName>
-                                        </p:attrNameLst>
-                                      </p:cBhvr>
-                                      <p:tavLst>
-                                        <p:tav tm="0">
-                                          <p:val>
-                                            <p:strVal val="#ppt_y+#ppt_h*1.125000"/>
-                                          </p:val>
-                                        </p:tav>
-                                        <p:tav tm="100000">
-                                          <p:val>
-                                            <p:strVal val="#ppt_y"/>
-                                          </p:val>
-                                        </p:tav>
-                                      </p:tavLst>
-                                    </p:anim>
-                                    <p:animEffect transition="in" filter="wipe(up)">
-                                      <p:cBhvr>
-                                        <p:cTn id="15" dur="500"/>
-                                        <p:tgtEl>
-                                          <p:spTgt spid="17"/>
-                                        </p:tgtEl>
-                                      </p:cBhvr>
-                                    </p:animEffect>
-                                  </p:childTnLst>
-                                </p:cTn>
-                              </p:par>
-                            </p:childTnLst>
-                          </p:cTn>
-                        </p:par>
-                      </p:childTnLst>
-                    </p:cTn>
-                  </p:par>
-                  <p:par>
-                    <p:cTn id="16" fill="hold">
-                      <p:stCondLst>
-                        <p:cond delay="indefinite"/>
-                      </p:stCondLst>
-                      <p:childTnLst>
-                        <p:par>
-                          <p:cTn id="17" fill="hold">
-                            <p:stCondLst>
-                              <p:cond delay="0"/>
-                            </p:stCondLst>
-                            <p:childTnLst>
-                              <p:par>
-                                <p:cTn id="18" presetID="12" presetClass="entr" presetSubtype="4" fill="hold" grpId="0" nodeType="clickEffect">
-                                  <p:stCondLst>
-                                    <p:cond delay="0"/>
-                                  </p:stCondLst>
-                                  <p:childTnLst>
-                                    <p:set>
-                                      <p:cBhvr>
-                                        <p:cTn id="19" dur="1" fill="hold">
-                                          <p:stCondLst>
-                                            <p:cond delay="0"/>
-                                          </p:stCondLst>
-                                        </p:cTn>
-                                        <p:tgtEl>
-                                          <p:spTgt spid="31">
-                                            <p:txEl>
-                                              <p:pRg st="0" end="0"/>
-                                            </p:txEl>
-                                          </p:spTgt>
-                                        </p:tgtEl>
-                                        <p:attrNameLst>
-                                          <p:attrName>style.visibility</p:attrName>
-                                        </p:attrNameLst>
-                                      </p:cBhvr>
-                                      <p:to>
-                                        <p:strVal val="visible"/>
-                                      </p:to>
-                                    </p:set>
-                                    <p:anim calcmode="lin" valueType="num">
-                                      <p:cBhvr additive="base">
-                                        <p:cTn id="20" dur="500"/>
-                                        <p:tgtEl>
-                                          <p:spTgt spid="31">
-                                            <p:txEl>
-                                              <p:pRg st="0" end="0"/>
-                                            </p:txEl>
-                                          </p:spTgt>
-                                        </p:tgtEl>
-                                        <p:attrNameLst>
-                                          <p:attrName>ppt_y</p:attrName>
-                                        </p:attrNameLst>
-                                      </p:cBhvr>
-                                      <p:tavLst>
-                                        <p:tav tm="0">
-                                          <p:val>
-                                            <p:strVal val="#ppt_y+#ppt_h*1.125000"/>
-                                          </p:val>
-                                        </p:tav>
-                                        <p:tav tm="100000">
-                                          <p:val>
-                                            <p:strVal val="#ppt_y"/>
-                                          </p:val>
-                                        </p:tav>
-                                      </p:tavLst>
-                                    </p:anim>
-                                    <p:animEffect transition="in" filter="wipe(up)">
-                                      <p:cBhvr>
-                                        <p:cTn id="21" dur="500"/>
-                                        <p:tgtEl>
-                                          <p:spTgt spid="31">
-                                            <p:txEl>
-                                              <p:pRg st="0" end="0"/>
-                                            </p:txEl>
-                                          </p:spTgt>
-                                        </p:tgtEl>
-                                      </p:cBhvr>
-                                    </p:animEffect>
-                                  </p:childTnLst>
-                                </p:cTn>
-                              </p:par>
-                            </p:childTnLst>
-                          </p:cTn>
-                        </p:par>
-                      </p:childTnLst>
-                    </p:cTn>
-                  </p:par>
-                  <p:par>
-                    <p:cTn id="22" fill="hold">
-                      <p:stCondLst>
-                        <p:cond delay="indefinite"/>
-                      </p:stCondLst>
-                      <p:childTnLst>
-                        <p:par>
-                          <p:cTn id="23" fill="hold">
-                            <p:stCondLst>
-                              <p:cond delay="0"/>
-                            </p:stCondLst>
-                            <p:childTnLst>
-                              <p:par>
-                                <p:cTn id="24" presetID="12" presetClass="entr" presetSubtype="4" fill="hold" grpId="0" nodeType="clickEffect" nodePh="1">
-                                  <p:stCondLst>
-                                    <p:cond delay="0"/>
-                                  </p:stCondLst>
-                                  <p:endCondLst>
-                                    <p:cond evt="begin" delay="0">
-                                      <p:tn val="24"/>
-                                    </p:cond>
-                                  </p:endCondLst>
-                                  <p:childTnLst>
-                                    <p:set>
-                                      <p:cBhvr>
-                                        <p:cTn id="25" dur="1" fill="hold">
-                                          <p:stCondLst>
-                                            <p:cond delay="0"/>
-                                          </p:stCondLst>
-                                        </p:cTn>
-                                        <p:tgtEl>
-                                          <p:spTgt spid="30"/>
-                                        </p:tgtEl>
-                                        <p:attrNameLst>
-                                          <p:attrName>style.visibility</p:attrName>
-                                        </p:attrNameLst>
-                                      </p:cBhvr>
-                                      <p:to>
-                                        <p:strVal val="visible"/>
-                                      </p:to>
-                                    </p:set>
-                                    <p:anim calcmode="lin" valueType="num">
-                                      <p:cBhvr additive="base">
-                                        <p:cTn id="26" dur="500"/>
-                                        <p:tgtEl>
-                                          <p:spTgt spid="30"/>
-                                        </p:tgtEl>
-                                        <p:attrNameLst>
-                                          <p:attrName>ppt_y</p:attrName>
-                                        </p:attrNameLst>
-                                      </p:cBhvr>
-                                      <p:tavLst>
-                                        <p:tav tm="0">
-                                          <p:val>
-                                            <p:strVal val="#ppt_y+#ppt_h*1.125000"/>
-                                          </p:val>
-                                        </p:tav>
-                                        <p:tav tm="100000">
-                                          <p:val>
-                                            <p:strVal val="#ppt_y"/>
-                                          </p:val>
-                                        </p:tav>
-                                      </p:tavLst>
-                                    </p:anim>
-                                    <p:animEffect transition="in" filter="wipe(up)">
-                                      <p:cBhvr>
-                                        <p:cTn id="27" dur="500"/>
-                                        <p:tgtEl>
-                                          <p:spTgt spid="30"/>
-                                        </p:tgtEl>
-                                      </p:cBhvr>
-                                    </p:animEffect>
-                                  </p:childTnLst>
-                                </p:cTn>
-                              </p:par>
-                            </p:childTnLst>
-                          </p:cTn>
-                        </p:par>
-                      </p:childTnLst>
-                    </p:cTn>
-                  </p:par>
-                  <p:par>
-                    <p:cTn id="28" fill="hold">
-                      <p:stCondLst>
-                        <p:cond delay="indefinite"/>
-                      </p:stCondLst>
-                      <p:childTnLst>
-                        <p:par>
-                          <p:cTn id="29" fill="hold">
-                            <p:stCondLst>
-                              <p:cond delay="0"/>
-                            </p:stCondLst>
-                            <p:childTnLst>
-                              <p:par>
-                                <p:cTn id="30" presetID="12" presetClass="entr" presetSubtype="4" fill="hold" grpId="0" nodeType="clickEffect" nodePh="1">
-                                  <p:stCondLst>
-                                    <p:cond delay="0"/>
-                                  </p:stCondLst>
-                                  <p:endCondLst>
-                                    <p:cond evt="begin" delay="0">
-                                      <p:tn val="30"/>
-                                    </p:cond>
-                                  </p:endCondLst>
-                                  <p:childTnLst>
-                                    <p:set>
-                                      <p:cBhvr>
-                                        <p:cTn id="31" dur="1" fill="hold">
-                                          <p:stCondLst>
-                                            <p:cond delay="0"/>
-                                          </p:stCondLst>
-                                        </p:cTn>
-                                        <p:tgtEl>
-                                          <p:spTgt spid="23"/>
-                                        </p:tgtEl>
-                                        <p:attrNameLst>
-                                          <p:attrName>style.visibility</p:attrName>
-                                        </p:attrNameLst>
-                                      </p:cBhvr>
-                                      <p:to>
-                                        <p:strVal val="visible"/>
-                                      </p:to>
-                                    </p:set>
-                                    <p:anim calcmode="lin" valueType="num">
-                                      <p:cBhvr additive="base">
-                                        <p:cTn id="32" dur="500"/>
-                                        <p:tgtEl>
-                                          <p:spTgt spid="23"/>
-                                        </p:tgtEl>
-                                        <p:attrNameLst>
-                                          <p:attrName>ppt_y</p:attrName>
-                                        </p:attrNameLst>
-                                      </p:cBhvr>
-                                      <p:tavLst>
-                                        <p:tav tm="0">
-                                          <p:val>
-                                            <p:strVal val="#ppt_y+#ppt_h*1.125000"/>
-                                          </p:val>
-                                        </p:tav>
-                                        <p:tav tm="100000">
-                                          <p:val>
-                                            <p:strVal val="#ppt_y"/>
-                                          </p:val>
-                                        </p:tav>
-                                      </p:tavLst>
-                                    </p:anim>
-                                    <p:animEffect transition="in" filter="wipe(up)">
-                                      <p:cBhvr>
-                                        <p:cTn id="33" dur="500"/>
-                                        <p:tgtEl>
-                                          <p:spTgt spid="23"/>
-                                        </p:tgtEl>
-                                      </p:cBhvr>
-                                    </p:animEffect>
-                                  </p:childTnLst>
-                                </p:cTn>
-                              </p:par>
-                            </p:childTnLst>
-                          </p:cTn>
-                        </p:par>
-                      </p:childTnLst>
-                    </p:cTn>
-                  </p:par>
-                  <p:par>
-                    <p:cTn id="34" fill="hold">
-                      <p:stCondLst>
-                        <p:cond delay="indefinite"/>
-                      </p:stCondLst>
-                      <p:childTnLst>
-                        <p:par>
-                          <p:cTn id="35" fill="hold">
-                            <p:stCondLst>
-                              <p:cond delay="0"/>
-                            </p:stCondLst>
-                            <p:childTnLst>
-                              <p:par>
-                                <p:cTn id="36" presetID="12" presetClass="entr" presetSubtype="4" fill="hold" grpId="0" nodeType="clickEffect">
-                                  <p:stCondLst>
-                                    <p:cond delay="0"/>
-                                  </p:stCondLst>
-                                  <p:childTnLst>
-                                    <p:set>
-                                      <p:cBhvr>
-                                        <p:cTn id="37" dur="1" fill="hold">
-                                          <p:stCondLst>
-                                            <p:cond delay="0"/>
-                                          </p:stCondLst>
-                                        </p:cTn>
-                                        <p:tgtEl>
-                                          <p:spTgt spid="32"/>
-                                        </p:tgtEl>
-                                        <p:attrNameLst>
-                                          <p:attrName>style.visibility</p:attrName>
-                                        </p:attrNameLst>
-                                      </p:cBhvr>
-                                      <p:to>
-                                        <p:strVal val="visible"/>
-                                      </p:to>
-                                    </p:set>
-                                    <p:anim calcmode="lin" valueType="num">
-                                      <p:cBhvr additive="base">
-                                        <p:cTn id="38" dur="500"/>
-                                        <p:tgtEl>
-                                          <p:spTgt spid="32"/>
-                                        </p:tgtEl>
-                                        <p:attrNameLst>
-                                          <p:attrName>ppt_y</p:attrName>
-                                        </p:attrNameLst>
-                                      </p:cBhvr>
-                                      <p:tavLst>
-                                        <p:tav tm="0">
-                                          <p:val>
-                                            <p:strVal val="#ppt_y+#ppt_h*1.125000"/>
-                                          </p:val>
-                                        </p:tav>
-                                        <p:tav tm="100000">
-                                          <p:val>
-                                            <p:strVal val="#ppt_y"/>
-                                          </p:val>
-                                        </p:tav>
-                                      </p:tavLst>
-                                    </p:anim>
-                                    <p:animEffect transition="in" filter="wipe(up)">
-                                      <p:cBhvr>
-                                        <p:cTn id="39" dur="500"/>
-                                        <p:tgtEl>
-                                          <p:spTgt spid="32"/>
+                                          <p:spTgt spid="4"/>
                                         </p:tgtEl>
                                       </p:cBhvr>
                                     </p:animEffect>
@@ -13544,11 +12008,7 @@
     </p:tnLst>
     <p:bldLst>
       <p:bldP spid="3" grpId="0"/>
-      <p:bldP spid="31" grpId="0" build="p"/>
-      <p:bldP spid="17" grpId="0"/>
-      <p:bldP spid="23" grpId="0"/>
-      <p:bldP spid="30" grpId="0"/>
-      <p:bldP spid="32" grpId="0"/>
+      <p:bldP spid="4" grpId="0"/>
     </p:bldLst>
   </p:timing>
 </p:sld>
@@ -13576,7 +12036,7 @@
           <p:cNvPr id="2" name="Text Placeholder 1">
             <a:extLst>
               <a:ext uri="{FF2B5EF4-FFF2-40B4-BE49-F238E27FC236}">
-                <a16:creationId xmlns:a16="http://schemas.microsoft.com/office/drawing/2014/main" xmlns="" id="{E46E4DD1-270B-4C80-AFF0-EB26F132AF36}"/>
+                <a16:creationId xmlns="" xmlns:a16="http://schemas.microsoft.com/office/drawing/2014/main" id="{E46E4DD1-270B-4C80-AFF0-EB26F132AF36}"/>
               </a:ext>
             </a:extLst>
           </p:cNvPr>
@@ -13633,7 +12093,7 @@
           <p:cNvPr id="4" name="Title 3">
             <a:extLst>
               <a:ext uri="{FF2B5EF4-FFF2-40B4-BE49-F238E27FC236}">
-                <a16:creationId xmlns:a16="http://schemas.microsoft.com/office/drawing/2014/main" xmlns="" id="{777CC02B-F7C6-47A8-8C3E-C57C417D9EA3}"/>
+                <a16:creationId xmlns="" xmlns:a16="http://schemas.microsoft.com/office/drawing/2014/main" id="{777CC02B-F7C6-47A8-8C3E-C57C417D9EA3}"/>
               </a:ext>
             </a:extLst>
           </p:cNvPr>
@@ -13677,7 +12137,7 @@
           <p:cNvPr id="5" name="Picture 4">
             <a:extLst>
               <a:ext uri="{FF2B5EF4-FFF2-40B4-BE49-F238E27FC236}">
-                <a16:creationId xmlns:a16="http://schemas.microsoft.com/office/drawing/2014/main" xmlns="" id="{C8FE02DE-D7B2-433D-BFE4-2F564022AD89}"/>
+                <a16:creationId xmlns="" xmlns:a16="http://schemas.microsoft.com/office/drawing/2014/main" id="{C8FE02DE-D7B2-433D-BFE4-2F564022AD89}"/>
               </a:ext>
             </a:extLst>
           </p:cNvPr>
@@ -13724,6 +12184,9 @@
                     <p:cTn id="3" fill="hold">
                       <p:stCondLst>
                         <p:cond delay="indefinite"/>
+                        <p:cond evt="onBegin" delay="0">
+                          <p:tn val="2"/>
+                        </p:cond>
                       </p:stCondLst>
                       <p:childTnLst>
                         <p:par>
@@ -13733,7 +12196,7 @@
                             </p:stCondLst>
                             <p:childTnLst>
                               <p:par>
-                                <p:cTn id="5" presetID="14" presetClass="entr" presetSubtype="10" fill="hold" grpId="0" nodeType="clickEffect">
+                                <p:cTn id="5" presetID="14" presetClass="entr" presetSubtype="10" fill="hold" grpId="0" nodeType="withEffect">
                                   <p:stCondLst>
                                     <p:cond delay="0"/>
                                   </p:stCondLst>
@@ -13810,6 +12273,41 @@
                                   </p:childTnLst>
                                 </p:cTn>
                               </p:par>
+                              <p:par>
+                                <p:cTn id="11" presetID="10" presetClass="entr" presetSubtype="0" fill="hold" nodeType="withEffect">
+                                  <p:stCondLst>
+                                    <p:cond delay="0"/>
+                                  </p:stCondLst>
+                                  <p:childTnLst>
+                                    <p:set>
+                                      <p:cBhvr>
+                                        <p:cTn id="12" dur="1" fill="hold">
+                                          <p:stCondLst>
+                                            <p:cond delay="0"/>
+                                          </p:stCondLst>
+                                        </p:cTn>
+                                        <p:tgtEl>
+                                          <p:spTgt spid="5"/>
+                                        </p:tgtEl>
+                                        <p:attrNameLst>
+                                          <p:attrName>style.visibility</p:attrName>
+                                        </p:attrNameLst>
+                                      </p:cBhvr>
+                                      <p:to>
+                                        <p:strVal val="visible"/>
+                                      </p:to>
+                                    </p:set>
+                                    <p:animEffect transition="in" filter="fade">
+                                      <p:cBhvr>
+                                        <p:cTn id="13" dur="500"/>
+                                        <p:tgtEl>
+                                          <p:spTgt spid="5"/>
+                                        </p:tgtEl>
+                                      </p:cBhvr>
+                                    </p:animEffect>
+                                  </p:childTnLst>
+                                </p:cTn>
+                              </p:par>
                             </p:childTnLst>
                           </p:cTn>
                         </p:par>
@@ -13867,7 +12365,7 @@
           <p:cNvPr id="3" name="Title 2">
             <a:extLst>
               <a:ext uri="{FF2B5EF4-FFF2-40B4-BE49-F238E27FC236}">
-                <a16:creationId xmlns:a16="http://schemas.microsoft.com/office/drawing/2014/main" xmlns="" id="{EBF2FBC7-3552-4F01-BB27-8BEEE74F7277}"/>
+                <a16:creationId xmlns="" xmlns:a16="http://schemas.microsoft.com/office/drawing/2014/main" id="{EBF2FBC7-3552-4F01-BB27-8BEEE74F7277}"/>
               </a:ext>
             </a:extLst>
           </p:cNvPr>
@@ -14310,7 +12808,7 @@
           <p:cNvPr id="2" name="Text Placeholder 1">
             <a:extLst>
               <a:ext uri="{FF2B5EF4-FFF2-40B4-BE49-F238E27FC236}">
-                <a16:creationId xmlns:a16="http://schemas.microsoft.com/office/drawing/2014/main" xmlns="" id="{664E3B60-2780-459A-8583-F095D5E7463A}"/>
+                <a16:creationId xmlns="" xmlns:a16="http://schemas.microsoft.com/office/drawing/2014/main" id="{664E3B60-2780-459A-8583-F095D5E7463A}"/>
               </a:ext>
             </a:extLst>
           </p:cNvPr>
@@ -14351,7 +12849,7 @@
           <p:cNvPr id="4" name="Title 3">
             <a:extLst>
               <a:ext uri="{FF2B5EF4-FFF2-40B4-BE49-F238E27FC236}">
-                <a16:creationId xmlns:a16="http://schemas.microsoft.com/office/drawing/2014/main" xmlns="" id="{1A4A072B-83C6-4607-AE6A-5AD61CC72C44}"/>
+                <a16:creationId xmlns="" xmlns:a16="http://schemas.microsoft.com/office/drawing/2014/main" id="{1A4A072B-83C6-4607-AE6A-5AD61CC72C44}"/>
               </a:ext>
             </a:extLst>
           </p:cNvPr>
@@ -14558,7 +13056,7 @@
           <p:cNvPr id="2" name="Picture 1">
             <a:extLst>
               <a:ext uri="{FF2B5EF4-FFF2-40B4-BE49-F238E27FC236}">
-                <a16:creationId xmlns:a16="http://schemas.microsoft.com/office/drawing/2014/main" xmlns="" id="{F1FC3E39-8C60-4F64-9838-2A683F25B8C4}"/>
+                <a16:creationId xmlns="" xmlns:a16="http://schemas.microsoft.com/office/drawing/2014/main" id="{F1FC3E39-8C60-4F64-9838-2A683F25B8C4}"/>
               </a:ext>
             </a:extLst>
           </p:cNvPr>
@@ -14588,7 +13086,7 @@
           <p:cNvPr id="7" name="Text Placeholder 6">
             <a:extLst>
               <a:ext uri="{FF2B5EF4-FFF2-40B4-BE49-F238E27FC236}">
-                <a16:creationId xmlns:a16="http://schemas.microsoft.com/office/drawing/2014/main" xmlns="" id="{B21C28F5-3CA3-4B78-B5C9-550C00BB3174}"/>
+                <a16:creationId xmlns="" xmlns:a16="http://schemas.microsoft.com/office/drawing/2014/main" id="{B21C28F5-3CA3-4B78-B5C9-550C00BB3174}"/>
               </a:ext>
             </a:extLst>
           </p:cNvPr>
@@ -14639,7 +13137,7 @@
           <p:cNvPr id="9" name="Title 8">
             <a:extLst>
               <a:ext uri="{FF2B5EF4-FFF2-40B4-BE49-F238E27FC236}">
-                <a16:creationId xmlns:a16="http://schemas.microsoft.com/office/drawing/2014/main" xmlns="" id="{FEF304F5-32C5-4869-B185-859B567855A8}"/>
+                <a16:creationId xmlns="" xmlns:a16="http://schemas.microsoft.com/office/drawing/2014/main" id="{FEF304F5-32C5-4869-B185-859B567855A8}"/>
               </a:ext>
             </a:extLst>
           </p:cNvPr>
@@ -14924,7 +13422,7 @@
           <p:cNvPr id="4" name="Title 3">
             <a:extLst>
               <a:ext uri="{FF2B5EF4-FFF2-40B4-BE49-F238E27FC236}">
-                <a16:creationId xmlns:a16="http://schemas.microsoft.com/office/drawing/2014/main" xmlns="" id="{AFE3A2AF-177E-45E6-A191-0F8523DB7FFA}"/>
+                <a16:creationId xmlns="" xmlns:a16="http://schemas.microsoft.com/office/drawing/2014/main" id="{AFE3A2AF-177E-45E6-A191-0F8523DB7FFA}"/>
               </a:ext>
             </a:extLst>
           </p:cNvPr>
@@ -14968,7 +13466,7 @@
           <p:cNvPr id="7" name="Text Placeholder 30">
             <a:extLst>
               <a:ext uri="{FF2B5EF4-FFF2-40B4-BE49-F238E27FC236}">
-                <a16:creationId xmlns:a16="http://schemas.microsoft.com/office/drawing/2014/main" xmlns="" id="{372426BE-BEE7-4A6D-BCD2-059615BBCE25}"/>
+                <a16:creationId xmlns="" xmlns:a16="http://schemas.microsoft.com/office/drawing/2014/main" id="{372426BE-BEE7-4A6D-BCD2-059615BBCE25}"/>
               </a:ext>
             </a:extLst>
           </p:cNvPr>
@@ -15224,7 +13722,7 @@
           <p:cNvPr id="8" name="Text Placeholder 30">
             <a:extLst>
               <a:ext uri="{FF2B5EF4-FFF2-40B4-BE49-F238E27FC236}">
-                <a16:creationId xmlns:a16="http://schemas.microsoft.com/office/drawing/2014/main" xmlns="" id="{E61E227A-5883-4C77-B25A-46A22FFDF41F}"/>
+                <a16:creationId xmlns="" xmlns:a16="http://schemas.microsoft.com/office/drawing/2014/main" id="{E61E227A-5883-4C77-B25A-46A22FFDF41F}"/>
               </a:ext>
             </a:extLst>
           </p:cNvPr>
@@ -15480,7 +13978,7 @@
           <p:cNvPr id="9" name="Title 3">
             <a:extLst>
               <a:ext uri="{FF2B5EF4-FFF2-40B4-BE49-F238E27FC236}">
-                <a16:creationId xmlns:a16="http://schemas.microsoft.com/office/drawing/2014/main" xmlns="" id="{E25373E9-1A26-4A40-9897-E42DE485D8E3}"/>
+                <a16:creationId xmlns="" xmlns:a16="http://schemas.microsoft.com/office/drawing/2014/main" id="{E25373E9-1A26-4A40-9897-E42DE485D8E3}"/>
               </a:ext>
             </a:extLst>
           </p:cNvPr>
@@ -15651,7 +14149,7 @@
                             </p:stCondLst>
                             <p:childTnLst>
                               <p:par>
-                                <p:cTn id="5" presetID="14" presetClass="entr" presetSubtype="10" fill="hold" grpId="0" nodeType="withEffect">
+                                <p:cTn id="5" presetID="10" presetClass="entr" presetSubtype="0" fill="hold" grpId="0" nodeType="withEffect">
                                   <p:stCondLst>
                                     <p:cond delay="0"/>
                                   </p:stCondLst>
@@ -15674,7 +14172,7 @@
                                         <p:strVal val="visible"/>
                                       </p:to>
                                     </p:set>
-                                    <p:animEffect transition="in" filter="randombar(horizontal)">
+                                    <p:animEffect transition="in" filter="fade">
                                       <p:cBhvr>
                                         <p:cTn id="7" dur="500"/>
                                         <p:tgtEl>
@@ -15685,223 +14183,15 @@
                                   </p:childTnLst>
                                 </p:cTn>
                               </p:par>
-                            </p:childTnLst>
-                          </p:cTn>
-                        </p:par>
-                      </p:childTnLst>
-                    </p:cTn>
-                  </p:par>
-                  <p:par>
-                    <p:cTn id="8" fill="hold">
-                      <p:stCondLst>
-                        <p:cond delay="indefinite"/>
-                      </p:stCondLst>
-                      <p:childTnLst>
-                        <p:par>
-                          <p:cTn id="9" fill="hold">
-                            <p:stCondLst>
-                              <p:cond delay="0"/>
-                            </p:stCondLst>
-                            <p:childTnLst>
                               <p:par>
-                                <p:cTn id="10" presetID="42" presetClass="entr" presetSubtype="0" fill="hold" grpId="0" nodeType="clickEffect" nodePh="1">
-                                  <p:stCondLst>
-                                    <p:cond delay="0"/>
-                                  </p:stCondLst>
-                                  <p:endCondLst>
-                                    <p:cond evt="begin" delay="0">
-                                      <p:tn val="10"/>
-                                    </p:cond>
-                                  </p:endCondLst>
-                                  <p:childTnLst>
-                                    <p:set>
-                                      <p:cBhvr>
-                                        <p:cTn id="11" dur="1" fill="hold">
-                                          <p:stCondLst>
-                                            <p:cond delay="0"/>
-                                          </p:stCondLst>
-                                        </p:cTn>
-                                        <p:tgtEl>
-                                          <p:spTgt spid="7"/>
-                                        </p:tgtEl>
-                                        <p:attrNameLst>
-                                          <p:attrName>style.visibility</p:attrName>
-                                        </p:attrNameLst>
-                                      </p:cBhvr>
-                                      <p:to>
-                                        <p:strVal val="visible"/>
-                                      </p:to>
-                                    </p:set>
-                                    <p:animEffect transition="in" filter="fade">
-                                      <p:cBhvr>
-                                        <p:cTn id="12" dur="1000"/>
-                                        <p:tgtEl>
-                                          <p:spTgt spid="7"/>
-                                        </p:tgtEl>
-                                      </p:cBhvr>
-                                    </p:animEffect>
-                                    <p:anim calcmode="lin" valueType="num">
-                                      <p:cBhvr>
-                                        <p:cTn id="13" dur="1000" fill="hold"/>
-                                        <p:tgtEl>
-                                          <p:spTgt spid="7"/>
-                                        </p:tgtEl>
-                                        <p:attrNameLst>
-                                          <p:attrName>ppt_x</p:attrName>
-                                        </p:attrNameLst>
-                                      </p:cBhvr>
-                                      <p:tavLst>
-                                        <p:tav tm="0">
-                                          <p:val>
-                                            <p:strVal val="#ppt_x"/>
-                                          </p:val>
-                                        </p:tav>
-                                        <p:tav tm="100000">
-                                          <p:val>
-                                            <p:strVal val="#ppt_x"/>
-                                          </p:val>
-                                        </p:tav>
-                                      </p:tavLst>
-                                    </p:anim>
-                                    <p:anim calcmode="lin" valueType="num">
-                                      <p:cBhvr>
-                                        <p:cTn id="14" dur="1000" fill="hold"/>
-                                        <p:tgtEl>
-                                          <p:spTgt spid="7"/>
-                                        </p:tgtEl>
-                                        <p:attrNameLst>
-                                          <p:attrName>ppt_y</p:attrName>
-                                        </p:attrNameLst>
-                                      </p:cBhvr>
-                                      <p:tavLst>
-                                        <p:tav tm="0">
-                                          <p:val>
-                                            <p:strVal val="#ppt_y+.1"/>
-                                          </p:val>
-                                        </p:tav>
-                                        <p:tav tm="100000">
-                                          <p:val>
-                                            <p:strVal val="#ppt_y"/>
-                                          </p:val>
-                                        </p:tav>
-                                      </p:tavLst>
-                                    </p:anim>
-                                  </p:childTnLst>
-                                </p:cTn>
-                              </p:par>
-                            </p:childTnLst>
-                          </p:cTn>
-                        </p:par>
-                      </p:childTnLst>
-                    </p:cTn>
-                  </p:par>
-                  <p:par>
-                    <p:cTn id="15" fill="hold">
-                      <p:stCondLst>
-                        <p:cond delay="indefinite"/>
-                      </p:stCondLst>
-                      <p:childTnLst>
-                        <p:par>
-                          <p:cTn id="16" fill="hold">
-                            <p:stCondLst>
-                              <p:cond delay="0"/>
-                            </p:stCondLst>
-                            <p:childTnLst>
-                              <p:par>
-                                <p:cTn id="17" presetID="42" presetClass="entr" presetSubtype="0" fill="hold" grpId="0" nodeType="clickEffect" nodePh="1">
-                                  <p:stCondLst>
-                                    <p:cond delay="0"/>
-                                  </p:stCondLst>
-                                  <p:endCondLst>
-                                    <p:cond evt="begin" delay="0">
-                                      <p:tn val="17"/>
-                                    </p:cond>
-                                  </p:endCondLst>
-                                  <p:childTnLst>
-                                    <p:set>
-                                      <p:cBhvr>
-                                        <p:cTn id="18" dur="1" fill="hold">
-                                          <p:stCondLst>
-                                            <p:cond delay="0"/>
-                                          </p:stCondLst>
-                                        </p:cTn>
-                                        <p:tgtEl>
-                                          <p:spTgt spid="8"/>
-                                        </p:tgtEl>
-                                        <p:attrNameLst>
-                                          <p:attrName>style.visibility</p:attrName>
-                                        </p:attrNameLst>
-                                      </p:cBhvr>
-                                      <p:to>
-                                        <p:strVal val="visible"/>
-                                      </p:to>
-                                    </p:set>
-                                    <p:animEffect transition="in" filter="fade">
-                                      <p:cBhvr>
-                                        <p:cTn id="19" dur="1000"/>
-                                        <p:tgtEl>
-                                          <p:spTgt spid="8"/>
-                                        </p:tgtEl>
-                                      </p:cBhvr>
-                                    </p:animEffect>
-                                    <p:anim calcmode="lin" valueType="num">
-                                      <p:cBhvr>
-                                        <p:cTn id="20" dur="1000" fill="hold"/>
-                                        <p:tgtEl>
-                                          <p:spTgt spid="8"/>
-                                        </p:tgtEl>
-                                        <p:attrNameLst>
-                                          <p:attrName>ppt_x</p:attrName>
-                                        </p:attrNameLst>
-                                      </p:cBhvr>
-                                      <p:tavLst>
-                                        <p:tav tm="0">
-                                          <p:val>
-                                            <p:strVal val="#ppt_x"/>
-                                          </p:val>
-                                        </p:tav>
-                                        <p:tav tm="100000">
-                                          <p:val>
-                                            <p:strVal val="#ppt_x"/>
-                                          </p:val>
-                                        </p:tav>
-                                      </p:tavLst>
-                                    </p:anim>
-                                    <p:anim calcmode="lin" valueType="num">
-                                      <p:cBhvr>
-                                        <p:cTn id="21" dur="1000" fill="hold"/>
-                                        <p:tgtEl>
-                                          <p:spTgt spid="8"/>
-                                        </p:tgtEl>
-                                        <p:attrNameLst>
-                                          <p:attrName>ppt_y</p:attrName>
-                                        </p:attrNameLst>
-                                      </p:cBhvr>
-                                      <p:tavLst>
-                                        <p:tav tm="0">
-                                          <p:val>
-                                            <p:strVal val="#ppt_y+.1"/>
-                                          </p:val>
-                                        </p:tav>
-                                        <p:tav tm="100000">
-                                          <p:val>
-                                            <p:strVal val="#ppt_y"/>
-                                          </p:val>
-                                        </p:tav>
-                                      </p:tavLst>
-                                    </p:anim>
-                                  </p:childTnLst>
-                                </p:cTn>
-                              </p:par>
-                              <p:par>
-                                <p:cTn id="22" presetID="42" presetClass="entr" presetSubtype="0" fill="hold" nodeType="withEffect">
+                                <p:cTn id="8" presetID="42" presetClass="entr" presetSubtype="0" fill="hold" nodeType="withEffect">
                                   <p:stCondLst>
                                     <p:cond delay="0"/>
                                   </p:stCondLst>
                                   <p:childTnLst>
                                     <p:set>
                                       <p:cBhvr>
-                                        <p:cTn id="23" dur="1" fill="hold">
+                                        <p:cTn id="9" dur="1" fill="hold">
                                           <p:stCondLst>
                                             <p:cond delay="0"/>
                                           </p:stCondLst>
@@ -15919,7 +14209,7 @@
                                     </p:set>
                                     <p:animEffect transition="in" filter="fade">
                                       <p:cBhvr>
-                                        <p:cTn id="24" dur="1000"/>
+                                        <p:cTn id="10" dur="1000"/>
                                         <p:tgtEl>
                                           <p:spTgt spid="2"/>
                                         </p:tgtEl>
@@ -15927,7 +14217,7 @@
                                     </p:animEffect>
                                     <p:anim calcmode="lin" valueType="num">
                                       <p:cBhvr>
-                                        <p:cTn id="25" dur="1000" fill="hold"/>
+                                        <p:cTn id="11" dur="1000" fill="hold"/>
                                         <p:tgtEl>
                                           <p:spTgt spid="2"/>
                                         </p:tgtEl>
@@ -15950,7 +14240,7 @@
                                     </p:anim>
                                     <p:anim calcmode="lin" valueType="num">
                                       <p:cBhvr>
-                                        <p:cTn id="26" dur="1000" fill="hold"/>
+                                        <p:cTn id="12" dur="1000" fill="hold"/>
                                         <p:tgtEl>
                                           <p:spTgt spid="2"/>
                                         </p:tgtEl>
@@ -16003,8 +14293,6 @@
     </p:tnLst>
     <p:bldLst>
       <p:bldP spid="4" grpId="0"/>
-      <p:bldP spid="7" grpId="0"/>
-      <p:bldP spid="8" grpId="0"/>
     </p:bldLst>
   </p:timing>
 </p:sld>
@@ -17515,24 +15803,6 @@
 </file>
 
 <file path=customXml/item1.xml><?xml version="1.0" encoding="utf-8"?>
-<p:properties xmlns:p="http://schemas.microsoft.com/office/2006/metadata/properties" xmlns:xsi="http://www.w3.org/2001/XMLSchema-instance" xmlns:pc="http://schemas.microsoft.com/office/infopath/2007/PartnerControls">
-  <documentManagement>
-    <Status xmlns="71af3243-3dd4-4a8d-8c0d-dd76da1f02a5">Not started</Status>
-    <MediaServiceKeyPoints xmlns="71af3243-3dd4-4a8d-8c0d-dd76da1f02a5" xsi:nil="true"/>
-  </documentManagement>
-</p:properties>
-</file>
-
-<file path=customXml/item2.xml><?xml version="1.0" encoding="utf-8"?>
-<?mso-contentType ?>
-<FormTemplates xmlns="http://schemas.microsoft.com/sharepoint/v3/contenttype/forms">
-  <Display>DocumentLibraryForm</Display>
-  <Edit>DocumentLibraryForm</Edit>
-  <New>DocumentLibraryForm</New>
-</FormTemplates>
-</file>
-
-<file path=customXml/item3.xml><?xml version="1.0" encoding="utf-8"?>
 <ct:contentTypeSchema xmlns:ct="http://schemas.microsoft.com/office/2006/metadata/contentType" xmlns:ma="http://schemas.microsoft.com/office/2006/metadata/properties/metaAttributes" ct:_="" ma:_="" ma:contentTypeName="Document" ma:contentTypeID="0x01010079F111ED35F8CC479449609E8A0923A6" ma:contentTypeVersion="12" ma:contentTypeDescription="Create a new document." ma:contentTypeScope="" ma:versionID="426e97fa315356fffbdcd9876fe988c2">
   <xsd:schema xmlns:xsd="http://www.w3.org/2001/XMLSchema" xmlns:xs="http://www.w3.org/2001/XMLSchema" xmlns:p="http://schemas.microsoft.com/office/2006/metadata/properties" xmlns:ns2="71af3243-3dd4-4a8d-8c0d-dd76da1f02a5" xmlns:ns3="16c05727-aa75-4e4a-9b5f-8a80a1165891" targetNamespace="http://schemas.microsoft.com/office/2006/metadata/properties" ma:root="true" ma:fieldsID="14b8f0def80e6d70ce3def20c90759ae" ns2:_="" ns3:_="">
     <xsd:import namespace="71af3243-3dd4-4a8d-8c0d-dd76da1f02a5"/>
@@ -17753,32 +16023,25 @@
 </ct:contentTypeSchema>
 </file>
 
-<file path=customXml/itemProps1.xml><?xml version="1.0" encoding="utf-8"?>
-<ds:datastoreItem xmlns:ds="http://schemas.openxmlformats.org/officeDocument/2006/customXml" ds:itemID="{4DEA9014-ED64-4558-B1E1-D03F0EE32BEB}">
-  <ds:schemaRefs>
-    <ds:schemaRef ds:uri="http://schemas.microsoft.com/office/infopath/2007/PartnerControls"/>
-    <ds:schemaRef ds:uri="http://purl.org/dc/elements/1.1/"/>
-    <ds:schemaRef ds:uri="http://purl.org/dc/terms/"/>
-    <ds:schemaRef ds:uri="http://www.w3.org/XML/1998/namespace"/>
-    <ds:schemaRef ds:uri="71af3243-3dd4-4a8d-8c0d-dd76da1f02a5"/>
-    <ds:schemaRef ds:uri="http://schemas.microsoft.com/office/2006/metadata/properties"/>
-    <ds:schemaRef ds:uri="http://schemas.microsoft.com/office/2006/documentManagement/types"/>
-    <ds:schemaRef ds:uri="http://purl.org/dc/dcmitype/"/>
-    <ds:schemaRef ds:uri="http://schemas.openxmlformats.org/package/2006/metadata/core-properties"/>
-    <ds:schemaRef ds:uri="16c05727-aa75-4e4a-9b5f-8a80a1165891"/>
-  </ds:schemaRefs>
-</ds:datastoreItem>
+<file path=customXml/item2.xml><?xml version="1.0" encoding="utf-8"?>
+<?mso-contentType ?>
+<FormTemplates xmlns="http://schemas.microsoft.com/sharepoint/v3/contenttype/forms">
+  <Display>DocumentLibraryForm</Display>
+  <Edit>DocumentLibraryForm</Edit>
+  <New>DocumentLibraryForm</New>
+</FormTemplates>
 </file>
 
-<file path=customXml/itemProps2.xml><?xml version="1.0" encoding="utf-8"?>
-<ds:datastoreItem xmlns:ds="http://schemas.openxmlformats.org/officeDocument/2006/customXml" ds:itemID="{05D99ABA-76CE-4A8E-B5F0-C051B96628DE}">
-  <ds:schemaRefs>
-    <ds:schemaRef ds:uri="http://schemas.microsoft.com/sharepoint/v3/contenttype/forms"/>
-  </ds:schemaRefs>
-</ds:datastoreItem>
+<file path=customXml/item3.xml><?xml version="1.0" encoding="utf-8"?>
+<p:properties xmlns:p="http://schemas.microsoft.com/office/2006/metadata/properties" xmlns:xsi="http://www.w3.org/2001/XMLSchema-instance" xmlns:pc="http://schemas.microsoft.com/office/infopath/2007/PartnerControls">
+  <documentManagement>
+    <Status xmlns="71af3243-3dd4-4a8d-8c0d-dd76da1f02a5">Not started</Status>
+    <MediaServiceKeyPoints xmlns="71af3243-3dd4-4a8d-8c0d-dd76da1f02a5" xsi:nil="true"/>
+  </documentManagement>
+</p:properties>
 </file>
 
-<file path=customXml/itemProps3.xml><?xml version="1.0" encoding="utf-8"?>
+<file path=customXml/itemProps1.xml><?xml version="1.0" encoding="utf-8"?>
 <ds:datastoreItem xmlns:ds="http://schemas.openxmlformats.org/officeDocument/2006/customXml" ds:itemID="{B19EB750-A6DA-4BE8-B87B-FC499FE73360}">
   <ds:schemaRefs>
     <ds:schemaRef ds:uri="http://schemas.microsoft.com/office/2006/metadata/contentType"/>
@@ -17795,4 +16058,29 @@
     <ds:schemaRef ds:uri="http://schemas.microsoft.com/internal/obd"/>
   </ds:schemaRefs>
 </ds:datastoreItem>
+</file>
+
+<file path=customXml/itemProps2.xml><?xml version="1.0" encoding="utf-8"?>
+<ds:datastoreItem xmlns:ds="http://schemas.openxmlformats.org/officeDocument/2006/customXml" ds:itemID="{05D99ABA-76CE-4A8E-B5F0-C051B96628DE}">
+  <ds:schemaRefs>
+    <ds:schemaRef ds:uri="http://schemas.microsoft.com/sharepoint/v3/contenttype/forms"/>
+  </ds:schemaRefs>
+</ds:datastoreItem>
+</file>
+
+<file path=customXml/itemProps3.xml><?xml version="1.0" encoding="utf-8"?>
+<ds:datastoreItem xmlns:ds="http://schemas.openxmlformats.org/officeDocument/2006/customXml" ds:itemID="{4DEA9014-ED64-4558-B1E1-D03F0EE32BEB}">
+  <ds:schemaRefs>
+    <ds:schemaRef ds:uri="http://schemas.microsoft.com/office/infopath/2007/PartnerControls"/>
+    <ds:schemaRef ds:uri="http://purl.org/dc/elements/1.1/"/>
+    <ds:schemaRef ds:uri="http://purl.org/dc/terms/"/>
+    <ds:schemaRef ds:uri="http://www.w3.org/XML/1998/namespace"/>
+    <ds:schemaRef ds:uri="71af3243-3dd4-4a8d-8c0d-dd76da1f02a5"/>
+    <ds:schemaRef ds:uri="http://schemas.microsoft.com/office/2006/metadata/properties"/>
+    <ds:schemaRef ds:uri="http://schemas.microsoft.com/office/2006/documentManagement/types"/>
+    <ds:schemaRef ds:uri="http://purl.org/dc/dcmitype/"/>
+    <ds:schemaRef ds:uri="http://schemas.openxmlformats.org/package/2006/metadata/core-properties"/>
+    <ds:schemaRef ds:uri="16c05727-aa75-4e4a-9b5f-8a80a1165891"/>
+  </ds:schemaRefs>
+</ds:datastoreItem>
 </file>
--- a/PPT_PoweBi_FinalProject_TejasDhamane.pptx
+++ b/PPT_PoweBi_FinalProject_TejasDhamane.pptx
@@ -12119,14 +12119,14 @@
             <a:r>
               <a:rPr lang="en-US" dirty="0">
                 <a:solidFill>
-                  <a:srgbClr val="FF0000"/>
+                  <a:srgbClr val="FFC000"/>
                 </a:solidFill>
               </a:rPr>
               <a:t>PROBLEM  STATEMENT</a:t>
             </a:r>
             <a:endParaRPr lang="en-IN" dirty="0">
               <a:solidFill>
-                <a:srgbClr val="FF0000"/>
+                <a:srgbClr val="FFC000"/>
               </a:solidFill>
             </a:endParaRPr>
           </a:p>
@@ -12391,14 +12391,14 @@
             <a:r>
               <a:rPr lang="en-IN" sz="4000" b="1" dirty="0" smtClean="0">
                 <a:solidFill>
-                  <a:srgbClr val="FF0000"/>
+                  <a:srgbClr val="FFC000"/>
                 </a:solidFill>
               </a:rPr>
               <a:t>PROJECT DESCRIPTION </a:t>
             </a:r>
             <a:endParaRPr lang="en-IN" sz="4000" b="1" dirty="0">
               <a:solidFill>
-                <a:srgbClr val="FF0000"/>
+                <a:srgbClr val="FFC000"/>
               </a:solidFill>
             </a:endParaRPr>
           </a:p>
@@ -12498,7 +12498,15 @@
           <a:p>
             <a:r>
               <a:rPr lang="en-GB" sz="2800" dirty="0" smtClean="0"/>
-              <a:t>This Project had generated a comprehensive report that summarize the finding and insights from the analysis. Provides actionable recommendation based on the analysis to help stockholder make informed decision this is the detailed description about this project </a:t>
+              <a:t>This Project had generated a comprehensive report that summarize the finding and insights from the analysis. Provides actionable recommendation based on the analysis to help stockholder make informed decision </a:t>
+            </a:r>
+            <a:r>
+              <a:rPr lang="en-GB" sz="2800" dirty="0" smtClean="0"/>
+              <a:t>.This </a:t>
+            </a:r>
+            <a:r>
+              <a:rPr lang="en-GB" sz="2800" dirty="0" smtClean="0"/>
+              <a:t>is the detailed description about this project </a:t>
             </a:r>
             <a:r>
               <a:rPr lang="en-GB" sz="2800" dirty="0"/>
@@ -12875,14 +12883,14 @@
             <a:r>
               <a:rPr lang="en-US" sz="3200" dirty="0">
                 <a:solidFill>
-                  <a:srgbClr val="FF0000"/>
+                  <a:srgbClr val="FFC000"/>
                 </a:solidFill>
               </a:rPr>
               <a:t>WHO ARE THE END USERS?</a:t>
             </a:r>
             <a:endParaRPr lang="en-IN" sz="2000" dirty="0">
               <a:solidFill>
-                <a:srgbClr val="FF0000"/>
+                <a:srgbClr val="FFC000"/>
               </a:solidFill>
             </a:endParaRPr>
           </a:p>
@@ -13163,14 +13171,30 @@
             <a:r>
               <a:rPr lang="en-US" dirty="0" smtClean="0">
                 <a:solidFill>
+                  <a:srgbClr val="FFC000"/>
+                </a:solidFill>
+              </a:rPr>
+              <a:t>Technology</a:t>
+            </a:r>
+            <a:r>
+              <a:rPr lang="en-US" dirty="0" smtClean="0">
+                <a:solidFill>
                   <a:srgbClr val="FF0000"/>
                 </a:solidFill>
               </a:rPr>
-              <a:t>Technology Used</a:t>
+              <a:t> </a:t>
+            </a:r>
+            <a:r>
+              <a:rPr lang="en-US" dirty="0" smtClean="0">
+                <a:solidFill>
+                  <a:srgbClr val="FFC000"/>
+                </a:solidFill>
+              </a:rPr>
+              <a:t>Used</a:t>
             </a:r>
             <a:endParaRPr lang="en-US" dirty="0">
               <a:solidFill>
-                <a:srgbClr val="FF0000"/>
+                <a:srgbClr val="FFC000"/>
               </a:solidFill>
             </a:endParaRPr>
           </a:p>
@@ -13435,7 +13459,7 @@
         </p:nvSpPr>
         <p:spPr>
           <a:xfrm>
-            <a:off x="675957" y="370589"/>
+            <a:off x="843382" y="235889"/>
             <a:ext cx="2981643" cy="830997"/>
           </a:xfrm>
         </p:spPr>
@@ -13445,13 +13469,21 @@
           </a:bodyPr>
           <a:lstStyle/>
           <a:p>
+            <a:r>
+              <a:rPr lang="en-GB" dirty="0">
+                <a:solidFill>
+                  <a:srgbClr val="FFC000"/>
+                </a:solidFill>
+              </a:rPr>
+              <a:t>RESULTS</a:t>
+            </a:r>
             <a:r>
               <a:rPr lang="en-GB" dirty="0">
                 <a:solidFill>
                   <a:srgbClr val="FF0000"/>
                 </a:solidFill>
               </a:rPr>
-              <a:t>RESULTS </a:t>
+              <a:t> </a:t>
             </a:r>
             <a:endParaRPr lang="en-IN" dirty="0">
               <a:solidFill>

--- a/PPT_PoweBi_FinalProject_TejasDhamane.pptx
+++ b/PPT_PoweBi_FinalProject_TejasDhamane.pptx
@@ -195,7 +195,7 @@
           <p:cNvPr id="2" name="Header Placeholder 1">
             <a:extLst>
               <a:ext uri="{FF2B5EF4-FFF2-40B4-BE49-F238E27FC236}">
-                <a16:creationId xmlns="" xmlns:a16="http://schemas.microsoft.com/office/drawing/2014/main" id="{B76F666D-E0C2-435B-BAA8-9287F9E5D38A}"/>
+                <a16:creationId xmlns:a16="http://schemas.microsoft.com/office/drawing/2014/main" xmlns="" id="{B76F666D-E0C2-435B-BAA8-9287F9E5D38A}"/>
               </a:ext>
             </a:extLst>
           </p:cNvPr>
@@ -232,7 +232,7 @@
           <p:cNvPr id="3" name="Date Placeholder 2">
             <a:extLst>
               <a:ext uri="{FF2B5EF4-FFF2-40B4-BE49-F238E27FC236}">
-                <a16:creationId xmlns="" xmlns:a16="http://schemas.microsoft.com/office/drawing/2014/main" id="{19FEBCAF-CB3F-4928-91AA-D61472F880C0}"/>
+                <a16:creationId xmlns:a16="http://schemas.microsoft.com/office/drawing/2014/main" xmlns="" id="{19FEBCAF-CB3F-4928-91AA-D61472F880C0}"/>
               </a:ext>
             </a:extLst>
           </p:cNvPr>
@@ -273,7 +273,7 @@
           <p:cNvPr id="4" name="Footer Placeholder 3">
             <a:extLst>
               <a:ext uri="{FF2B5EF4-FFF2-40B4-BE49-F238E27FC236}">
-                <a16:creationId xmlns="" xmlns:a16="http://schemas.microsoft.com/office/drawing/2014/main" id="{69256698-63C6-4CCC-81CB-EA5604C30F1E}"/>
+                <a16:creationId xmlns:a16="http://schemas.microsoft.com/office/drawing/2014/main" xmlns="" id="{69256698-63C6-4CCC-81CB-EA5604C30F1E}"/>
               </a:ext>
             </a:extLst>
           </p:cNvPr>
@@ -310,7 +310,7 @@
           <p:cNvPr id="5" name="Slide Number Placeholder 4">
             <a:extLst>
               <a:ext uri="{FF2B5EF4-FFF2-40B4-BE49-F238E27FC236}">
-                <a16:creationId xmlns="" xmlns:a16="http://schemas.microsoft.com/office/drawing/2014/main" id="{B2467FDA-05D7-4760-A373-5D6AEAAF4278}"/>
+                <a16:creationId xmlns:a16="http://schemas.microsoft.com/office/drawing/2014/main" xmlns="" id="{B2467FDA-05D7-4760-A373-5D6AEAAF4278}"/>
               </a:ext>
             </a:extLst>
           </p:cNvPr>
@@ -4000,7 +4000,7 @@
           <p:cNvPr id="11" name="Text Placeholder 10">
             <a:extLst>
               <a:ext uri="{FF2B5EF4-FFF2-40B4-BE49-F238E27FC236}">
-                <a16:creationId xmlns="" xmlns:a16="http://schemas.microsoft.com/office/drawing/2014/main" id="{6FDA3C6F-5F6A-4D64-8BFE-AFFF58B1A047}"/>
+                <a16:creationId xmlns:a16="http://schemas.microsoft.com/office/drawing/2014/main" xmlns="" id="{6FDA3C6F-5F6A-4D64-8BFE-AFFF58B1A047}"/>
               </a:ext>
             </a:extLst>
           </p:cNvPr>
@@ -4058,7 +4058,7 @@
           <p:cNvPr id="15" name="Hexagon 14">
             <a:extLst>
               <a:ext uri="{FF2B5EF4-FFF2-40B4-BE49-F238E27FC236}">
-                <a16:creationId xmlns="" xmlns:a16="http://schemas.microsoft.com/office/drawing/2014/main" id="{AC159667-7690-4645-986D-BE501438455F}"/>
+                <a16:creationId xmlns:a16="http://schemas.microsoft.com/office/drawing/2014/main" xmlns="" id="{AC159667-7690-4645-986D-BE501438455F}"/>
               </a:ext>
             </a:extLst>
           </p:cNvPr>
@@ -4110,7 +4110,7 @@
           <p:cNvPr id="16" name="Hexagon 15">
             <a:extLst>
               <a:ext uri="{FF2B5EF4-FFF2-40B4-BE49-F238E27FC236}">
-                <a16:creationId xmlns="" xmlns:a16="http://schemas.microsoft.com/office/drawing/2014/main" id="{54667EE4-E77F-453B-BF8B-B1EE2AE80715}"/>
+                <a16:creationId xmlns:a16="http://schemas.microsoft.com/office/drawing/2014/main" xmlns="" id="{54667EE4-E77F-453B-BF8B-B1EE2AE80715}"/>
               </a:ext>
             </a:extLst>
           </p:cNvPr>
@@ -4162,7 +4162,7 @@
           <p:cNvPr id="17" name="Hexagon 16">
             <a:extLst>
               <a:ext uri="{FF2B5EF4-FFF2-40B4-BE49-F238E27FC236}">
-                <a16:creationId xmlns="" xmlns:a16="http://schemas.microsoft.com/office/drawing/2014/main" id="{FC050232-A229-425F-BFC8-D50374F2D171}"/>
+                <a16:creationId xmlns:a16="http://schemas.microsoft.com/office/drawing/2014/main" xmlns="" id="{FC050232-A229-425F-BFC8-D50374F2D171}"/>
               </a:ext>
             </a:extLst>
           </p:cNvPr>
@@ -4214,7 +4214,7 @@
           <p:cNvPr id="18" name="Hexagon 17">
             <a:extLst>
               <a:ext uri="{FF2B5EF4-FFF2-40B4-BE49-F238E27FC236}">
-                <a16:creationId xmlns="" xmlns:a16="http://schemas.microsoft.com/office/drawing/2014/main" id="{53E4EBC7-340A-43A5-9E23-4B73A6F700B6}"/>
+                <a16:creationId xmlns:a16="http://schemas.microsoft.com/office/drawing/2014/main" xmlns="" id="{53E4EBC7-340A-43A5-9E23-4B73A6F700B6}"/>
               </a:ext>
             </a:extLst>
           </p:cNvPr>
@@ -4266,7 +4266,7 @@
           <p:cNvPr id="19" name="Picture Placeholder 18">
             <a:extLst>
               <a:ext uri="{FF2B5EF4-FFF2-40B4-BE49-F238E27FC236}">
-                <a16:creationId xmlns="" xmlns:a16="http://schemas.microsoft.com/office/drawing/2014/main" id="{1ED0E31A-F0A3-481D-8D9C-E3C4531FD21D}"/>
+                <a16:creationId xmlns:a16="http://schemas.microsoft.com/office/drawing/2014/main" xmlns="" id="{1ED0E31A-F0A3-481D-8D9C-E3C4531FD21D}"/>
               </a:ext>
             </a:extLst>
           </p:cNvPr>
@@ -4467,7 +4467,7 @@
           <p:cNvPr id="2" name="Title 1">
             <a:extLst>
               <a:ext uri="{FF2B5EF4-FFF2-40B4-BE49-F238E27FC236}">
-                <a16:creationId xmlns="" xmlns:a16="http://schemas.microsoft.com/office/drawing/2014/main" id="{03E68100-C56F-4515-A4FD-3F301797E78F}"/>
+                <a16:creationId xmlns:a16="http://schemas.microsoft.com/office/drawing/2014/main" xmlns="" id="{03E68100-C56F-4515-A4FD-3F301797E78F}"/>
               </a:ext>
             </a:extLst>
           </p:cNvPr>
@@ -4553,7 +4553,7 @@
           <p:cNvPr id="10" name="Text Placeholder 26">
             <a:extLst>
               <a:ext uri="{FF2B5EF4-FFF2-40B4-BE49-F238E27FC236}">
-                <a16:creationId xmlns="" xmlns:a16="http://schemas.microsoft.com/office/drawing/2014/main" id="{4AA38E8C-A334-4183-8ABC-112B8517F487}"/>
+                <a16:creationId xmlns:a16="http://schemas.microsoft.com/office/drawing/2014/main" xmlns="" id="{4AA38E8C-A334-4183-8ABC-112B8517F487}"/>
               </a:ext>
             </a:extLst>
           </p:cNvPr>
@@ -4631,7 +4631,7 @@
           <p:cNvPr id="19" name="Rectangle 18">
             <a:extLst>
               <a:ext uri="{FF2B5EF4-FFF2-40B4-BE49-F238E27FC236}">
-                <a16:creationId xmlns="" xmlns:a16="http://schemas.microsoft.com/office/drawing/2014/main" id="{B80624A4-5116-4AAF-8C31-C25D1DB16FEC}"/>
+                <a16:creationId xmlns:a16="http://schemas.microsoft.com/office/drawing/2014/main" xmlns="" id="{B80624A4-5116-4AAF-8C31-C25D1DB16FEC}"/>
               </a:ext>
             </a:extLst>
           </p:cNvPr>
@@ -4683,7 +4683,7 @@
           <p:cNvPr id="21" name="Rectangle 20">
             <a:extLst>
               <a:ext uri="{FF2B5EF4-FFF2-40B4-BE49-F238E27FC236}">
-                <a16:creationId xmlns="" xmlns:a16="http://schemas.microsoft.com/office/drawing/2014/main" id="{1D07EC8A-6024-4DEA-9C4D-AE4228E17854}"/>
+                <a16:creationId xmlns:a16="http://schemas.microsoft.com/office/drawing/2014/main" xmlns="" id="{1D07EC8A-6024-4DEA-9C4D-AE4228E17854}"/>
               </a:ext>
             </a:extLst>
           </p:cNvPr>
@@ -4735,7 +4735,7 @@
           <p:cNvPr id="23" name="Rectangle 22">
             <a:extLst>
               <a:ext uri="{FF2B5EF4-FFF2-40B4-BE49-F238E27FC236}">
-                <a16:creationId xmlns="" xmlns:a16="http://schemas.microsoft.com/office/drawing/2014/main" id="{D1C8FAEF-DF78-48CC-AEEF-F9B802055C05}"/>
+                <a16:creationId xmlns:a16="http://schemas.microsoft.com/office/drawing/2014/main" xmlns="" id="{D1C8FAEF-DF78-48CC-AEEF-F9B802055C05}"/>
               </a:ext>
             </a:extLst>
           </p:cNvPr>
@@ -4787,7 +4787,7 @@
           <p:cNvPr id="11" name="Picture Placeholder 10">
             <a:extLst>
               <a:ext uri="{FF2B5EF4-FFF2-40B4-BE49-F238E27FC236}">
-                <a16:creationId xmlns="" xmlns:a16="http://schemas.microsoft.com/office/drawing/2014/main" id="{566F72D6-AEEE-4CF3-8136-F6782F1E489E}"/>
+                <a16:creationId xmlns:a16="http://schemas.microsoft.com/office/drawing/2014/main" xmlns="" id="{566F72D6-AEEE-4CF3-8136-F6782F1E489E}"/>
               </a:ext>
             </a:extLst>
           </p:cNvPr>
@@ -4973,7 +4973,7 @@
           <p:cNvPr id="2" name="Title 1">
             <a:extLst>
               <a:ext uri="{FF2B5EF4-FFF2-40B4-BE49-F238E27FC236}">
-                <a16:creationId xmlns="" xmlns:a16="http://schemas.microsoft.com/office/drawing/2014/main" id="{459DADC7-BE21-4434-A6E4-BAF809005389}"/>
+                <a16:creationId xmlns:a16="http://schemas.microsoft.com/office/drawing/2014/main" xmlns="" id="{459DADC7-BE21-4434-A6E4-BAF809005389}"/>
               </a:ext>
             </a:extLst>
           </p:cNvPr>
@@ -5242,7 +5242,7 @@
           <p:cNvPr id="10" name="Oval 9">
             <a:extLst>
               <a:ext uri="{FF2B5EF4-FFF2-40B4-BE49-F238E27FC236}">
-                <a16:creationId xmlns="" xmlns:a16="http://schemas.microsoft.com/office/drawing/2014/main" id="{24FAA9D0-7C9C-4043-9931-A15819ABB9B5}"/>
+                <a16:creationId xmlns:a16="http://schemas.microsoft.com/office/drawing/2014/main" xmlns="" id="{24FAA9D0-7C9C-4043-9931-A15819ABB9B5}"/>
               </a:ext>
             </a:extLst>
           </p:cNvPr>
@@ -5298,7 +5298,7 @@
           <p:cNvPr id="14" name="Oval 13">
             <a:extLst>
               <a:ext uri="{FF2B5EF4-FFF2-40B4-BE49-F238E27FC236}">
-                <a16:creationId xmlns="" xmlns:a16="http://schemas.microsoft.com/office/drawing/2014/main" id="{E232AB2D-843E-4B5F-8793-6A263DA356BB}"/>
+                <a16:creationId xmlns:a16="http://schemas.microsoft.com/office/drawing/2014/main" xmlns="" id="{E232AB2D-843E-4B5F-8793-6A263DA356BB}"/>
               </a:ext>
             </a:extLst>
           </p:cNvPr>
@@ -5354,7 +5354,7 @@
           <p:cNvPr id="16" name="Oval 15">
             <a:extLst>
               <a:ext uri="{FF2B5EF4-FFF2-40B4-BE49-F238E27FC236}">
-                <a16:creationId xmlns="" xmlns:a16="http://schemas.microsoft.com/office/drawing/2014/main" id="{FA75A12B-C399-4072-BD69-D872D2C2AD1F}"/>
+                <a16:creationId xmlns:a16="http://schemas.microsoft.com/office/drawing/2014/main" xmlns="" id="{FA75A12B-C399-4072-BD69-D872D2C2AD1F}"/>
               </a:ext>
             </a:extLst>
           </p:cNvPr>
@@ -5410,7 +5410,7 @@
           <p:cNvPr id="23" name="Picture Placeholder 22">
             <a:extLst>
               <a:ext uri="{FF2B5EF4-FFF2-40B4-BE49-F238E27FC236}">
-                <a16:creationId xmlns="" xmlns:a16="http://schemas.microsoft.com/office/drawing/2014/main" id="{423AE48B-50E9-4BEA-B66A-B2D2B9CCFE9C}"/>
+                <a16:creationId xmlns:a16="http://schemas.microsoft.com/office/drawing/2014/main" xmlns="" id="{423AE48B-50E9-4BEA-B66A-B2D2B9CCFE9C}"/>
               </a:ext>
             </a:extLst>
           </p:cNvPr>
@@ -5562,7 +5562,7 @@
           <p:cNvPr id="27" name="Text Placeholder 26">
             <a:extLst>
               <a:ext uri="{FF2B5EF4-FFF2-40B4-BE49-F238E27FC236}">
-                <a16:creationId xmlns="" xmlns:a16="http://schemas.microsoft.com/office/drawing/2014/main" id="{282D3E62-6D1A-4E9D-BE54-2EED9BF429A4}"/>
+                <a16:creationId xmlns:a16="http://schemas.microsoft.com/office/drawing/2014/main" xmlns="" id="{282D3E62-6D1A-4E9D-BE54-2EED9BF429A4}"/>
               </a:ext>
             </a:extLst>
           </p:cNvPr>
@@ -5643,7 +5643,7 @@
           <p:cNvPr id="8" name="Title 1">
             <a:extLst>
               <a:ext uri="{FF2B5EF4-FFF2-40B4-BE49-F238E27FC236}">
-                <a16:creationId xmlns="" xmlns:a16="http://schemas.microsoft.com/office/drawing/2014/main" id="{DEB8F0E5-B89F-48AD-87BD-534EA9463CD3}"/>
+                <a16:creationId xmlns:a16="http://schemas.microsoft.com/office/drawing/2014/main" xmlns="" id="{DEB8F0E5-B89F-48AD-87BD-534EA9463CD3}"/>
               </a:ext>
             </a:extLst>
           </p:cNvPr>
@@ -5729,7 +5729,7 @@
           <p:cNvPr id="39" name="Picture Placeholder 38">
             <a:extLst>
               <a:ext uri="{FF2B5EF4-FFF2-40B4-BE49-F238E27FC236}">
-                <a16:creationId xmlns="" xmlns:a16="http://schemas.microsoft.com/office/drawing/2014/main" id="{CF421413-161E-4B36-B693-FB38DF14EDAB}"/>
+                <a16:creationId xmlns:a16="http://schemas.microsoft.com/office/drawing/2014/main" xmlns="" id="{CF421413-161E-4B36-B693-FB38DF14EDAB}"/>
               </a:ext>
             </a:extLst>
           </p:cNvPr>
@@ -5832,7 +5832,7 @@
           <p:cNvPr id="38" name="Picture Placeholder 37">
             <a:extLst>
               <a:ext uri="{FF2B5EF4-FFF2-40B4-BE49-F238E27FC236}">
-                <a16:creationId xmlns="" xmlns:a16="http://schemas.microsoft.com/office/drawing/2014/main" id="{B5D207AE-9C9C-410A-9F31-2402BAD6DDFF}"/>
+                <a16:creationId xmlns:a16="http://schemas.microsoft.com/office/drawing/2014/main" xmlns="" id="{B5D207AE-9C9C-410A-9F31-2402BAD6DDFF}"/>
               </a:ext>
             </a:extLst>
           </p:cNvPr>
@@ -5935,7 +5935,7 @@
           <p:cNvPr id="40" name="Picture Placeholder 39">
             <a:extLst>
               <a:ext uri="{FF2B5EF4-FFF2-40B4-BE49-F238E27FC236}">
-                <a16:creationId xmlns="" xmlns:a16="http://schemas.microsoft.com/office/drawing/2014/main" id="{DE3344FC-C4DE-481F-9C31-667EDD563C47}"/>
+                <a16:creationId xmlns:a16="http://schemas.microsoft.com/office/drawing/2014/main" xmlns="" id="{DE3344FC-C4DE-481F-9C31-667EDD563C47}"/>
               </a:ext>
             </a:extLst>
           </p:cNvPr>
@@ -6038,7 +6038,7 @@
           <p:cNvPr id="41" name="Picture Placeholder 40">
             <a:extLst>
               <a:ext uri="{FF2B5EF4-FFF2-40B4-BE49-F238E27FC236}">
-                <a16:creationId xmlns="" xmlns:a16="http://schemas.microsoft.com/office/drawing/2014/main" id="{59094D7D-3613-49C1-BB58-A65B41A9738D}"/>
+                <a16:creationId xmlns:a16="http://schemas.microsoft.com/office/drawing/2014/main" xmlns="" id="{59094D7D-3613-49C1-BB58-A65B41A9738D}"/>
               </a:ext>
             </a:extLst>
           </p:cNvPr>
@@ -6141,7 +6141,7 @@
           <p:cNvPr id="8" name="Title 1">
             <a:extLst>
               <a:ext uri="{FF2B5EF4-FFF2-40B4-BE49-F238E27FC236}">
-                <a16:creationId xmlns="" xmlns:a16="http://schemas.microsoft.com/office/drawing/2014/main" id="{69FE87B7-32A4-4C7F-9AAF-37688E640456}"/>
+                <a16:creationId xmlns:a16="http://schemas.microsoft.com/office/drawing/2014/main" xmlns="" id="{69FE87B7-32A4-4C7F-9AAF-37688E640456}"/>
               </a:ext>
             </a:extLst>
           </p:cNvPr>
@@ -6187,7 +6187,7 @@
           <p:cNvPr id="9" name="Hexagon 8">
             <a:extLst>
               <a:ext uri="{FF2B5EF4-FFF2-40B4-BE49-F238E27FC236}">
-                <a16:creationId xmlns="" xmlns:a16="http://schemas.microsoft.com/office/drawing/2014/main" id="{476CA45F-A66A-4AD8-A004-10DB55A5D7B2}"/>
+                <a16:creationId xmlns:a16="http://schemas.microsoft.com/office/drawing/2014/main" xmlns="" id="{476CA45F-A66A-4AD8-A004-10DB55A5D7B2}"/>
               </a:ext>
             </a:extLst>
           </p:cNvPr>
@@ -6239,7 +6239,7 @@
           <p:cNvPr id="10" name="Hexagon 9">
             <a:extLst>
               <a:ext uri="{FF2B5EF4-FFF2-40B4-BE49-F238E27FC236}">
-                <a16:creationId xmlns="" xmlns:a16="http://schemas.microsoft.com/office/drawing/2014/main" id="{27A66A3D-2437-4015-9F5F-380C4D23D83C}"/>
+                <a16:creationId xmlns:a16="http://schemas.microsoft.com/office/drawing/2014/main" xmlns="" id="{27A66A3D-2437-4015-9F5F-380C4D23D83C}"/>
               </a:ext>
             </a:extLst>
           </p:cNvPr>
@@ -6291,7 +6291,7 @@
           <p:cNvPr id="11" name="Hexagon 10">
             <a:extLst>
               <a:ext uri="{FF2B5EF4-FFF2-40B4-BE49-F238E27FC236}">
-                <a16:creationId xmlns="" xmlns:a16="http://schemas.microsoft.com/office/drawing/2014/main" id="{FFB14F3B-E7EF-4546-8D74-71FFB45C77C0}"/>
+                <a16:creationId xmlns:a16="http://schemas.microsoft.com/office/drawing/2014/main" xmlns="" id="{FFB14F3B-E7EF-4546-8D74-71FFB45C77C0}"/>
               </a:ext>
             </a:extLst>
           </p:cNvPr>
@@ -6343,7 +6343,7 @@
           <p:cNvPr id="23" name="Text Placeholder 22">
             <a:extLst>
               <a:ext uri="{FF2B5EF4-FFF2-40B4-BE49-F238E27FC236}">
-                <a16:creationId xmlns="" xmlns:a16="http://schemas.microsoft.com/office/drawing/2014/main" id="{591F943B-ED0D-49A1-844A-E23BA9A4871B}"/>
+                <a16:creationId xmlns:a16="http://schemas.microsoft.com/office/drawing/2014/main" xmlns="" id="{591F943B-ED0D-49A1-844A-E23BA9A4871B}"/>
               </a:ext>
             </a:extLst>
           </p:cNvPr>
@@ -6392,7 +6392,7 @@
           <p:cNvPr id="24" name="Text Placeholder 22">
             <a:extLst>
               <a:ext uri="{FF2B5EF4-FFF2-40B4-BE49-F238E27FC236}">
-                <a16:creationId xmlns="" xmlns:a16="http://schemas.microsoft.com/office/drawing/2014/main" id="{9AC6B9A8-053C-4828-B705-901C6018F30D}"/>
+                <a16:creationId xmlns:a16="http://schemas.microsoft.com/office/drawing/2014/main" xmlns="" id="{9AC6B9A8-053C-4828-B705-901C6018F30D}"/>
               </a:ext>
             </a:extLst>
           </p:cNvPr>
@@ -6441,7 +6441,7 @@
           <p:cNvPr id="27" name="Text Placeholder 22">
             <a:extLst>
               <a:ext uri="{FF2B5EF4-FFF2-40B4-BE49-F238E27FC236}">
-                <a16:creationId xmlns="" xmlns:a16="http://schemas.microsoft.com/office/drawing/2014/main" id="{BBA6FD52-E179-41F8-AE78-9AF3D65F28B6}"/>
+                <a16:creationId xmlns:a16="http://schemas.microsoft.com/office/drawing/2014/main" xmlns="" id="{BBA6FD52-E179-41F8-AE78-9AF3D65F28B6}"/>
               </a:ext>
             </a:extLst>
           </p:cNvPr>
@@ -6490,7 +6490,7 @@
           <p:cNvPr id="28" name="Text Placeholder 22">
             <a:extLst>
               <a:ext uri="{FF2B5EF4-FFF2-40B4-BE49-F238E27FC236}">
-                <a16:creationId xmlns="" xmlns:a16="http://schemas.microsoft.com/office/drawing/2014/main" id="{C49A82AB-D328-4DB0-841B-186884119EBF}"/>
+                <a16:creationId xmlns:a16="http://schemas.microsoft.com/office/drawing/2014/main" xmlns="" id="{C49A82AB-D328-4DB0-841B-186884119EBF}"/>
               </a:ext>
             </a:extLst>
           </p:cNvPr>
@@ -6539,7 +6539,7 @@
           <p:cNvPr id="29" name="Text Placeholder 22">
             <a:extLst>
               <a:ext uri="{FF2B5EF4-FFF2-40B4-BE49-F238E27FC236}">
-                <a16:creationId xmlns="" xmlns:a16="http://schemas.microsoft.com/office/drawing/2014/main" id="{84E23D5D-9866-48F9-8E08-DD2DBE4C4E32}"/>
+                <a16:creationId xmlns:a16="http://schemas.microsoft.com/office/drawing/2014/main" xmlns="" id="{84E23D5D-9866-48F9-8E08-DD2DBE4C4E32}"/>
               </a:ext>
             </a:extLst>
           </p:cNvPr>
@@ -6588,7 +6588,7 @@
           <p:cNvPr id="30" name="Text Placeholder 22">
             <a:extLst>
               <a:ext uri="{FF2B5EF4-FFF2-40B4-BE49-F238E27FC236}">
-                <a16:creationId xmlns="" xmlns:a16="http://schemas.microsoft.com/office/drawing/2014/main" id="{E671C9E6-A1A5-4EE5-8642-94AA7635DB05}"/>
+                <a16:creationId xmlns:a16="http://schemas.microsoft.com/office/drawing/2014/main" xmlns="" id="{E671C9E6-A1A5-4EE5-8642-94AA7635DB05}"/>
               </a:ext>
             </a:extLst>
           </p:cNvPr>
@@ -6637,7 +6637,7 @@
           <p:cNvPr id="31" name="Text Placeholder 22">
             <a:extLst>
               <a:ext uri="{FF2B5EF4-FFF2-40B4-BE49-F238E27FC236}">
-                <a16:creationId xmlns="" xmlns:a16="http://schemas.microsoft.com/office/drawing/2014/main" id="{DF6BB5C9-B678-435A-830F-4C10EB1A957C}"/>
+                <a16:creationId xmlns:a16="http://schemas.microsoft.com/office/drawing/2014/main" xmlns="" id="{DF6BB5C9-B678-435A-830F-4C10EB1A957C}"/>
               </a:ext>
             </a:extLst>
           </p:cNvPr>
@@ -6686,7 +6686,7 @@
           <p:cNvPr id="32" name="Text Placeholder 22">
             <a:extLst>
               <a:ext uri="{FF2B5EF4-FFF2-40B4-BE49-F238E27FC236}">
-                <a16:creationId xmlns="" xmlns:a16="http://schemas.microsoft.com/office/drawing/2014/main" id="{1861EC87-A9E2-4FC3-B8BC-06C520B8A17F}"/>
+                <a16:creationId xmlns:a16="http://schemas.microsoft.com/office/drawing/2014/main" xmlns="" id="{1861EC87-A9E2-4FC3-B8BC-06C520B8A17F}"/>
               </a:ext>
             </a:extLst>
           </p:cNvPr>
@@ -6735,7 +6735,7 @@
           <p:cNvPr id="33" name="Text Placeholder 22">
             <a:extLst>
               <a:ext uri="{FF2B5EF4-FFF2-40B4-BE49-F238E27FC236}">
-                <a16:creationId xmlns="" xmlns:a16="http://schemas.microsoft.com/office/drawing/2014/main" id="{FC3EDE91-631F-4947-94DC-557685FD23E0}"/>
+                <a16:creationId xmlns:a16="http://schemas.microsoft.com/office/drawing/2014/main" xmlns="" id="{FC3EDE91-631F-4947-94DC-557685FD23E0}"/>
               </a:ext>
             </a:extLst>
           </p:cNvPr>
@@ -6784,7 +6784,7 @@
           <p:cNvPr id="34" name="Text Placeholder 22">
             <a:extLst>
               <a:ext uri="{FF2B5EF4-FFF2-40B4-BE49-F238E27FC236}">
-                <a16:creationId xmlns="" xmlns:a16="http://schemas.microsoft.com/office/drawing/2014/main" id="{8FDDBEF4-1329-49DF-B043-D51B34F5EE34}"/>
+                <a16:creationId xmlns:a16="http://schemas.microsoft.com/office/drawing/2014/main" xmlns="" id="{8FDDBEF4-1329-49DF-B043-D51B34F5EE34}"/>
               </a:ext>
             </a:extLst>
           </p:cNvPr>
@@ -6833,7 +6833,7 @@
           <p:cNvPr id="37" name="Picture Placeholder 36">
             <a:extLst>
               <a:ext uri="{FF2B5EF4-FFF2-40B4-BE49-F238E27FC236}">
-                <a16:creationId xmlns="" xmlns:a16="http://schemas.microsoft.com/office/drawing/2014/main" id="{FBDB3FD3-4F52-4E28-B639-5F73070E47D9}"/>
+                <a16:creationId xmlns:a16="http://schemas.microsoft.com/office/drawing/2014/main" xmlns="" id="{FBDB3FD3-4F52-4E28-B639-5F73070E47D9}"/>
               </a:ext>
             </a:extLst>
           </p:cNvPr>
@@ -6982,7 +6982,7 @@
           <p:cNvPr id="22" name="Picture Placeholder 21">
             <a:extLst>
               <a:ext uri="{FF2B5EF4-FFF2-40B4-BE49-F238E27FC236}">
-                <a16:creationId xmlns="" xmlns:a16="http://schemas.microsoft.com/office/drawing/2014/main" id="{DFA57703-9E4A-48E0-A123-3A5EDC76475C}"/>
+                <a16:creationId xmlns:a16="http://schemas.microsoft.com/office/drawing/2014/main" xmlns="" id="{DFA57703-9E4A-48E0-A123-3A5EDC76475C}"/>
               </a:ext>
             </a:extLst>
           </p:cNvPr>
@@ -7019,7 +7019,7 @@
           <p:cNvPr id="2" name="Rectangle 1" descr="Tall office building looking up">
             <a:extLst>
               <a:ext uri="{FF2B5EF4-FFF2-40B4-BE49-F238E27FC236}">
-                <a16:creationId xmlns="" xmlns:a16="http://schemas.microsoft.com/office/drawing/2014/main" id="{AF7FA146-2A75-4EA7-A9AD-EBCE6F17FB42}"/>
+                <a16:creationId xmlns:a16="http://schemas.microsoft.com/office/drawing/2014/main" xmlns="" id="{AF7FA146-2A75-4EA7-A9AD-EBCE6F17FB42}"/>
               </a:ext>
             </a:extLst>
           </p:cNvPr>
@@ -7075,7 +7075,7 @@
           <p:cNvPr id="24" name="Text Placeholder 23">
             <a:extLst>
               <a:ext uri="{FF2B5EF4-FFF2-40B4-BE49-F238E27FC236}">
-                <a16:creationId xmlns="" xmlns:a16="http://schemas.microsoft.com/office/drawing/2014/main" id="{340C15AA-E296-48AE-857F-0589EEA69DC6}"/>
+                <a16:creationId xmlns:a16="http://schemas.microsoft.com/office/drawing/2014/main" xmlns="" id="{340C15AA-E296-48AE-857F-0589EEA69DC6}"/>
               </a:ext>
             </a:extLst>
           </p:cNvPr>
@@ -7128,7 +7128,7 @@
           <p:cNvPr id="6" name="Title 1">
             <a:extLst>
               <a:ext uri="{FF2B5EF4-FFF2-40B4-BE49-F238E27FC236}">
-                <a16:creationId xmlns="" xmlns:a16="http://schemas.microsoft.com/office/drawing/2014/main" id="{162BE5D7-9E35-49F8-A8E4-2093183A6404}"/>
+                <a16:creationId xmlns:a16="http://schemas.microsoft.com/office/drawing/2014/main" xmlns="" id="{162BE5D7-9E35-49F8-A8E4-2093183A6404}"/>
               </a:ext>
             </a:extLst>
           </p:cNvPr>
@@ -9411,7 +9411,7 @@
           <p:cNvPr id="13" name="Date Placeholder 3">
             <a:extLst>
               <a:ext uri="{FF2B5EF4-FFF2-40B4-BE49-F238E27FC236}">
-                <a16:creationId xmlns="" xmlns:a16="http://schemas.microsoft.com/office/drawing/2014/main" id="{2CD6B789-4B66-4BD0-9623-80E9542A65FE}"/>
+                <a16:creationId xmlns:a16="http://schemas.microsoft.com/office/drawing/2014/main" xmlns="" id="{2CD6B789-4B66-4BD0-9623-80E9542A65FE}"/>
               </a:ext>
             </a:extLst>
           </p:cNvPr>
@@ -9549,7 +9549,7 @@
           <p:cNvPr id="15" name="Footer Placeholder 4">
             <a:extLst>
               <a:ext uri="{FF2B5EF4-FFF2-40B4-BE49-F238E27FC236}">
-                <a16:creationId xmlns="" xmlns:a16="http://schemas.microsoft.com/office/drawing/2014/main" id="{A3BB5234-44A4-4506-BD19-5808475EBB7F}"/>
+                <a16:creationId xmlns:a16="http://schemas.microsoft.com/office/drawing/2014/main" xmlns="" id="{A3BB5234-44A4-4506-BD19-5808475EBB7F}"/>
               </a:ext>
             </a:extLst>
           </p:cNvPr>
@@ -9682,7 +9682,7 @@
           <p:cNvPr id="17" name="Slide Number Placeholder 5">
             <a:extLst>
               <a:ext uri="{FF2B5EF4-FFF2-40B4-BE49-F238E27FC236}">
-                <a16:creationId xmlns="" xmlns:a16="http://schemas.microsoft.com/office/drawing/2014/main" id="{68D89618-7EE9-46BF-BEAC-45E6F98ACA1A}"/>
+                <a16:creationId xmlns:a16="http://schemas.microsoft.com/office/drawing/2014/main" xmlns="" id="{68D89618-7EE9-46BF-BEAC-45E6F98ACA1A}"/>
               </a:ext>
             </a:extLst>
           </p:cNvPr>
@@ -10275,7 +10275,7 @@
           <p:cNvPr id="2" name="Text Placeholder 1">
             <a:extLst>
               <a:ext uri="{FF2B5EF4-FFF2-40B4-BE49-F238E27FC236}">
-                <a16:creationId xmlns="" xmlns:a16="http://schemas.microsoft.com/office/drawing/2014/main" id="{7201737A-B873-4D1D-8A41-5ABF5184BC8F}"/>
+                <a16:creationId xmlns:a16="http://schemas.microsoft.com/office/drawing/2014/main" xmlns="" id="{7201737A-B873-4D1D-8A41-5ABF5184BC8F}"/>
               </a:ext>
             </a:extLst>
           </p:cNvPr>
@@ -10289,12 +10289,12 @@
         <p:spPr>
           <a:xfrm>
             <a:off x="6106809" y="4207865"/>
-            <a:ext cx="3400089" cy="861497"/>
+            <a:ext cx="5059174" cy="861497"/>
           </a:xfrm>
         </p:spPr>
         <p:txBody>
           <a:bodyPr>
-            <a:normAutofit fontScale="85000" lnSpcReduction="20000"/>
+            <a:normAutofit fontScale="92500"/>
           </a:bodyPr>
           <a:lstStyle/>
           <a:p>
@@ -10360,7 +10360,7 @@
           <p:cNvPr id="4" name="Title 3">
             <a:extLst>
               <a:ext uri="{FF2B5EF4-FFF2-40B4-BE49-F238E27FC236}">
-                <a16:creationId xmlns="" xmlns:a16="http://schemas.microsoft.com/office/drawing/2014/main" id="{92056599-CDAA-4367-BEF8-31D6E32518C8}"/>
+                <a16:creationId xmlns:a16="http://schemas.microsoft.com/office/drawing/2014/main" xmlns="" id="{92056599-CDAA-4367-BEF8-31D6E32518C8}"/>
               </a:ext>
             </a:extLst>
           </p:cNvPr>
@@ -10404,7 +10404,7 @@
           <p:cNvPr id="15" name="Text Placeholder 1">
             <a:extLst>
               <a:ext uri="{FF2B5EF4-FFF2-40B4-BE49-F238E27FC236}">
-                <a16:creationId xmlns="" xmlns:a16="http://schemas.microsoft.com/office/drawing/2014/main" id="{824B8A32-9AB3-457E-82E1-C85D3203CE35}"/>
+                <a16:creationId xmlns:a16="http://schemas.microsoft.com/office/drawing/2014/main" xmlns="" id="{824B8A32-9AB3-457E-82E1-C85D3203CE35}"/>
               </a:ext>
             </a:extLst>
           </p:cNvPr>
@@ -10652,6 +10652,53 @@
           </a:lstStyle>
           <a:p>
             <a:endParaRPr lang="en-GB" sz="2400" dirty="0"/>
+          </a:p>
+        </p:txBody>
+      </p:sp>
+      <p:sp>
+        <p:nvSpPr>
+          <p:cNvPr id="3" name="Rectangle 2">
+            <a:hlinkClick r:id="rId2"/>
+          </p:cNvPr>
+          <p:cNvSpPr/>
+          <p:nvPr/>
+        </p:nvSpPr>
+        <p:spPr>
+          <a:xfrm>
+            <a:off x="9942571" y="5069362"/>
+            <a:ext cx="1223412" cy="369332"/>
+          </a:xfrm>
+          <a:prstGeom prst="rect">
+            <a:avLst/>
+          </a:prstGeom>
+        </p:spPr>
+        <p:txBody>
+          <a:bodyPr wrap="none">
+            <a:spAutoFit/>
+          </a:bodyPr>
+          <a:lstStyle/>
+          <a:p>
+            <a:r>
+              <a:rPr lang="en-US" dirty="0" err="1">
+                <a:solidFill>
+                  <a:srgbClr val="1155CC"/>
+                </a:solidFill>
+                <a:latin typeface="Arial" panose="020B0604020202020204" pitchFamily="34" charset="0"/>
+                <a:hlinkClick r:id="rId2"/>
+              </a:rPr>
+              <a:t>github</a:t>
+            </a:r>
+            <a:r>
+              <a:rPr lang="en-US" dirty="0">
+                <a:solidFill>
+                  <a:srgbClr val="1155CC"/>
+                </a:solidFill>
+                <a:latin typeface="Arial" panose="020B0604020202020204" pitchFamily="34" charset="0"/>
+                <a:hlinkClick r:id="rId2"/>
+              </a:rPr>
+              <a:t> link</a:t>
+            </a:r>
+            <a:endParaRPr lang="en-US" dirty="0"/>
           </a:p>
         </p:txBody>
       </p:sp>
@@ -11742,7 +11789,7 @@
           <p:cNvPr id="3" name="Title 1">
             <a:extLst>
               <a:ext uri="{FF2B5EF4-FFF2-40B4-BE49-F238E27FC236}">
-                <a16:creationId xmlns="" xmlns:a16="http://schemas.microsoft.com/office/drawing/2014/main" id="{D88C20CF-C1EE-4092-B52D-FD4AB2AB2508}"/>
+                <a16:creationId xmlns:a16="http://schemas.microsoft.com/office/drawing/2014/main" xmlns="" id="{D88C20CF-C1EE-4092-B52D-FD4AB2AB2508}"/>
               </a:ext>
             </a:extLst>
           </p:cNvPr>
@@ -12036,7 +12083,7 @@
           <p:cNvPr id="2" name="Text Placeholder 1">
             <a:extLst>
               <a:ext uri="{FF2B5EF4-FFF2-40B4-BE49-F238E27FC236}">
-                <a16:creationId xmlns="" xmlns:a16="http://schemas.microsoft.com/office/drawing/2014/main" id="{E46E4DD1-270B-4C80-AFF0-EB26F132AF36}"/>
+                <a16:creationId xmlns:a16="http://schemas.microsoft.com/office/drawing/2014/main" xmlns="" id="{E46E4DD1-270B-4C80-AFF0-EB26F132AF36}"/>
               </a:ext>
             </a:extLst>
           </p:cNvPr>
@@ -12093,7 +12140,7 @@
           <p:cNvPr id="4" name="Title 3">
             <a:extLst>
               <a:ext uri="{FF2B5EF4-FFF2-40B4-BE49-F238E27FC236}">
-                <a16:creationId xmlns="" xmlns:a16="http://schemas.microsoft.com/office/drawing/2014/main" id="{777CC02B-F7C6-47A8-8C3E-C57C417D9EA3}"/>
+                <a16:creationId xmlns:a16="http://schemas.microsoft.com/office/drawing/2014/main" xmlns="" id="{777CC02B-F7C6-47A8-8C3E-C57C417D9EA3}"/>
               </a:ext>
             </a:extLst>
           </p:cNvPr>
@@ -12137,7 +12184,7 @@
           <p:cNvPr id="5" name="Picture 4">
             <a:extLst>
               <a:ext uri="{FF2B5EF4-FFF2-40B4-BE49-F238E27FC236}">
-                <a16:creationId xmlns="" xmlns:a16="http://schemas.microsoft.com/office/drawing/2014/main" id="{C8FE02DE-D7B2-433D-BFE4-2F564022AD89}"/>
+                <a16:creationId xmlns:a16="http://schemas.microsoft.com/office/drawing/2014/main" xmlns="" id="{C8FE02DE-D7B2-433D-BFE4-2F564022AD89}"/>
               </a:ext>
             </a:extLst>
           </p:cNvPr>
@@ -12365,7 +12412,7 @@
           <p:cNvPr id="3" name="Title 2">
             <a:extLst>
               <a:ext uri="{FF2B5EF4-FFF2-40B4-BE49-F238E27FC236}">
-                <a16:creationId xmlns="" xmlns:a16="http://schemas.microsoft.com/office/drawing/2014/main" id="{EBF2FBC7-3552-4F01-BB27-8BEEE74F7277}"/>
+                <a16:creationId xmlns:a16="http://schemas.microsoft.com/office/drawing/2014/main" xmlns="" id="{EBF2FBC7-3552-4F01-BB27-8BEEE74F7277}"/>
               </a:ext>
             </a:extLst>
           </p:cNvPr>
@@ -12498,15 +12545,7 @@
           <a:p>
             <a:r>
               <a:rPr lang="en-GB" sz="2800" dirty="0" smtClean="0"/>
-              <a:t>This Project had generated a comprehensive report that summarize the finding and insights from the analysis. Provides actionable recommendation based on the analysis to help stockholder make informed decision </a:t>
-            </a:r>
-            <a:r>
-              <a:rPr lang="en-GB" sz="2800" dirty="0" smtClean="0"/>
-              <a:t>.This </a:t>
-            </a:r>
-            <a:r>
-              <a:rPr lang="en-GB" sz="2800" dirty="0" smtClean="0"/>
-              <a:t>is the detailed description about this project </a:t>
+              <a:t>This Project had generated a comprehensive report that summarize the finding and insights from the analysis. Provides actionable recommendation based on the analysis to help stockholder make informed decision .This is the detailed description about this project </a:t>
             </a:r>
             <a:r>
               <a:rPr lang="en-GB" sz="2800" dirty="0"/>
@@ -12816,7 +12855,7 @@
           <p:cNvPr id="2" name="Text Placeholder 1">
             <a:extLst>
               <a:ext uri="{FF2B5EF4-FFF2-40B4-BE49-F238E27FC236}">
-                <a16:creationId xmlns="" xmlns:a16="http://schemas.microsoft.com/office/drawing/2014/main" id="{664E3B60-2780-459A-8583-F095D5E7463A}"/>
+                <a16:creationId xmlns:a16="http://schemas.microsoft.com/office/drawing/2014/main" xmlns="" id="{664E3B60-2780-459A-8583-F095D5E7463A}"/>
               </a:ext>
             </a:extLst>
           </p:cNvPr>
@@ -12857,7 +12896,7 @@
           <p:cNvPr id="4" name="Title 3">
             <a:extLst>
               <a:ext uri="{FF2B5EF4-FFF2-40B4-BE49-F238E27FC236}">
-                <a16:creationId xmlns="" xmlns:a16="http://schemas.microsoft.com/office/drawing/2014/main" id="{1A4A072B-83C6-4607-AE6A-5AD61CC72C44}"/>
+                <a16:creationId xmlns:a16="http://schemas.microsoft.com/office/drawing/2014/main" xmlns="" id="{1A4A072B-83C6-4607-AE6A-5AD61CC72C44}"/>
               </a:ext>
             </a:extLst>
           </p:cNvPr>
@@ -13064,7 +13103,7 @@
           <p:cNvPr id="2" name="Picture 1">
             <a:extLst>
               <a:ext uri="{FF2B5EF4-FFF2-40B4-BE49-F238E27FC236}">
-                <a16:creationId xmlns="" xmlns:a16="http://schemas.microsoft.com/office/drawing/2014/main" id="{F1FC3E39-8C60-4F64-9838-2A683F25B8C4}"/>
+                <a16:creationId xmlns:a16="http://schemas.microsoft.com/office/drawing/2014/main" xmlns="" id="{F1FC3E39-8C60-4F64-9838-2A683F25B8C4}"/>
               </a:ext>
             </a:extLst>
           </p:cNvPr>
@@ -13094,7 +13133,7 @@
           <p:cNvPr id="7" name="Text Placeholder 6">
             <a:extLst>
               <a:ext uri="{FF2B5EF4-FFF2-40B4-BE49-F238E27FC236}">
-                <a16:creationId xmlns="" xmlns:a16="http://schemas.microsoft.com/office/drawing/2014/main" id="{B21C28F5-3CA3-4B78-B5C9-550C00BB3174}"/>
+                <a16:creationId xmlns:a16="http://schemas.microsoft.com/office/drawing/2014/main" xmlns="" id="{B21C28F5-3CA3-4B78-B5C9-550C00BB3174}"/>
               </a:ext>
             </a:extLst>
           </p:cNvPr>
@@ -13145,7 +13184,7 @@
           <p:cNvPr id="9" name="Title 8">
             <a:extLst>
               <a:ext uri="{FF2B5EF4-FFF2-40B4-BE49-F238E27FC236}">
-                <a16:creationId xmlns="" xmlns:a16="http://schemas.microsoft.com/office/drawing/2014/main" id="{FEF304F5-32C5-4869-B185-859B567855A8}"/>
+                <a16:creationId xmlns:a16="http://schemas.microsoft.com/office/drawing/2014/main" xmlns="" id="{FEF304F5-32C5-4869-B185-859B567855A8}"/>
               </a:ext>
             </a:extLst>
           </p:cNvPr>
@@ -13446,7 +13485,7 @@
           <p:cNvPr id="4" name="Title 3">
             <a:extLst>
               <a:ext uri="{FF2B5EF4-FFF2-40B4-BE49-F238E27FC236}">
-                <a16:creationId xmlns="" xmlns:a16="http://schemas.microsoft.com/office/drawing/2014/main" id="{AFE3A2AF-177E-45E6-A191-0F8523DB7FFA}"/>
+                <a16:creationId xmlns:a16="http://schemas.microsoft.com/office/drawing/2014/main" xmlns="" id="{AFE3A2AF-177E-45E6-A191-0F8523DB7FFA}"/>
               </a:ext>
             </a:extLst>
           </p:cNvPr>
@@ -13498,7 +13537,7 @@
           <p:cNvPr id="7" name="Text Placeholder 30">
             <a:extLst>
               <a:ext uri="{FF2B5EF4-FFF2-40B4-BE49-F238E27FC236}">
-                <a16:creationId xmlns="" xmlns:a16="http://schemas.microsoft.com/office/drawing/2014/main" id="{372426BE-BEE7-4A6D-BCD2-059615BBCE25}"/>
+                <a16:creationId xmlns:a16="http://schemas.microsoft.com/office/drawing/2014/main" xmlns="" id="{372426BE-BEE7-4A6D-BCD2-059615BBCE25}"/>
               </a:ext>
             </a:extLst>
           </p:cNvPr>
@@ -13754,7 +13793,7 @@
           <p:cNvPr id="8" name="Text Placeholder 30">
             <a:extLst>
               <a:ext uri="{FF2B5EF4-FFF2-40B4-BE49-F238E27FC236}">
-                <a16:creationId xmlns="" xmlns:a16="http://schemas.microsoft.com/office/drawing/2014/main" id="{E61E227A-5883-4C77-B25A-46A22FFDF41F}"/>
+                <a16:creationId xmlns:a16="http://schemas.microsoft.com/office/drawing/2014/main" xmlns="" id="{E61E227A-5883-4C77-B25A-46A22FFDF41F}"/>
               </a:ext>
             </a:extLst>
           </p:cNvPr>
@@ -14010,7 +14049,7 @@
           <p:cNvPr id="9" name="Title 3">
             <a:extLst>
               <a:ext uri="{FF2B5EF4-FFF2-40B4-BE49-F238E27FC236}">
-                <a16:creationId xmlns="" xmlns:a16="http://schemas.microsoft.com/office/drawing/2014/main" id="{E25373E9-1A26-4A40-9897-E42DE485D8E3}"/>
+                <a16:creationId xmlns:a16="http://schemas.microsoft.com/office/drawing/2014/main" xmlns="" id="{E25373E9-1A26-4A40-9897-E42DE485D8E3}"/>
               </a:ext>
             </a:extLst>
           </p:cNvPr>
@@ -15835,6 +15874,24 @@
 </file>
 
 <file path=customXml/item1.xml><?xml version="1.0" encoding="utf-8"?>
+<p:properties xmlns:p="http://schemas.microsoft.com/office/2006/metadata/properties" xmlns:xsi="http://www.w3.org/2001/XMLSchema-instance" xmlns:pc="http://schemas.microsoft.com/office/infopath/2007/PartnerControls">
+  <documentManagement>
+    <Status xmlns="71af3243-3dd4-4a8d-8c0d-dd76da1f02a5">Not started</Status>
+    <MediaServiceKeyPoints xmlns="71af3243-3dd4-4a8d-8c0d-dd76da1f02a5" xsi:nil="true"/>
+  </documentManagement>
+</p:properties>
+</file>
+
+<file path=customXml/item2.xml><?xml version="1.0" encoding="utf-8"?>
+<?mso-contentType ?>
+<FormTemplates xmlns="http://schemas.microsoft.com/sharepoint/v3/contenttype/forms">
+  <Display>DocumentLibraryForm</Display>
+  <Edit>DocumentLibraryForm</Edit>
+  <New>DocumentLibraryForm</New>
+</FormTemplates>
+</file>
+
+<file path=customXml/item3.xml><?xml version="1.0" encoding="utf-8"?>
 <ct:contentTypeSchema xmlns:ct="http://schemas.microsoft.com/office/2006/metadata/contentType" xmlns:ma="http://schemas.microsoft.com/office/2006/metadata/properties/metaAttributes" ct:_="" ma:_="" ma:contentTypeName="Document" ma:contentTypeID="0x01010079F111ED35F8CC479449609E8A0923A6" ma:contentTypeVersion="12" ma:contentTypeDescription="Create a new document." ma:contentTypeScope="" ma:versionID="426e97fa315356fffbdcd9876fe988c2">
   <xsd:schema xmlns:xsd="http://www.w3.org/2001/XMLSchema" xmlns:xs="http://www.w3.org/2001/XMLSchema" xmlns:p="http://schemas.microsoft.com/office/2006/metadata/properties" xmlns:ns2="71af3243-3dd4-4a8d-8c0d-dd76da1f02a5" xmlns:ns3="16c05727-aa75-4e4a-9b5f-8a80a1165891" targetNamespace="http://schemas.microsoft.com/office/2006/metadata/properties" ma:root="true" ma:fieldsID="14b8f0def80e6d70ce3def20c90759ae" ns2:_="" ns3:_="">
     <xsd:import namespace="71af3243-3dd4-4a8d-8c0d-dd76da1f02a5"/>
@@ -16055,25 +16112,32 @@
 </ct:contentTypeSchema>
 </file>
 
-<file path=customXml/item2.xml><?xml version="1.0" encoding="utf-8"?>
-<?mso-contentType ?>
-<FormTemplates xmlns="http://schemas.microsoft.com/sharepoint/v3/contenttype/forms">
-  <Display>DocumentLibraryForm</Display>
-  <Edit>DocumentLibraryForm</Edit>
-  <New>DocumentLibraryForm</New>
-</FormTemplates>
+<file path=customXml/itemProps1.xml><?xml version="1.0" encoding="utf-8"?>
+<ds:datastoreItem xmlns:ds="http://schemas.openxmlformats.org/officeDocument/2006/customXml" ds:itemID="{4DEA9014-ED64-4558-B1E1-D03F0EE32BEB}">
+  <ds:schemaRefs>
+    <ds:schemaRef ds:uri="http://schemas.microsoft.com/office/infopath/2007/PartnerControls"/>
+    <ds:schemaRef ds:uri="http://purl.org/dc/elements/1.1/"/>
+    <ds:schemaRef ds:uri="http://purl.org/dc/terms/"/>
+    <ds:schemaRef ds:uri="http://www.w3.org/XML/1998/namespace"/>
+    <ds:schemaRef ds:uri="71af3243-3dd4-4a8d-8c0d-dd76da1f02a5"/>
+    <ds:schemaRef ds:uri="http://schemas.microsoft.com/office/2006/metadata/properties"/>
+    <ds:schemaRef ds:uri="http://schemas.microsoft.com/office/2006/documentManagement/types"/>
+    <ds:schemaRef ds:uri="http://purl.org/dc/dcmitype/"/>
+    <ds:schemaRef ds:uri="http://schemas.openxmlformats.org/package/2006/metadata/core-properties"/>
+    <ds:schemaRef ds:uri="16c05727-aa75-4e4a-9b5f-8a80a1165891"/>
+  </ds:schemaRefs>
+</ds:datastoreItem>
 </file>
 
-<file path=customXml/item3.xml><?xml version="1.0" encoding="utf-8"?>
-<p:properties xmlns:p="http://schemas.microsoft.com/office/2006/metadata/properties" xmlns:xsi="http://www.w3.org/2001/XMLSchema-instance" xmlns:pc="http://schemas.microsoft.com/office/infopath/2007/PartnerControls">
-  <documentManagement>
-    <Status xmlns="71af3243-3dd4-4a8d-8c0d-dd76da1f02a5">Not started</Status>
-    <MediaServiceKeyPoints xmlns="71af3243-3dd4-4a8d-8c0d-dd76da1f02a5" xsi:nil="true"/>
-  </documentManagement>
-</p:properties>
+<file path=customXml/itemProps2.xml><?xml version="1.0" encoding="utf-8"?>
+<ds:datastoreItem xmlns:ds="http://schemas.openxmlformats.org/officeDocument/2006/customXml" ds:itemID="{05D99ABA-76CE-4A8E-B5F0-C051B96628DE}">
+  <ds:schemaRefs>
+    <ds:schemaRef ds:uri="http://schemas.microsoft.com/sharepoint/v3/contenttype/forms"/>
+  </ds:schemaRefs>
+</ds:datastoreItem>
 </file>
 
-<file path=customXml/itemProps1.xml><?xml version="1.0" encoding="utf-8"?>
+<file path=customXml/itemProps3.xml><?xml version="1.0" encoding="utf-8"?>
 <ds:datastoreItem xmlns:ds="http://schemas.openxmlformats.org/officeDocument/2006/customXml" ds:itemID="{B19EB750-A6DA-4BE8-B87B-FC499FE73360}">
   <ds:schemaRefs>
     <ds:schemaRef ds:uri="http://schemas.microsoft.com/office/2006/metadata/contentType"/>
@@ -16090,29 +16154,4 @@
     <ds:schemaRef ds:uri="http://schemas.microsoft.com/internal/obd"/>
   </ds:schemaRefs>
 </ds:datastoreItem>
-</file>
-
-<file path=customXml/itemProps2.xml><?xml version="1.0" encoding="utf-8"?>
-<ds:datastoreItem xmlns:ds="http://schemas.openxmlformats.org/officeDocument/2006/customXml" ds:itemID="{05D99ABA-76CE-4A8E-B5F0-C051B96628DE}">
-  <ds:schemaRefs>
-    <ds:schemaRef ds:uri="http://schemas.microsoft.com/sharepoint/v3/contenttype/forms"/>
-  </ds:schemaRefs>
-</ds:datastoreItem>
-</file>
-
-<file path=customXml/itemProps3.xml><?xml version="1.0" encoding="utf-8"?>
-<ds:datastoreItem xmlns:ds="http://schemas.openxmlformats.org/officeDocument/2006/customXml" ds:itemID="{4DEA9014-ED64-4558-B1E1-D03F0EE32BEB}">
-  <ds:schemaRefs>
-    <ds:schemaRef ds:uri="http://schemas.microsoft.com/office/infopath/2007/PartnerControls"/>
-    <ds:schemaRef ds:uri="http://purl.org/dc/elements/1.1/"/>
-    <ds:schemaRef ds:uri="http://purl.org/dc/terms/"/>
-    <ds:schemaRef ds:uri="http://www.w3.org/XML/1998/namespace"/>
-    <ds:schemaRef ds:uri="71af3243-3dd4-4a8d-8c0d-dd76da1f02a5"/>
-    <ds:schemaRef ds:uri="http://schemas.microsoft.com/office/2006/metadata/properties"/>
-    <ds:schemaRef ds:uri="http://schemas.microsoft.com/office/2006/documentManagement/types"/>
-    <ds:schemaRef ds:uri="http://purl.org/dc/dcmitype/"/>
-    <ds:schemaRef ds:uri="http://schemas.openxmlformats.org/package/2006/metadata/core-properties"/>
-    <ds:schemaRef ds:uri="16c05727-aa75-4e4a-9b5f-8a80a1165891"/>
-  </ds:schemaRefs>
-</ds:datastoreItem>
 </file>
--- a/PPT_PoweBi_FinalProject_TejasDhamane.pptx
+++ b/PPT_PoweBi_FinalProject_TejasDhamane.pptx
@@ -10868,6 +10868,41 @@
                                   </p:childTnLst>
                                 </p:cTn>
                               </p:par>
+                              <p:par>
+                                <p:cTn id="14" presetID="10" presetClass="entr" presetSubtype="0" fill="hold" grpId="0" nodeType="withEffect">
+                                  <p:stCondLst>
+                                    <p:cond delay="0"/>
+                                  </p:stCondLst>
+                                  <p:childTnLst>
+                                    <p:set>
+                                      <p:cBhvr>
+                                        <p:cTn id="15" dur="1" fill="hold">
+                                          <p:stCondLst>
+                                            <p:cond delay="0"/>
+                                          </p:stCondLst>
+                                        </p:cTn>
+                                        <p:tgtEl>
+                                          <p:spTgt spid="3"/>
+                                        </p:tgtEl>
+                                        <p:attrNameLst>
+                                          <p:attrName>style.visibility</p:attrName>
+                                        </p:attrNameLst>
+                                      </p:cBhvr>
+                                      <p:to>
+                                        <p:strVal val="visible"/>
+                                      </p:to>
+                                    </p:set>
+                                    <p:animEffect transition="in" filter="fade">
+                                      <p:cBhvr>
+                                        <p:cTn id="16" dur="500"/>
+                                        <p:tgtEl>
+                                          <p:spTgt spid="3"/>
+                                        </p:tgtEl>
+                                      </p:cBhvr>
+                                    </p:animEffect>
+                                  </p:childTnLst>
+                                </p:cTn>
+                              </p:par>
                             </p:childTnLst>
                           </p:cTn>
                         </p:par>
@@ -10898,6 +10933,7 @@
     <p:bldLst>
       <p:bldP spid="2" grpId="0" build="p"/>
       <p:bldP spid="4" grpId="0"/>
+      <p:bldP spid="3" grpId="0"/>
     </p:bldLst>
   </p:timing>
 </p:sld>
